--- a/web console doc/User scenario - web console.pptx
+++ b/web console doc/User scenario - web console.pptx
@@ -123,4757 +123,6 @@
 </p:presentation>
 </file>
 
-<file path=ppt/diagrams/colors1.xml><?xml version="1.0" encoding="utf-8"?>
-<dgm:colorsDef xmlns:dgm="http://schemas.openxmlformats.org/drawingml/2006/diagram" xmlns:a="http://schemas.openxmlformats.org/drawingml/2006/main" uniqueId="urn:microsoft.com/office/officeart/2005/8/colors/accent1_2">
-  <dgm:title val=""/>
-  <dgm:desc val=""/>
-  <dgm:catLst>
-    <dgm:cat type="accent1" pri="11200"/>
-  </dgm:catLst>
-  <dgm:styleLbl name="node0">
-    <dgm:fillClrLst meth="repeat">
-      <a:schemeClr val="accent1"/>
-    </dgm:fillClrLst>
-    <dgm:linClrLst meth="repeat">
-      <a:schemeClr val="lt1"/>
-    </dgm:linClrLst>
-    <dgm:effectClrLst/>
-    <dgm:txLinClrLst/>
-    <dgm:txFillClrLst/>
-    <dgm:txEffectClrLst/>
-  </dgm:styleLbl>
-  <dgm:styleLbl name="alignNode1">
-    <dgm:fillClrLst meth="repeat">
-      <a:schemeClr val="accent1"/>
-    </dgm:fillClrLst>
-    <dgm:linClrLst meth="repeat">
-      <a:schemeClr val="accent1"/>
-    </dgm:linClrLst>
-    <dgm:effectClrLst/>
-    <dgm:txLinClrLst/>
-    <dgm:txFillClrLst/>
-    <dgm:txEffectClrLst/>
-  </dgm:styleLbl>
-  <dgm:styleLbl name="node1">
-    <dgm:fillClrLst meth="repeat">
-      <a:schemeClr val="accent1"/>
-    </dgm:fillClrLst>
-    <dgm:linClrLst meth="repeat">
-      <a:schemeClr val="lt1"/>
-    </dgm:linClrLst>
-    <dgm:effectClrLst/>
-    <dgm:txLinClrLst/>
-    <dgm:txFillClrLst/>
-    <dgm:txEffectClrLst/>
-  </dgm:styleLbl>
-  <dgm:styleLbl name="lnNode1">
-    <dgm:fillClrLst meth="repeat">
-      <a:schemeClr val="accent1"/>
-    </dgm:fillClrLst>
-    <dgm:linClrLst meth="repeat">
-      <a:schemeClr val="lt1"/>
-    </dgm:linClrLst>
-    <dgm:effectClrLst/>
-    <dgm:txLinClrLst/>
-    <dgm:txFillClrLst/>
-    <dgm:txEffectClrLst/>
-  </dgm:styleLbl>
-  <dgm:styleLbl name="vennNode1">
-    <dgm:fillClrLst meth="repeat">
-      <a:schemeClr val="accent1">
-        <a:alpha val="50000"/>
-      </a:schemeClr>
-    </dgm:fillClrLst>
-    <dgm:linClrLst meth="repeat">
-      <a:schemeClr val="lt1"/>
-    </dgm:linClrLst>
-    <dgm:effectClrLst/>
-    <dgm:txLinClrLst/>
-    <dgm:txFillClrLst/>
-    <dgm:txEffectClrLst/>
-  </dgm:styleLbl>
-  <dgm:styleLbl name="node2">
-    <dgm:fillClrLst meth="repeat">
-      <a:schemeClr val="accent1"/>
-    </dgm:fillClrLst>
-    <dgm:linClrLst meth="repeat">
-      <a:schemeClr val="lt1"/>
-    </dgm:linClrLst>
-    <dgm:effectClrLst/>
-    <dgm:txLinClrLst/>
-    <dgm:txFillClrLst/>
-    <dgm:txEffectClrLst/>
-  </dgm:styleLbl>
-  <dgm:styleLbl name="node3">
-    <dgm:fillClrLst meth="repeat">
-      <a:schemeClr val="accent1"/>
-    </dgm:fillClrLst>
-    <dgm:linClrLst meth="repeat">
-      <a:schemeClr val="lt1"/>
-    </dgm:linClrLst>
-    <dgm:effectClrLst/>
-    <dgm:txLinClrLst/>
-    <dgm:txFillClrLst/>
-    <dgm:txEffectClrLst/>
-  </dgm:styleLbl>
-  <dgm:styleLbl name="node4">
-    <dgm:fillClrLst meth="repeat">
-      <a:schemeClr val="accent1"/>
-    </dgm:fillClrLst>
-    <dgm:linClrLst meth="repeat">
-      <a:schemeClr val="lt1"/>
-    </dgm:linClrLst>
-    <dgm:effectClrLst/>
-    <dgm:txLinClrLst/>
-    <dgm:txFillClrLst/>
-    <dgm:txEffectClrLst/>
-  </dgm:styleLbl>
-  <dgm:styleLbl name="fgImgPlace1">
-    <dgm:fillClrLst meth="repeat">
-      <a:schemeClr val="accent1">
-        <a:tint val="50000"/>
-      </a:schemeClr>
-    </dgm:fillClrLst>
-    <dgm:linClrLst meth="repeat">
-      <a:schemeClr val="lt1"/>
-    </dgm:linClrLst>
-    <dgm:effectClrLst/>
-    <dgm:txLinClrLst/>
-    <dgm:txFillClrLst meth="repeat">
-      <a:schemeClr val="lt1"/>
-    </dgm:txFillClrLst>
-    <dgm:txEffectClrLst/>
-  </dgm:styleLbl>
-  <dgm:styleLbl name="alignImgPlace1">
-    <dgm:fillClrLst meth="repeat">
-      <a:schemeClr val="accent1">
-        <a:tint val="50000"/>
-      </a:schemeClr>
-    </dgm:fillClrLst>
-    <dgm:linClrLst meth="repeat">
-      <a:schemeClr val="lt1"/>
-    </dgm:linClrLst>
-    <dgm:effectClrLst/>
-    <dgm:txLinClrLst/>
-    <dgm:txFillClrLst meth="repeat">
-      <a:schemeClr val="lt1"/>
-    </dgm:txFillClrLst>
-    <dgm:txEffectClrLst/>
-  </dgm:styleLbl>
-  <dgm:styleLbl name="bgImgPlace1">
-    <dgm:fillClrLst meth="repeat">
-      <a:schemeClr val="accent1">
-        <a:tint val="50000"/>
-      </a:schemeClr>
-    </dgm:fillClrLst>
-    <dgm:linClrLst meth="repeat">
-      <a:schemeClr val="lt1"/>
-    </dgm:linClrLst>
-    <dgm:effectClrLst/>
-    <dgm:txLinClrLst/>
-    <dgm:txFillClrLst meth="repeat">
-      <a:schemeClr val="lt1"/>
-    </dgm:txFillClrLst>
-    <dgm:txEffectClrLst/>
-  </dgm:styleLbl>
-  <dgm:styleLbl name="sibTrans2D1">
-    <dgm:fillClrLst meth="repeat">
-      <a:schemeClr val="accent1">
-        <a:tint val="60000"/>
-      </a:schemeClr>
-    </dgm:fillClrLst>
-    <dgm:linClrLst meth="repeat">
-      <a:schemeClr val="accent1">
-        <a:tint val="60000"/>
-      </a:schemeClr>
-    </dgm:linClrLst>
-    <dgm:effectClrLst/>
-    <dgm:txLinClrLst/>
-    <dgm:txFillClrLst/>
-    <dgm:txEffectClrLst/>
-  </dgm:styleLbl>
-  <dgm:styleLbl name="fgSibTrans2D1">
-    <dgm:fillClrLst meth="repeat">
-      <a:schemeClr val="accent1">
-        <a:tint val="60000"/>
-      </a:schemeClr>
-    </dgm:fillClrLst>
-    <dgm:linClrLst meth="repeat">
-      <a:schemeClr val="accent1">
-        <a:tint val="60000"/>
-      </a:schemeClr>
-    </dgm:linClrLst>
-    <dgm:effectClrLst/>
-    <dgm:txLinClrLst/>
-    <dgm:txFillClrLst/>
-    <dgm:txEffectClrLst/>
-  </dgm:styleLbl>
-  <dgm:styleLbl name="bgSibTrans2D1">
-    <dgm:fillClrLst meth="repeat">
-      <a:schemeClr val="accent1">
-        <a:tint val="60000"/>
-      </a:schemeClr>
-    </dgm:fillClrLst>
-    <dgm:linClrLst meth="repeat">
-      <a:schemeClr val="accent1">
-        <a:tint val="60000"/>
-      </a:schemeClr>
-    </dgm:linClrLst>
-    <dgm:effectClrLst/>
-    <dgm:txLinClrLst/>
-    <dgm:txFillClrLst/>
-    <dgm:txEffectClrLst/>
-  </dgm:styleLbl>
-  <dgm:styleLbl name="sibTrans1D1">
-    <dgm:fillClrLst meth="repeat">
-      <a:schemeClr val="accent1"/>
-    </dgm:fillClrLst>
-    <dgm:linClrLst meth="repeat">
-      <a:schemeClr val="accent1"/>
-    </dgm:linClrLst>
-    <dgm:effectClrLst/>
-    <dgm:txLinClrLst/>
-    <dgm:txFillClrLst meth="repeat">
-      <a:schemeClr val="tx1"/>
-    </dgm:txFillClrLst>
-    <dgm:txEffectClrLst/>
-  </dgm:styleLbl>
-  <dgm:styleLbl name="callout">
-    <dgm:fillClrLst meth="repeat">
-      <a:schemeClr val="accent1"/>
-    </dgm:fillClrLst>
-    <dgm:linClrLst meth="repeat">
-      <a:schemeClr val="accent1">
-        <a:tint val="50000"/>
-      </a:schemeClr>
-    </dgm:linClrLst>
-    <dgm:effectClrLst/>
-    <dgm:txLinClrLst/>
-    <dgm:txFillClrLst meth="repeat">
-      <a:schemeClr val="tx1"/>
-    </dgm:txFillClrLst>
-    <dgm:txEffectClrLst/>
-  </dgm:styleLbl>
-  <dgm:styleLbl name="asst0">
-    <dgm:fillClrLst meth="repeat">
-      <a:schemeClr val="accent1"/>
-    </dgm:fillClrLst>
-    <dgm:linClrLst meth="repeat">
-      <a:schemeClr val="lt1"/>
-    </dgm:linClrLst>
-    <dgm:effectClrLst/>
-    <dgm:txLinClrLst/>
-    <dgm:txFillClrLst/>
-    <dgm:txEffectClrLst/>
-  </dgm:styleLbl>
-  <dgm:styleLbl name="asst1">
-    <dgm:fillClrLst meth="repeat">
-      <a:schemeClr val="accent1"/>
-    </dgm:fillClrLst>
-    <dgm:linClrLst meth="repeat">
-      <a:schemeClr val="lt1"/>
-    </dgm:linClrLst>
-    <dgm:effectClrLst/>
-    <dgm:txLinClrLst/>
-    <dgm:txFillClrLst/>
-    <dgm:txEffectClrLst/>
-  </dgm:styleLbl>
-  <dgm:styleLbl name="asst2">
-    <dgm:fillClrLst meth="repeat">
-      <a:schemeClr val="accent1"/>
-    </dgm:fillClrLst>
-    <dgm:linClrLst meth="repeat">
-      <a:schemeClr val="lt1"/>
-    </dgm:linClrLst>
-    <dgm:effectClrLst/>
-    <dgm:txLinClrLst/>
-    <dgm:txFillClrLst/>
-    <dgm:txEffectClrLst/>
-  </dgm:styleLbl>
-  <dgm:styleLbl name="asst3">
-    <dgm:fillClrLst meth="repeat">
-      <a:schemeClr val="accent1"/>
-    </dgm:fillClrLst>
-    <dgm:linClrLst meth="repeat">
-      <a:schemeClr val="lt1"/>
-    </dgm:linClrLst>
-    <dgm:effectClrLst/>
-    <dgm:txLinClrLst/>
-    <dgm:txFillClrLst/>
-    <dgm:txEffectClrLst/>
-  </dgm:styleLbl>
-  <dgm:styleLbl name="asst4">
-    <dgm:fillClrLst meth="repeat">
-      <a:schemeClr val="accent1"/>
-    </dgm:fillClrLst>
-    <dgm:linClrLst meth="repeat">
-      <a:schemeClr val="lt1"/>
-    </dgm:linClrLst>
-    <dgm:effectClrLst/>
-    <dgm:txLinClrLst/>
-    <dgm:txFillClrLst/>
-    <dgm:txEffectClrLst/>
-  </dgm:styleLbl>
-  <dgm:styleLbl name="parChTrans2D1">
-    <dgm:fillClrLst meth="repeat">
-      <a:schemeClr val="accent1">
-        <a:tint val="60000"/>
-      </a:schemeClr>
-    </dgm:fillClrLst>
-    <dgm:linClrLst meth="repeat">
-      <a:schemeClr val="accent1">
-        <a:tint val="60000"/>
-      </a:schemeClr>
-    </dgm:linClrLst>
-    <dgm:effectClrLst/>
-    <dgm:txLinClrLst/>
-    <dgm:txFillClrLst meth="repeat">
-      <a:schemeClr val="lt1"/>
-    </dgm:txFillClrLst>
-    <dgm:txEffectClrLst/>
-  </dgm:styleLbl>
-  <dgm:styleLbl name="parChTrans2D2">
-    <dgm:fillClrLst meth="repeat">
-      <a:schemeClr val="accent1"/>
-    </dgm:fillClrLst>
-    <dgm:linClrLst meth="repeat">
-      <a:schemeClr val="accent1"/>
-    </dgm:linClrLst>
-    <dgm:effectClrLst/>
-    <dgm:txLinClrLst/>
-    <dgm:txFillClrLst meth="repeat">
-      <a:schemeClr val="lt1"/>
-    </dgm:txFillClrLst>
-    <dgm:txEffectClrLst/>
-  </dgm:styleLbl>
-  <dgm:styleLbl name="parChTrans2D3">
-    <dgm:fillClrLst meth="repeat">
-      <a:schemeClr val="accent1"/>
-    </dgm:fillClrLst>
-    <dgm:linClrLst meth="repeat">
-      <a:schemeClr val="accent1"/>
-    </dgm:linClrLst>
-    <dgm:effectClrLst/>
-    <dgm:txLinClrLst/>
-    <dgm:txFillClrLst meth="repeat">
-      <a:schemeClr val="lt1"/>
-    </dgm:txFillClrLst>
-    <dgm:txEffectClrLst/>
-  </dgm:styleLbl>
-  <dgm:styleLbl name="parChTrans2D4">
-    <dgm:fillClrLst meth="repeat">
-      <a:schemeClr val="accent1"/>
-    </dgm:fillClrLst>
-    <dgm:linClrLst meth="repeat">
-      <a:schemeClr val="accent1"/>
-    </dgm:linClrLst>
-    <dgm:effectClrLst/>
-    <dgm:txLinClrLst/>
-    <dgm:txFillClrLst meth="repeat">
-      <a:schemeClr val="lt1"/>
-    </dgm:txFillClrLst>
-    <dgm:txEffectClrLst/>
-  </dgm:styleLbl>
-  <dgm:styleLbl name="parChTrans1D1">
-    <dgm:fillClrLst meth="repeat">
-      <a:schemeClr val="accent1"/>
-    </dgm:fillClrLst>
-    <dgm:linClrLst meth="repeat">
-      <a:schemeClr val="accent1">
-        <a:shade val="60000"/>
-      </a:schemeClr>
-    </dgm:linClrLst>
-    <dgm:effectClrLst/>
-    <dgm:txLinClrLst/>
-    <dgm:txFillClrLst meth="repeat">
-      <a:schemeClr val="tx1"/>
-    </dgm:txFillClrLst>
-    <dgm:txEffectClrLst/>
-  </dgm:styleLbl>
-  <dgm:styleLbl name="parChTrans1D2">
-    <dgm:fillClrLst meth="repeat">
-      <a:schemeClr val="accent1"/>
-    </dgm:fillClrLst>
-    <dgm:linClrLst meth="repeat">
-      <a:schemeClr val="accent1">
-        <a:shade val="60000"/>
-      </a:schemeClr>
-    </dgm:linClrLst>
-    <dgm:effectClrLst/>
-    <dgm:txLinClrLst/>
-    <dgm:txFillClrLst meth="repeat">
-      <a:schemeClr val="tx1"/>
-    </dgm:txFillClrLst>
-    <dgm:txEffectClrLst/>
-  </dgm:styleLbl>
-  <dgm:styleLbl name="parChTrans1D3">
-    <dgm:fillClrLst meth="repeat">
-      <a:schemeClr val="accent1"/>
-    </dgm:fillClrLst>
-    <dgm:linClrLst meth="repeat">
-      <a:schemeClr val="accent1">
-        <a:shade val="80000"/>
-      </a:schemeClr>
-    </dgm:linClrLst>
-    <dgm:effectClrLst/>
-    <dgm:txLinClrLst/>
-    <dgm:txFillClrLst meth="repeat">
-      <a:schemeClr val="tx1"/>
-    </dgm:txFillClrLst>
-    <dgm:txEffectClrLst/>
-  </dgm:styleLbl>
-  <dgm:styleLbl name="parChTrans1D4">
-    <dgm:fillClrLst meth="repeat">
-      <a:schemeClr val="accent1"/>
-    </dgm:fillClrLst>
-    <dgm:linClrLst meth="repeat">
-      <a:schemeClr val="accent1">
-        <a:shade val="80000"/>
-      </a:schemeClr>
-    </dgm:linClrLst>
-    <dgm:effectClrLst/>
-    <dgm:txLinClrLst/>
-    <dgm:txFillClrLst meth="repeat">
-      <a:schemeClr val="tx1"/>
-    </dgm:txFillClrLst>
-    <dgm:txEffectClrLst/>
-  </dgm:styleLbl>
-  <dgm:styleLbl name="fgAcc1">
-    <dgm:fillClrLst meth="repeat">
-      <a:schemeClr val="lt1">
-        <a:alpha val="90000"/>
-      </a:schemeClr>
-    </dgm:fillClrLst>
-    <dgm:linClrLst meth="repeat">
-      <a:schemeClr val="accent1"/>
-    </dgm:linClrLst>
-    <dgm:effectClrLst/>
-    <dgm:txLinClrLst/>
-    <dgm:txFillClrLst meth="repeat">
-      <a:schemeClr val="dk1"/>
-    </dgm:txFillClrLst>
-    <dgm:txEffectClrLst/>
-  </dgm:styleLbl>
-  <dgm:styleLbl name="conFgAcc1">
-    <dgm:fillClrLst meth="repeat">
-      <a:schemeClr val="lt1">
-        <a:alpha val="90000"/>
-      </a:schemeClr>
-    </dgm:fillClrLst>
-    <dgm:linClrLst meth="repeat">
-      <a:schemeClr val="accent1"/>
-    </dgm:linClrLst>
-    <dgm:effectClrLst/>
-    <dgm:txLinClrLst/>
-    <dgm:txFillClrLst meth="repeat">
-      <a:schemeClr val="dk1"/>
-    </dgm:txFillClrLst>
-    <dgm:txEffectClrLst/>
-  </dgm:styleLbl>
-  <dgm:styleLbl name="alignAcc1">
-    <dgm:fillClrLst meth="repeat">
-      <a:schemeClr val="lt1">
-        <a:alpha val="90000"/>
-      </a:schemeClr>
-    </dgm:fillClrLst>
-    <dgm:linClrLst meth="repeat">
-      <a:schemeClr val="accent1"/>
-    </dgm:linClrLst>
-    <dgm:effectClrLst/>
-    <dgm:txLinClrLst/>
-    <dgm:txFillClrLst meth="repeat">
-      <a:schemeClr val="dk1"/>
-    </dgm:txFillClrLst>
-    <dgm:txEffectClrLst/>
-  </dgm:styleLbl>
-  <dgm:styleLbl name="trAlignAcc1">
-    <dgm:fillClrLst meth="repeat">
-      <a:schemeClr val="lt1">
-        <a:alpha val="40000"/>
-      </a:schemeClr>
-    </dgm:fillClrLst>
-    <dgm:linClrLst meth="repeat">
-      <a:schemeClr val="accent1"/>
-    </dgm:linClrLst>
-    <dgm:effectClrLst/>
-    <dgm:txLinClrLst/>
-    <dgm:txFillClrLst meth="repeat">
-      <a:schemeClr val="dk1"/>
-    </dgm:txFillClrLst>
-    <dgm:txEffectClrLst/>
-  </dgm:styleLbl>
-  <dgm:styleLbl name="bgAcc1">
-    <dgm:fillClrLst meth="repeat">
-      <a:schemeClr val="lt1">
-        <a:alpha val="90000"/>
-      </a:schemeClr>
-    </dgm:fillClrLst>
-    <dgm:linClrLst meth="repeat">
-      <a:schemeClr val="accent1"/>
-    </dgm:linClrLst>
-    <dgm:effectClrLst/>
-    <dgm:txLinClrLst/>
-    <dgm:txFillClrLst meth="repeat">
-      <a:schemeClr val="dk1"/>
-    </dgm:txFillClrLst>
-    <dgm:txEffectClrLst/>
-  </dgm:styleLbl>
-  <dgm:styleLbl name="solidFgAcc1">
-    <dgm:fillClrLst meth="repeat">
-      <a:schemeClr val="lt1"/>
-    </dgm:fillClrLst>
-    <dgm:linClrLst meth="repeat">
-      <a:schemeClr val="accent1"/>
-    </dgm:linClrLst>
-    <dgm:effectClrLst/>
-    <dgm:txLinClrLst/>
-    <dgm:txFillClrLst meth="repeat">
-      <a:schemeClr val="dk1"/>
-    </dgm:txFillClrLst>
-    <dgm:txEffectClrLst/>
-  </dgm:styleLbl>
-  <dgm:styleLbl name="solidAlignAcc1">
-    <dgm:fillClrLst meth="repeat">
-      <a:schemeClr val="lt1"/>
-    </dgm:fillClrLst>
-    <dgm:linClrLst meth="repeat">
-      <a:schemeClr val="accent1"/>
-    </dgm:linClrLst>
-    <dgm:effectClrLst/>
-    <dgm:txLinClrLst/>
-    <dgm:txFillClrLst meth="repeat">
-      <a:schemeClr val="dk1"/>
-    </dgm:txFillClrLst>
-    <dgm:txEffectClrLst/>
-  </dgm:styleLbl>
-  <dgm:styleLbl name="solidBgAcc1">
-    <dgm:fillClrLst meth="repeat">
-      <a:schemeClr val="lt1"/>
-    </dgm:fillClrLst>
-    <dgm:linClrLst meth="repeat">
-      <a:schemeClr val="accent1"/>
-    </dgm:linClrLst>
-    <dgm:effectClrLst/>
-    <dgm:txLinClrLst/>
-    <dgm:txFillClrLst meth="repeat">
-      <a:schemeClr val="dk1"/>
-    </dgm:txFillClrLst>
-    <dgm:txEffectClrLst/>
-  </dgm:styleLbl>
-  <dgm:styleLbl name="fgAccFollowNode1">
-    <dgm:fillClrLst meth="repeat">
-      <a:schemeClr val="accent1">
-        <a:alpha val="90000"/>
-        <a:tint val="40000"/>
-      </a:schemeClr>
-    </dgm:fillClrLst>
-    <dgm:linClrLst meth="repeat">
-      <a:schemeClr val="accent1">
-        <a:alpha val="90000"/>
-        <a:tint val="40000"/>
-      </a:schemeClr>
-    </dgm:linClrLst>
-    <dgm:effectClrLst/>
-    <dgm:txLinClrLst/>
-    <dgm:txFillClrLst meth="repeat">
-      <a:schemeClr val="dk1"/>
-    </dgm:txFillClrLst>
-    <dgm:txEffectClrLst/>
-  </dgm:styleLbl>
-  <dgm:styleLbl name="alignAccFollowNode1">
-    <dgm:fillClrLst meth="repeat">
-      <a:schemeClr val="accent1">
-        <a:alpha val="90000"/>
-        <a:tint val="40000"/>
-      </a:schemeClr>
-    </dgm:fillClrLst>
-    <dgm:linClrLst meth="repeat">
-      <a:schemeClr val="accent1">
-        <a:alpha val="90000"/>
-        <a:tint val="40000"/>
-      </a:schemeClr>
-    </dgm:linClrLst>
-    <dgm:effectClrLst/>
-    <dgm:txLinClrLst/>
-    <dgm:txFillClrLst meth="repeat">
-      <a:schemeClr val="dk1"/>
-    </dgm:txFillClrLst>
-    <dgm:txEffectClrLst/>
-  </dgm:styleLbl>
-  <dgm:styleLbl name="bgAccFollowNode1">
-    <dgm:fillClrLst meth="repeat">
-      <a:schemeClr val="accent1">
-        <a:alpha val="90000"/>
-        <a:tint val="40000"/>
-      </a:schemeClr>
-    </dgm:fillClrLst>
-    <dgm:linClrLst meth="repeat">
-      <a:schemeClr val="accent1">
-        <a:alpha val="90000"/>
-        <a:tint val="40000"/>
-      </a:schemeClr>
-    </dgm:linClrLst>
-    <dgm:effectClrLst/>
-    <dgm:txLinClrLst/>
-    <dgm:txFillClrLst meth="repeat">
-      <a:schemeClr val="dk1"/>
-    </dgm:txFillClrLst>
-    <dgm:txEffectClrLst/>
-  </dgm:styleLbl>
-  <dgm:styleLbl name="fgAcc0">
-    <dgm:fillClrLst meth="repeat">
-      <a:schemeClr val="lt1">
-        <a:alpha val="90000"/>
-      </a:schemeClr>
-    </dgm:fillClrLst>
-    <dgm:linClrLst meth="repeat">
-      <a:schemeClr val="accent1"/>
-    </dgm:linClrLst>
-    <dgm:effectClrLst/>
-    <dgm:txLinClrLst/>
-    <dgm:txFillClrLst meth="repeat">
-      <a:schemeClr val="dk1"/>
-    </dgm:txFillClrLst>
-    <dgm:txEffectClrLst/>
-  </dgm:styleLbl>
-  <dgm:styleLbl name="fgAcc2">
-    <dgm:fillClrLst meth="repeat">
-      <a:schemeClr val="lt1">
-        <a:alpha val="90000"/>
-      </a:schemeClr>
-    </dgm:fillClrLst>
-    <dgm:linClrLst meth="repeat">
-      <a:schemeClr val="accent1"/>
-    </dgm:linClrLst>
-    <dgm:effectClrLst/>
-    <dgm:txLinClrLst/>
-    <dgm:txFillClrLst meth="repeat">
-      <a:schemeClr val="dk1"/>
-    </dgm:txFillClrLst>
-    <dgm:txEffectClrLst/>
-  </dgm:styleLbl>
-  <dgm:styleLbl name="fgAcc3">
-    <dgm:fillClrLst meth="repeat">
-      <a:schemeClr val="lt1">
-        <a:alpha val="90000"/>
-      </a:schemeClr>
-    </dgm:fillClrLst>
-    <dgm:linClrLst meth="repeat">
-      <a:schemeClr val="accent1"/>
-    </dgm:linClrLst>
-    <dgm:effectClrLst/>
-    <dgm:txLinClrLst/>
-    <dgm:txFillClrLst meth="repeat">
-      <a:schemeClr val="dk1"/>
-    </dgm:txFillClrLst>
-    <dgm:txEffectClrLst/>
-  </dgm:styleLbl>
-  <dgm:styleLbl name="fgAcc4">
-    <dgm:fillClrLst meth="repeat">
-      <a:schemeClr val="lt1">
-        <a:alpha val="90000"/>
-      </a:schemeClr>
-    </dgm:fillClrLst>
-    <dgm:linClrLst meth="repeat">
-      <a:schemeClr val="accent1"/>
-    </dgm:linClrLst>
-    <dgm:effectClrLst/>
-    <dgm:txLinClrLst/>
-    <dgm:txFillClrLst meth="repeat">
-      <a:schemeClr val="dk1"/>
-    </dgm:txFillClrLst>
-    <dgm:txEffectClrLst/>
-  </dgm:styleLbl>
-  <dgm:styleLbl name="bgShp">
-    <dgm:fillClrLst meth="repeat">
-      <a:schemeClr val="accent1">
-        <a:tint val="40000"/>
-      </a:schemeClr>
-    </dgm:fillClrLst>
-    <dgm:linClrLst meth="repeat">
-      <a:schemeClr val="accent1"/>
-    </dgm:linClrLst>
-    <dgm:effectClrLst/>
-    <dgm:txLinClrLst/>
-    <dgm:txFillClrLst meth="repeat">
-      <a:schemeClr val="dk1"/>
-    </dgm:txFillClrLst>
-    <dgm:txEffectClrLst/>
-  </dgm:styleLbl>
-  <dgm:styleLbl name="dkBgShp">
-    <dgm:fillClrLst meth="repeat">
-      <a:schemeClr val="accent1">
-        <a:shade val="80000"/>
-      </a:schemeClr>
-    </dgm:fillClrLst>
-    <dgm:linClrLst meth="repeat">
-      <a:schemeClr val="accent1"/>
-    </dgm:linClrLst>
-    <dgm:effectClrLst/>
-    <dgm:txLinClrLst/>
-    <dgm:txFillClrLst meth="repeat">
-      <a:schemeClr val="lt1"/>
-    </dgm:txFillClrLst>
-    <dgm:txEffectClrLst/>
-  </dgm:styleLbl>
-  <dgm:styleLbl name="trBgShp">
-    <dgm:fillClrLst meth="repeat">
-      <a:schemeClr val="accent1">
-        <a:tint val="50000"/>
-        <a:alpha val="40000"/>
-      </a:schemeClr>
-    </dgm:fillClrLst>
-    <dgm:linClrLst meth="repeat">
-      <a:schemeClr val="accent1"/>
-    </dgm:linClrLst>
-    <dgm:effectClrLst/>
-    <dgm:txLinClrLst/>
-    <dgm:txFillClrLst meth="repeat">
-      <a:schemeClr val="lt1"/>
-    </dgm:txFillClrLst>
-    <dgm:txEffectClrLst/>
-  </dgm:styleLbl>
-  <dgm:styleLbl name="fgShp">
-    <dgm:fillClrLst meth="repeat">
-      <a:schemeClr val="accent1">
-        <a:tint val="60000"/>
-      </a:schemeClr>
-    </dgm:fillClrLst>
-    <dgm:linClrLst meth="repeat">
-      <a:schemeClr val="lt1"/>
-    </dgm:linClrLst>
-    <dgm:effectClrLst/>
-    <dgm:txLinClrLst/>
-    <dgm:txFillClrLst meth="repeat">
-      <a:schemeClr val="dk1"/>
-    </dgm:txFillClrLst>
-    <dgm:txEffectClrLst/>
-  </dgm:styleLbl>
-  <dgm:styleLbl name="revTx">
-    <dgm:fillClrLst meth="repeat">
-      <a:schemeClr val="lt1">
-        <a:alpha val="0"/>
-      </a:schemeClr>
-    </dgm:fillClrLst>
-    <dgm:linClrLst meth="repeat">
-      <a:schemeClr val="dk1">
-        <a:alpha val="0"/>
-      </a:schemeClr>
-    </dgm:linClrLst>
-    <dgm:effectClrLst/>
-    <dgm:txLinClrLst/>
-    <dgm:txFillClrLst meth="repeat">
-      <a:schemeClr val="tx1"/>
-    </dgm:txFillClrLst>
-    <dgm:txEffectClrLst/>
-  </dgm:styleLbl>
-</dgm:colorsDef>
-</file>
-
-<file path=ppt/diagrams/data1.xml><?xml version="1.0" encoding="utf-8"?>
-<dgm:dataModel xmlns:dgm="http://schemas.openxmlformats.org/drawingml/2006/diagram" xmlns:a="http://schemas.openxmlformats.org/drawingml/2006/main">
-  <dgm:ptLst>
-    <dgm:pt modelId="{30BF6CED-022E-9244-A90E-868D1082A46B}" type="doc">
-      <dgm:prSet loTypeId="urn:microsoft.com/office/officeart/2005/8/layout/hierarchy1" loCatId="" qsTypeId="urn:microsoft.com/office/officeart/2005/8/quickstyle/simple4" qsCatId="simple" csTypeId="urn:microsoft.com/office/officeart/2005/8/colors/accent1_2" csCatId="accent1" phldr="1"/>
-      <dgm:spPr/>
-      <dgm:t>
-        <a:bodyPr/>
-        <a:lstStyle/>
-        <a:p>
-          <a:endParaRPr lang="en-US"/>
-        </a:p>
-      </dgm:t>
-    </dgm:pt>
-    <dgm:pt modelId="{DAEA4CDA-722C-2348-99D5-20876A05BB5B}">
-      <dgm:prSet phldrT="[Text]" custT="1"/>
-      <dgm:spPr>
-        <a:solidFill>
-          <a:schemeClr val="accent3">
-            <a:alpha val="90000"/>
-          </a:schemeClr>
-        </a:solidFill>
-      </dgm:spPr>
-      <dgm:t>
-        <a:bodyPr/>
-        <a:lstStyle/>
-        <a:p>
-          <a:r>
-            <a:rPr lang="en-US" sz="1050" dirty="0" smtClean="0"/>
-            <a:t>View </a:t>
-          </a:r>
-          <a:r>
-            <a:rPr lang="en-US" sz="1050" dirty="0" smtClean="0"/>
-            <a:t>My Hubs</a:t>
-          </a:r>
-          <a:endParaRPr lang="en-US" sz="1050" dirty="0"/>
-        </a:p>
-      </dgm:t>
-      <dgm:extLst>
-        <a:ext uri="{E40237B7-FDA0-4F09-8148-C483321AD2D9}">
-          <dgm14:cNvPr xmlns:dgm14="http://schemas.microsoft.com/office/drawing/2010/diagram" id="0" name="">
-            <a:hlinkClick xmlns:r="http://schemas.openxmlformats.org/officeDocument/2006/relationships" r:id="rId1" action="ppaction://hlinksldjump"/>
-          </dgm14:cNvPr>
-        </a:ext>
-      </dgm:extLst>
-    </dgm:pt>
-    <dgm:pt modelId="{DB01EC59-5EA5-AF44-AC3C-597EA672B2D2}" type="parTrans" cxnId="{BEDBF7CE-1E95-3346-846F-72E3D6FE7506}">
-      <dgm:prSet/>
-      <dgm:spPr/>
-      <dgm:t>
-        <a:bodyPr/>
-        <a:lstStyle/>
-        <a:p>
-          <a:endParaRPr lang="en-US" sz="2000"/>
-        </a:p>
-      </dgm:t>
-    </dgm:pt>
-    <dgm:pt modelId="{12789A22-4ADF-D14E-BB8D-1C9118BA781B}" type="sibTrans" cxnId="{BEDBF7CE-1E95-3346-846F-72E3D6FE7506}">
-      <dgm:prSet/>
-      <dgm:spPr/>
-      <dgm:t>
-        <a:bodyPr/>
-        <a:lstStyle/>
-        <a:p>
-          <a:endParaRPr lang="en-US" sz="2000"/>
-        </a:p>
-      </dgm:t>
-    </dgm:pt>
-    <dgm:pt modelId="{F3D4C62C-6FB9-9A49-9DF7-C117F4E1F6C3}">
-      <dgm:prSet phldrT="[Text]" custT="1"/>
-      <dgm:spPr>
-        <a:solidFill>
-          <a:schemeClr val="accent3">
-            <a:alpha val="90000"/>
-          </a:schemeClr>
-        </a:solidFill>
-      </dgm:spPr>
-      <dgm:t>
-        <a:bodyPr/>
-        <a:lstStyle/>
-        <a:p>
-          <a:r>
-            <a:rPr lang="en-US" sz="1050" dirty="0" smtClean="0"/>
-            <a:t>Hubs list</a:t>
-          </a:r>
-          <a:endParaRPr lang="en-US" sz="1050" dirty="0"/>
-        </a:p>
-      </dgm:t>
-      <dgm:extLst>
-        <a:ext uri="{E40237B7-FDA0-4F09-8148-C483321AD2D9}">
-          <dgm14:cNvPr xmlns:dgm14="http://schemas.microsoft.com/office/drawing/2010/diagram" id="0" name="">
-            <a:hlinkClick xmlns:r="http://schemas.openxmlformats.org/officeDocument/2006/relationships" r:id="rId2" action="ppaction://hlinksldjump"/>
-          </dgm14:cNvPr>
-        </a:ext>
-      </dgm:extLst>
-    </dgm:pt>
-    <dgm:pt modelId="{8C6473F5-A5A5-8342-AFCD-B62FC9635312}" type="parTrans" cxnId="{D73933F7-B9E8-0348-BCD9-993CE0118F92}">
-      <dgm:prSet/>
-      <dgm:spPr/>
-      <dgm:t>
-        <a:bodyPr/>
-        <a:lstStyle/>
-        <a:p>
-          <a:endParaRPr lang="en-US" sz="2000"/>
-        </a:p>
-      </dgm:t>
-    </dgm:pt>
-    <dgm:pt modelId="{9D423FE6-D816-C64A-87A0-C33DB567CE29}" type="sibTrans" cxnId="{D73933F7-B9E8-0348-BCD9-993CE0118F92}">
-      <dgm:prSet/>
-      <dgm:spPr/>
-      <dgm:t>
-        <a:bodyPr/>
-        <a:lstStyle/>
-        <a:p>
-          <a:endParaRPr lang="en-US" sz="2000"/>
-        </a:p>
-      </dgm:t>
-    </dgm:pt>
-    <dgm:pt modelId="{EEB1DE3E-97F3-FD41-82A1-FB064E57D575}">
-      <dgm:prSet phldrT="[Text]" custT="1"/>
-      <dgm:spPr>
-        <a:solidFill>
-          <a:schemeClr val="accent3">
-            <a:alpha val="90000"/>
-          </a:schemeClr>
-        </a:solidFill>
-      </dgm:spPr>
-      <dgm:t>
-        <a:bodyPr/>
-        <a:lstStyle/>
-        <a:p>
-          <a:r>
-            <a:rPr lang="en-US" sz="1050" dirty="0" smtClean="0"/>
-            <a:t>Open</a:t>
-          </a:r>
-          <a:endParaRPr lang="en-US" sz="1050" dirty="0"/>
-        </a:p>
-      </dgm:t>
-      <dgm:extLst>
-        <a:ext uri="{E40237B7-FDA0-4F09-8148-C483321AD2D9}">
-          <dgm14:cNvPr xmlns:dgm14="http://schemas.microsoft.com/office/drawing/2010/diagram" id="0" name="">
-            <a:hlinkClick xmlns:r="http://schemas.openxmlformats.org/officeDocument/2006/relationships" r:id="rId2" action="ppaction://hlinksldjump"/>
-          </dgm14:cNvPr>
-        </a:ext>
-      </dgm:extLst>
-    </dgm:pt>
-    <dgm:pt modelId="{3CD7D80A-034D-3741-8973-3237C011BCAC}" type="parTrans" cxnId="{28D37E0D-E95B-7C48-BFF3-D44522C593FA}">
-      <dgm:prSet/>
-      <dgm:spPr/>
-      <dgm:t>
-        <a:bodyPr/>
-        <a:lstStyle/>
-        <a:p>
-          <a:endParaRPr lang="en-US" sz="2000"/>
-        </a:p>
-      </dgm:t>
-    </dgm:pt>
-    <dgm:pt modelId="{68A21280-D90D-244C-8E05-C15C4A9914AC}" type="sibTrans" cxnId="{28D37E0D-E95B-7C48-BFF3-D44522C593FA}">
-      <dgm:prSet/>
-      <dgm:spPr/>
-      <dgm:t>
-        <a:bodyPr/>
-        <a:lstStyle/>
-        <a:p>
-          <a:endParaRPr lang="en-US" sz="2000"/>
-        </a:p>
-      </dgm:t>
-    </dgm:pt>
-    <dgm:pt modelId="{BCD37CA0-991B-0B4C-852A-636359039F64}">
-      <dgm:prSet phldrT="[Text]" custT="1"/>
-      <dgm:spPr>
-        <a:solidFill>
-          <a:schemeClr val="accent3">
-            <a:alpha val="90000"/>
-          </a:schemeClr>
-        </a:solidFill>
-      </dgm:spPr>
-      <dgm:t>
-        <a:bodyPr/>
-        <a:lstStyle/>
-        <a:p>
-          <a:r>
-            <a:rPr lang="en-US" sz="1050" dirty="0" smtClean="0"/>
-            <a:t>Shares list</a:t>
-          </a:r>
-          <a:endParaRPr lang="en-US" sz="1050" dirty="0"/>
-        </a:p>
-      </dgm:t>
-      <dgm:extLst>
-        <a:ext uri="{E40237B7-FDA0-4F09-8148-C483321AD2D9}">
-          <dgm14:cNvPr xmlns:dgm14="http://schemas.microsoft.com/office/drawing/2010/diagram" id="0" name="">
-            <a:hlinkClick xmlns:r="http://schemas.openxmlformats.org/officeDocument/2006/relationships" r:id="rId3" action="ppaction://hlinksldjump"/>
-          </dgm14:cNvPr>
-        </a:ext>
-      </dgm:extLst>
-    </dgm:pt>
-    <dgm:pt modelId="{399CA3CA-1AE3-5948-9A94-7A678E0ED363}" type="parTrans" cxnId="{3BD68735-06D0-ED47-9D93-14E3DA395A36}">
-      <dgm:prSet/>
-      <dgm:spPr/>
-      <dgm:t>
-        <a:bodyPr/>
-        <a:lstStyle/>
-        <a:p>
-          <a:endParaRPr lang="en-US" sz="2000"/>
-        </a:p>
-      </dgm:t>
-    </dgm:pt>
-    <dgm:pt modelId="{EDAB7EEE-096B-6045-A96B-BD94C2D5B78E}" type="sibTrans" cxnId="{3BD68735-06D0-ED47-9D93-14E3DA395A36}">
-      <dgm:prSet/>
-      <dgm:spPr/>
-      <dgm:t>
-        <a:bodyPr/>
-        <a:lstStyle/>
-        <a:p>
-          <a:endParaRPr lang="en-US" sz="2000"/>
-        </a:p>
-      </dgm:t>
-    </dgm:pt>
-    <dgm:pt modelId="{4194C6AC-0F20-914E-BC2C-248D98D3F784}">
-      <dgm:prSet phldrT="[Text]" custT="1"/>
-      <dgm:spPr>
-        <a:solidFill>
-          <a:schemeClr val="accent3">
-            <a:alpha val="90000"/>
-          </a:schemeClr>
-        </a:solidFill>
-      </dgm:spPr>
-      <dgm:t>
-        <a:bodyPr/>
-        <a:lstStyle/>
-        <a:p>
-          <a:r>
-            <a:rPr lang="en-US" sz="1050" dirty="0" smtClean="0"/>
-            <a:t>Browse Share</a:t>
-          </a:r>
-          <a:endParaRPr lang="en-US" sz="1050" dirty="0"/>
-        </a:p>
-      </dgm:t>
-      <dgm:extLst>
-        <a:ext uri="{E40237B7-FDA0-4F09-8148-C483321AD2D9}">
-          <dgm14:cNvPr xmlns:dgm14="http://schemas.microsoft.com/office/drawing/2010/diagram" id="0" name="">
-            <a:hlinkClick xmlns:r="http://schemas.openxmlformats.org/officeDocument/2006/relationships" r:id="rId3" action="ppaction://hlinksldjump"/>
-          </dgm14:cNvPr>
-        </a:ext>
-      </dgm:extLst>
-    </dgm:pt>
-    <dgm:pt modelId="{10641E5F-D833-3149-91FB-E0D65652E0DF}" type="parTrans" cxnId="{A576BBAB-EC5D-F142-B606-332DCFF30B60}">
-      <dgm:prSet/>
-      <dgm:spPr/>
-      <dgm:t>
-        <a:bodyPr/>
-        <a:lstStyle/>
-        <a:p>
-          <a:endParaRPr lang="en-US" sz="2000"/>
-        </a:p>
-      </dgm:t>
-    </dgm:pt>
-    <dgm:pt modelId="{D8241663-B294-874C-B069-A73F54F9FEFB}" type="sibTrans" cxnId="{A576BBAB-EC5D-F142-B606-332DCFF30B60}">
-      <dgm:prSet/>
-      <dgm:spPr/>
-      <dgm:t>
-        <a:bodyPr/>
-        <a:lstStyle/>
-        <a:p>
-          <a:endParaRPr lang="en-US" sz="2000"/>
-        </a:p>
-      </dgm:t>
-    </dgm:pt>
-    <dgm:pt modelId="{EC1991B3-9B78-1F4D-A46C-1BAD0F06C3AD}">
-      <dgm:prSet phldrT="[Text]" custT="1"/>
-      <dgm:spPr>
-        <a:solidFill>
-          <a:schemeClr val="accent3">
-            <a:alpha val="90000"/>
-          </a:schemeClr>
-        </a:solidFill>
-      </dgm:spPr>
-      <dgm:t>
-        <a:bodyPr/>
-        <a:lstStyle/>
-        <a:p>
-          <a:r>
-            <a:rPr lang="en-US" sz="1050" dirty="0" smtClean="0"/>
-            <a:t>Rights follow the Access Rules’ permissions</a:t>
-          </a:r>
-          <a:endParaRPr lang="en-US" sz="1050" dirty="0"/>
-        </a:p>
-      </dgm:t>
-      <dgm:extLst>
-        <a:ext uri="{E40237B7-FDA0-4F09-8148-C483321AD2D9}">
-          <dgm14:cNvPr xmlns:dgm14="http://schemas.microsoft.com/office/drawing/2010/diagram" id="0" name="">
-            <a:hlinkClick xmlns:r="http://schemas.openxmlformats.org/officeDocument/2006/relationships" r:id="rId4" action="ppaction://hlinksldjump"/>
-          </dgm14:cNvPr>
-        </a:ext>
-      </dgm:extLst>
-    </dgm:pt>
-    <dgm:pt modelId="{281EB227-FE80-1E46-B40B-A5BE4EDB84B9}" type="parTrans" cxnId="{78076DDA-D8D9-9943-A0D0-F0CBE3BC59DB}">
-      <dgm:prSet/>
-      <dgm:spPr/>
-      <dgm:t>
-        <a:bodyPr/>
-        <a:lstStyle/>
-        <a:p>
-          <a:endParaRPr lang="en-US" sz="2000"/>
-        </a:p>
-      </dgm:t>
-    </dgm:pt>
-    <dgm:pt modelId="{87E2E057-C7F3-4244-B5B2-7522AB4C6165}" type="sibTrans" cxnId="{78076DDA-D8D9-9943-A0D0-F0CBE3BC59DB}">
-      <dgm:prSet/>
-      <dgm:spPr/>
-      <dgm:t>
-        <a:bodyPr/>
-        <a:lstStyle/>
-        <a:p>
-          <a:endParaRPr lang="en-US" sz="2000"/>
-        </a:p>
-      </dgm:t>
-    </dgm:pt>
-    <dgm:pt modelId="{8A4145D7-E578-EA40-9832-F8739D4A3E4D}">
-      <dgm:prSet phldrT="[Text]" custT="1"/>
-      <dgm:spPr>
-        <a:solidFill>
-          <a:srgbClr val="FFFF00">
-            <a:alpha val="90000"/>
-          </a:srgbClr>
-        </a:solidFill>
-      </dgm:spPr>
-      <dgm:t>
-        <a:bodyPr/>
-        <a:lstStyle/>
-        <a:p>
-          <a:r>
-            <a:rPr lang="en-US" sz="1050" dirty="0" smtClean="0"/>
-            <a:t>No other Hub management</a:t>
-          </a:r>
-          <a:endParaRPr lang="en-US" sz="1050" dirty="0"/>
-        </a:p>
-      </dgm:t>
-      <dgm:extLst>
-        <a:ext uri="{E40237B7-FDA0-4F09-8148-C483321AD2D9}">
-          <dgm14:cNvPr xmlns:dgm14="http://schemas.microsoft.com/office/drawing/2010/diagram" id="0" name="">
-            <a:hlinkClick xmlns:r="http://schemas.openxmlformats.org/officeDocument/2006/relationships" r:id="rId2" action="ppaction://hlinksldjump"/>
-          </dgm14:cNvPr>
-        </a:ext>
-      </dgm:extLst>
-    </dgm:pt>
-    <dgm:pt modelId="{5F82800F-F4AE-EC44-865F-3817BF00462F}" type="parTrans" cxnId="{36219A6A-C3E4-F441-882F-01C681924C5F}">
-      <dgm:prSet/>
-      <dgm:spPr/>
-      <dgm:t>
-        <a:bodyPr/>
-        <a:lstStyle/>
-        <a:p>
-          <a:endParaRPr lang="en-US"/>
-        </a:p>
-      </dgm:t>
-    </dgm:pt>
-    <dgm:pt modelId="{3C294EB1-4231-134E-88D5-BDB484534649}" type="sibTrans" cxnId="{36219A6A-C3E4-F441-882F-01C681924C5F}">
-      <dgm:prSet/>
-      <dgm:spPr/>
-      <dgm:t>
-        <a:bodyPr/>
-        <a:lstStyle/>
-        <a:p>
-          <a:endParaRPr lang="en-US"/>
-        </a:p>
-      </dgm:t>
-    </dgm:pt>
-    <dgm:pt modelId="{E35702A6-EAE9-1D4D-9B6A-C8017A9E1E33}">
-      <dgm:prSet phldrT="[Text]" custT="1"/>
-      <dgm:spPr>
-        <a:solidFill>
-          <a:srgbClr val="FFFF00">
-            <a:alpha val="90000"/>
-          </a:srgbClr>
-        </a:solidFill>
-      </dgm:spPr>
-      <dgm:t>
-        <a:bodyPr/>
-        <a:lstStyle/>
-        <a:p>
-          <a:r>
-            <a:rPr lang="en-US" sz="1050" dirty="0" smtClean="0"/>
-            <a:t>No other Share management</a:t>
-          </a:r>
-          <a:endParaRPr lang="en-US" sz="1050" dirty="0"/>
-        </a:p>
-      </dgm:t>
-      <dgm:extLst>
-        <a:ext uri="{E40237B7-FDA0-4F09-8148-C483321AD2D9}">
-          <dgm14:cNvPr xmlns:dgm14="http://schemas.microsoft.com/office/drawing/2010/diagram" id="0" name="">
-            <a:hlinkClick xmlns:r="http://schemas.openxmlformats.org/officeDocument/2006/relationships" r:id="rId3" action="ppaction://hlinksldjump"/>
-          </dgm14:cNvPr>
-        </a:ext>
-      </dgm:extLst>
-    </dgm:pt>
-    <dgm:pt modelId="{269C65A9-D90A-454B-8F51-11FFEEF758D3}" type="parTrans" cxnId="{C23956FD-CCDF-E64A-9513-7F5B931DE966}">
-      <dgm:prSet/>
-      <dgm:spPr/>
-      <dgm:t>
-        <a:bodyPr/>
-        <a:lstStyle/>
-        <a:p>
-          <a:endParaRPr lang="en-US"/>
-        </a:p>
-      </dgm:t>
-    </dgm:pt>
-    <dgm:pt modelId="{7D9B54E1-4146-404C-A326-15C69ED6BF23}" type="sibTrans" cxnId="{C23956FD-CCDF-E64A-9513-7F5B931DE966}">
-      <dgm:prSet/>
-      <dgm:spPr/>
-      <dgm:t>
-        <a:bodyPr/>
-        <a:lstStyle/>
-        <a:p>
-          <a:endParaRPr lang="en-US"/>
-        </a:p>
-      </dgm:t>
-    </dgm:pt>
-    <dgm:pt modelId="{C678E9B8-2AD8-444B-949D-8ED6E7BB55C6}" type="pres">
-      <dgm:prSet presAssocID="{30BF6CED-022E-9244-A90E-868D1082A46B}" presName="hierChild1" presStyleCnt="0">
-        <dgm:presLayoutVars>
-          <dgm:chPref val="1"/>
-          <dgm:dir/>
-          <dgm:animOne val="branch"/>
-          <dgm:animLvl val="lvl"/>
-          <dgm:resizeHandles/>
-        </dgm:presLayoutVars>
-      </dgm:prSet>
-      <dgm:spPr/>
-      <dgm:t>
-        <a:bodyPr/>
-        <a:lstStyle/>
-        <a:p>
-          <a:endParaRPr lang="en-US"/>
-        </a:p>
-      </dgm:t>
-    </dgm:pt>
-    <dgm:pt modelId="{9199E4C5-1C36-2240-8CE2-8CE66DDCFCCB}" type="pres">
-      <dgm:prSet presAssocID="{DAEA4CDA-722C-2348-99D5-20876A05BB5B}" presName="hierRoot1" presStyleCnt="0"/>
-      <dgm:spPr/>
-    </dgm:pt>
-    <dgm:pt modelId="{2E1AA839-4A46-B24E-BBAB-3EFBBB1A08DE}" type="pres">
-      <dgm:prSet presAssocID="{DAEA4CDA-722C-2348-99D5-20876A05BB5B}" presName="composite" presStyleCnt="0"/>
-      <dgm:spPr/>
-    </dgm:pt>
-    <dgm:pt modelId="{0845A446-3C45-8048-8783-AF2CDA24B974}" type="pres">
-      <dgm:prSet presAssocID="{DAEA4CDA-722C-2348-99D5-20876A05BB5B}" presName="background" presStyleLbl="node0" presStyleIdx="0" presStyleCnt="1"/>
-      <dgm:spPr/>
-    </dgm:pt>
-    <dgm:pt modelId="{11775B26-A09B-5449-ADB4-115BC2DC2A3F}" type="pres">
-      <dgm:prSet presAssocID="{DAEA4CDA-722C-2348-99D5-20876A05BB5B}" presName="text" presStyleLbl="fgAcc0" presStyleIdx="0" presStyleCnt="1">
-        <dgm:presLayoutVars>
-          <dgm:chPref val="3"/>
-        </dgm:presLayoutVars>
-      </dgm:prSet>
-      <dgm:spPr/>
-      <dgm:t>
-        <a:bodyPr/>
-        <a:lstStyle/>
-        <a:p>
-          <a:endParaRPr lang="en-US"/>
-        </a:p>
-      </dgm:t>
-    </dgm:pt>
-    <dgm:pt modelId="{016B99E1-2740-FE44-AD77-4DDADE459FB7}" type="pres">
-      <dgm:prSet presAssocID="{DAEA4CDA-722C-2348-99D5-20876A05BB5B}" presName="hierChild2" presStyleCnt="0"/>
-      <dgm:spPr/>
-    </dgm:pt>
-    <dgm:pt modelId="{F6F8B274-C753-C44F-974B-18D2FC0C8D92}" type="pres">
-      <dgm:prSet presAssocID="{8C6473F5-A5A5-8342-AFCD-B62FC9635312}" presName="Name10" presStyleLbl="parChTrans1D2" presStyleIdx="0" presStyleCnt="1"/>
-      <dgm:spPr/>
-      <dgm:t>
-        <a:bodyPr/>
-        <a:lstStyle/>
-        <a:p>
-          <a:endParaRPr lang="en-US"/>
-        </a:p>
-      </dgm:t>
-    </dgm:pt>
-    <dgm:pt modelId="{D3D1FFF8-9EA3-BA48-A6D7-A5D514C2F9A8}" type="pres">
-      <dgm:prSet presAssocID="{F3D4C62C-6FB9-9A49-9DF7-C117F4E1F6C3}" presName="hierRoot2" presStyleCnt="0"/>
-      <dgm:spPr/>
-    </dgm:pt>
-    <dgm:pt modelId="{FCF594D7-65ED-164D-A6CD-BB92E656737F}" type="pres">
-      <dgm:prSet presAssocID="{F3D4C62C-6FB9-9A49-9DF7-C117F4E1F6C3}" presName="composite2" presStyleCnt="0"/>
-      <dgm:spPr/>
-    </dgm:pt>
-    <dgm:pt modelId="{8D61C082-6E84-3544-B9FD-FFC979016728}" type="pres">
-      <dgm:prSet presAssocID="{F3D4C62C-6FB9-9A49-9DF7-C117F4E1F6C3}" presName="background2" presStyleLbl="node2" presStyleIdx="0" presStyleCnt="1"/>
-      <dgm:spPr/>
-    </dgm:pt>
-    <dgm:pt modelId="{DDD2B4D5-2C99-F941-9F1D-B3AC64D768BB}" type="pres">
-      <dgm:prSet presAssocID="{F3D4C62C-6FB9-9A49-9DF7-C117F4E1F6C3}" presName="text2" presStyleLbl="fgAcc2" presStyleIdx="0" presStyleCnt="1">
-        <dgm:presLayoutVars>
-          <dgm:chPref val="3"/>
-        </dgm:presLayoutVars>
-      </dgm:prSet>
-      <dgm:spPr/>
-      <dgm:t>
-        <a:bodyPr/>
-        <a:lstStyle/>
-        <a:p>
-          <a:endParaRPr lang="en-US"/>
-        </a:p>
-      </dgm:t>
-    </dgm:pt>
-    <dgm:pt modelId="{22EAA976-310A-BB42-8A77-995F9D950D3E}" type="pres">
-      <dgm:prSet presAssocID="{F3D4C62C-6FB9-9A49-9DF7-C117F4E1F6C3}" presName="hierChild3" presStyleCnt="0"/>
-      <dgm:spPr/>
-    </dgm:pt>
-    <dgm:pt modelId="{5B5F84D4-E5B6-984A-9F43-B7EF45E9FB53}" type="pres">
-      <dgm:prSet presAssocID="{3CD7D80A-034D-3741-8973-3237C011BCAC}" presName="Name17" presStyleLbl="parChTrans1D3" presStyleIdx="0" presStyleCnt="2"/>
-      <dgm:spPr/>
-      <dgm:t>
-        <a:bodyPr/>
-        <a:lstStyle/>
-        <a:p>
-          <a:endParaRPr lang="en-US"/>
-        </a:p>
-      </dgm:t>
-    </dgm:pt>
-    <dgm:pt modelId="{30D30EB6-4FF2-314B-AD4A-A70D5C9729D7}" type="pres">
-      <dgm:prSet presAssocID="{EEB1DE3E-97F3-FD41-82A1-FB064E57D575}" presName="hierRoot3" presStyleCnt="0"/>
-      <dgm:spPr/>
-    </dgm:pt>
-    <dgm:pt modelId="{C370A2AA-C958-8448-9134-06A46EA46482}" type="pres">
-      <dgm:prSet presAssocID="{EEB1DE3E-97F3-FD41-82A1-FB064E57D575}" presName="composite3" presStyleCnt="0"/>
-      <dgm:spPr/>
-    </dgm:pt>
-    <dgm:pt modelId="{49A25896-B659-5C4F-9E21-9D5D719D6906}" type="pres">
-      <dgm:prSet presAssocID="{EEB1DE3E-97F3-FD41-82A1-FB064E57D575}" presName="background3" presStyleLbl="node3" presStyleIdx="0" presStyleCnt="2"/>
-      <dgm:spPr/>
-    </dgm:pt>
-    <dgm:pt modelId="{4D64B35F-670C-CD47-B2D5-EF078201B5DC}" type="pres">
-      <dgm:prSet presAssocID="{EEB1DE3E-97F3-FD41-82A1-FB064E57D575}" presName="text3" presStyleLbl="fgAcc3" presStyleIdx="0" presStyleCnt="2">
-        <dgm:presLayoutVars>
-          <dgm:chPref val="3"/>
-        </dgm:presLayoutVars>
-      </dgm:prSet>
-      <dgm:spPr/>
-      <dgm:t>
-        <a:bodyPr/>
-        <a:lstStyle/>
-        <a:p>
-          <a:endParaRPr lang="en-US"/>
-        </a:p>
-      </dgm:t>
-    </dgm:pt>
-    <dgm:pt modelId="{7CE858F3-77F8-D944-9E38-A037D7B85A7F}" type="pres">
-      <dgm:prSet presAssocID="{EEB1DE3E-97F3-FD41-82A1-FB064E57D575}" presName="hierChild4" presStyleCnt="0"/>
-      <dgm:spPr/>
-    </dgm:pt>
-    <dgm:pt modelId="{8E9C826A-71B8-EC40-A802-BA1C1E67722A}" type="pres">
-      <dgm:prSet presAssocID="{399CA3CA-1AE3-5948-9A94-7A678E0ED363}" presName="Name23" presStyleLbl="parChTrans1D4" presStyleIdx="0" presStyleCnt="4"/>
-      <dgm:spPr/>
-      <dgm:t>
-        <a:bodyPr/>
-        <a:lstStyle/>
-        <a:p>
-          <a:endParaRPr lang="en-US"/>
-        </a:p>
-      </dgm:t>
-    </dgm:pt>
-    <dgm:pt modelId="{DA42BE75-0D9D-834A-B8EC-EF008B7FCC4C}" type="pres">
-      <dgm:prSet presAssocID="{BCD37CA0-991B-0B4C-852A-636359039F64}" presName="hierRoot4" presStyleCnt="0"/>
-      <dgm:spPr/>
-    </dgm:pt>
-    <dgm:pt modelId="{E4426F7E-8AB4-8D48-B8C0-856E4115DC8C}" type="pres">
-      <dgm:prSet presAssocID="{BCD37CA0-991B-0B4C-852A-636359039F64}" presName="composite4" presStyleCnt="0"/>
-      <dgm:spPr/>
-    </dgm:pt>
-    <dgm:pt modelId="{82043EE6-363D-4347-A9AA-0E6B8D3BB913}" type="pres">
-      <dgm:prSet presAssocID="{BCD37CA0-991B-0B4C-852A-636359039F64}" presName="background4" presStyleLbl="node4" presStyleIdx="0" presStyleCnt="4"/>
-      <dgm:spPr/>
-    </dgm:pt>
-    <dgm:pt modelId="{C72A2D5D-7679-4341-9BF2-825B72A216DA}" type="pres">
-      <dgm:prSet presAssocID="{BCD37CA0-991B-0B4C-852A-636359039F64}" presName="text4" presStyleLbl="fgAcc4" presStyleIdx="0" presStyleCnt="4">
-        <dgm:presLayoutVars>
-          <dgm:chPref val="3"/>
-        </dgm:presLayoutVars>
-      </dgm:prSet>
-      <dgm:spPr/>
-      <dgm:t>
-        <a:bodyPr/>
-        <a:lstStyle/>
-        <a:p>
-          <a:endParaRPr lang="en-US"/>
-        </a:p>
-      </dgm:t>
-    </dgm:pt>
-    <dgm:pt modelId="{C21D9D8E-AD44-424C-896F-10834087665B}" type="pres">
-      <dgm:prSet presAssocID="{BCD37CA0-991B-0B4C-852A-636359039F64}" presName="hierChild5" presStyleCnt="0"/>
-      <dgm:spPr/>
-    </dgm:pt>
-    <dgm:pt modelId="{557ED9C9-A670-B948-A908-EE3371CA4BDA}" type="pres">
-      <dgm:prSet presAssocID="{10641E5F-D833-3149-91FB-E0D65652E0DF}" presName="Name23" presStyleLbl="parChTrans1D4" presStyleIdx="1" presStyleCnt="4"/>
-      <dgm:spPr/>
-      <dgm:t>
-        <a:bodyPr/>
-        <a:lstStyle/>
-        <a:p>
-          <a:endParaRPr lang="en-US"/>
-        </a:p>
-      </dgm:t>
-    </dgm:pt>
-    <dgm:pt modelId="{5BCD9D4E-93FD-1A46-A7A5-1EDD3125F5F3}" type="pres">
-      <dgm:prSet presAssocID="{4194C6AC-0F20-914E-BC2C-248D98D3F784}" presName="hierRoot4" presStyleCnt="0"/>
-      <dgm:spPr/>
-    </dgm:pt>
-    <dgm:pt modelId="{F3409E97-9825-804C-AD00-0B50951A609F}" type="pres">
-      <dgm:prSet presAssocID="{4194C6AC-0F20-914E-BC2C-248D98D3F784}" presName="composite4" presStyleCnt="0"/>
-      <dgm:spPr/>
-    </dgm:pt>
-    <dgm:pt modelId="{C9CF3E4B-9C5C-4C46-96CE-805FF8AC6CD8}" type="pres">
-      <dgm:prSet presAssocID="{4194C6AC-0F20-914E-BC2C-248D98D3F784}" presName="background4" presStyleLbl="node4" presStyleIdx="1" presStyleCnt="4"/>
-      <dgm:spPr/>
-    </dgm:pt>
-    <dgm:pt modelId="{8F6F584A-3CCC-2E41-9BF4-5BBB52E3EF53}" type="pres">
-      <dgm:prSet presAssocID="{4194C6AC-0F20-914E-BC2C-248D98D3F784}" presName="text4" presStyleLbl="fgAcc4" presStyleIdx="1" presStyleCnt="4">
-        <dgm:presLayoutVars>
-          <dgm:chPref val="3"/>
-        </dgm:presLayoutVars>
-      </dgm:prSet>
-      <dgm:spPr/>
-      <dgm:t>
-        <a:bodyPr/>
-        <a:lstStyle/>
-        <a:p>
-          <a:endParaRPr lang="en-US"/>
-        </a:p>
-      </dgm:t>
-    </dgm:pt>
-    <dgm:pt modelId="{D3A76A37-30B9-CC48-AA17-CD87ABD4D975}" type="pres">
-      <dgm:prSet presAssocID="{4194C6AC-0F20-914E-BC2C-248D98D3F784}" presName="hierChild5" presStyleCnt="0"/>
-      <dgm:spPr/>
-    </dgm:pt>
-    <dgm:pt modelId="{7D2B42E8-D08B-674B-837F-7D2CA051E339}" type="pres">
-      <dgm:prSet presAssocID="{281EB227-FE80-1E46-B40B-A5BE4EDB84B9}" presName="Name23" presStyleLbl="parChTrans1D4" presStyleIdx="2" presStyleCnt="4"/>
-      <dgm:spPr/>
-      <dgm:t>
-        <a:bodyPr/>
-        <a:lstStyle/>
-        <a:p>
-          <a:endParaRPr lang="en-US"/>
-        </a:p>
-      </dgm:t>
-    </dgm:pt>
-    <dgm:pt modelId="{3159D2FF-3087-B04C-8FCA-4EE914B43060}" type="pres">
-      <dgm:prSet presAssocID="{EC1991B3-9B78-1F4D-A46C-1BAD0F06C3AD}" presName="hierRoot4" presStyleCnt="0"/>
-      <dgm:spPr/>
-    </dgm:pt>
-    <dgm:pt modelId="{7E9FB0D2-09A0-E747-8583-7856940A3AA1}" type="pres">
-      <dgm:prSet presAssocID="{EC1991B3-9B78-1F4D-A46C-1BAD0F06C3AD}" presName="composite4" presStyleCnt="0"/>
-      <dgm:spPr/>
-    </dgm:pt>
-    <dgm:pt modelId="{B4F7B969-8C41-A04B-9BA9-B259591A3067}" type="pres">
-      <dgm:prSet presAssocID="{EC1991B3-9B78-1F4D-A46C-1BAD0F06C3AD}" presName="background4" presStyleLbl="node4" presStyleIdx="2" presStyleCnt="4"/>
-      <dgm:spPr/>
-    </dgm:pt>
-    <dgm:pt modelId="{2CFDBA9E-5E12-414E-9331-118976B5E00F}" type="pres">
-      <dgm:prSet presAssocID="{EC1991B3-9B78-1F4D-A46C-1BAD0F06C3AD}" presName="text4" presStyleLbl="fgAcc4" presStyleIdx="2" presStyleCnt="4">
-        <dgm:presLayoutVars>
-          <dgm:chPref val="3"/>
-        </dgm:presLayoutVars>
-      </dgm:prSet>
-      <dgm:spPr/>
-      <dgm:t>
-        <a:bodyPr/>
-        <a:lstStyle/>
-        <a:p>
-          <a:endParaRPr lang="en-US"/>
-        </a:p>
-      </dgm:t>
-    </dgm:pt>
-    <dgm:pt modelId="{EC88BC1C-2837-E94A-8FBF-7756CAB96931}" type="pres">
-      <dgm:prSet presAssocID="{EC1991B3-9B78-1F4D-A46C-1BAD0F06C3AD}" presName="hierChild5" presStyleCnt="0"/>
-      <dgm:spPr/>
-    </dgm:pt>
-    <dgm:pt modelId="{25208BD1-6B18-054C-8462-2AC22AC76D14}" type="pres">
-      <dgm:prSet presAssocID="{269C65A9-D90A-454B-8F51-11FFEEF758D3}" presName="Name23" presStyleLbl="parChTrans1D4" presStyleIdx="3" presStyleCnt="4"/>
-      <dgm:spPr/>
-      <dgm:t>
-        <a:bodyPr/>
-        <a:lstStyle/>
-        <a:p>
-          <a:endParaRPr lang="en-US"/>
-        </a:p>
-      </dgm:t>
-    </dgm:pt>
-    <dgm:pt modelId="{B387D359-8370-6641-92F4-81166F9A9158}" type="pres">
-      <dgm:prSet presAssocID="{E35702A6-EAE9-1D4D-9B6A-C8017A9E1E33}" presName="hierRoot4" presStyleCnt="0"/>
-      <dgm:spPr/>
-    </dgm:pt>
-    <dgm:pt modelId="{C0DDFBE4-38A7-C24D-8BD7-6EB2E0AA2555}" type="pres">
-      <dgm:prSet presAssocID="{E35702A6-EAE9-1D4D-9B6A-C8017A9E1E33}" presName="composite4" presStyleCnt="0"/>
-      <dgm:spPr/>
-    </dgm:pt>
-    <dgm:pt modelId="{6CC1C4C9-B002-3F41-A74D-F673C8F71F21}" type="pres">
-      <dgm:prSet presAssocID="{E35702A6-EAE9-1D4D-9B6A-C8017A9E1E33}" presName="background4" presStyleLbl="node4" presStyleIdx="3" presStyleCnt="4"/>
-      <dgm:spPr/>
-    </dgm:pt>
-    <dgm:pt modelId="{808A9394-08CC-B140-8E66-2D69C3F4BDE0}" type="pres">
-      <dgm:prSet presAssocID="{E35702A6-EAE9-1D4D-9B6A-C8017A9E1E33}" presName="text4" presStyleLbl="fgAcc4" presStyleIdx="3" presStyleCnt="4">
-        <dgm:presLayoutVars>
-          <dgm:chPref val="3"/>
-        </dgm:presLayoutVars>
-      </dgm:prSet>
-      <dgm:spPr/>
-      <dgm:t>
-        <a:bodyPr/>
-        <a:lstStyle/>
-        <a:p>
-          <a:endParaRPr lang="en-US"/>
-        </a:p>
-      </dgm:t>
-    </dgm:pt>
-    <dgm:pt modelId="{56ECDC7D-F91C-2148-A405-36A070E7C535}" type="pres">
-      <dgm:prSet presAssocID="{E35702A6-EAE9-1D4D-9B6A-C8017A9E1E33}" presName="hierChild5" presStyleCnt="0"/>
-      <dgm:spPr/>
-    </dgm:pt>
-    <dgm:pt modelId="{957F086A-BF98-C74C-8C7A-C25AE05C9D71}" type="pres">
-      <dgm:prSet presAssocID="{5F82800F-F4AE-EC44-865F-3817BF00462F}" presName="Name17" presStyleLbl="parChTrans1D3" presStyleIdx="1" presStyleCnt="2"/>
-      <dgm:spPr/>
-      <dgm:t>
-        <a:bodyPr/>
-        <a:lstStyle/>
-        <a:p>
-          <a:endParaRPr lang="en-US"/>
-        </a:p>
-      </dgm:t>
-    </dgm:pt>
-    <dgm:pt modelId="{5E1C1D78-EED8-C24D-8EDB-1021D35FDC34}" type="pres">
-      <dgm:prSet presAssocID="{8A4145D7-E578-EA40-9832-F8739D4A3E4D}" presName="hierRoot3" presStyleCnt="0"/>
-      <dgm:spPr/>
-    </dgm:pt>
-    <dgm:pt modelId="{C69385F6-05D5-BC48-86E9-558A8D55F103}" type="pres">
-      <dgm:prSet presAssocID="{8A4145D7-E578-EA40-9832-F8739D4A3E4D}" presName="composite3" presStyleCnt="0"/>
-      <dgm:spPr/>
-    </dgm:pt>
-    <dgm:pt modelId="{65F33A17-8AE8-6144-A4E1-5A6404EE97ED}" type="pres">
-      <dgm:prSet presAssocID="{8A4145D7-E578-EA40-9832-F8739D4A3E4D}" presName="background3" presStyleLbl="node3" presStyleIdx="1" presStyleCnt="2"/>
-      <dgm:spPr/>
-    </dgm:pt>
-    <dgm:pt modelId="{D9528581-414F-0C4E-A4EA-76ED39361A46}" type="pres">
-      <dgm:prSet presAssocID="{8A4145D7-E578-EA40-9832-F8739D4A3E4D}" presName="text3" presStyleLbl="fgAcc3" presStyleIdx="1" presStyleCnt="2">
-        <dgm:presLayoutVars>
-          <dgm:chPref val="3"/>
-        </dgm:presLayoutVars>
-      </dgm:prSet>
-      <dgm:spPr/>
-      <dgm:t>
-        <a:bodyPr/>
-        <a:lstStyle/>
-        <a:p>
-          <a:endParaRPr lang="en-US"/>
-        </a:p>
-      </dgm:t>
-    </dgm:pt>
-    <dgm:pt modelId="{FAB1151F-92C4-434C-9BC8-CE10D1CBEBFF}" type="pres">
-      <dgm:prSet presAssocID="{8A4145D7-E578-EA40-9832-F8739D4A3E4D}" presName="hierChild4" presStyleCnt="0"/>
-      <dgm:spPr/>
-    </dgm:pt>
-  </dgm:ptLst>
-  <dgm:cxnLst>
-    <dgm:cxn modelId="{78076DDA-D8D9-9943-A0D0-F0CBE3BC59DB}" srcId="{4194C6AC-0F20-914E-BC2C-248D98D3F784}" destId="{EC1991B3-9B78-1F4D-A46C-1BAD0F06C3AD}" srcOrd="0" destOrd="0" parTransId="{281EB227-FE80-1E46-B40B-A5BE4EDB84B9}" sibTransId="{87E2E057-C7F3-4244-B5B2-7522AB4C6165}"/>
-    <dgm:cxn modelId="{1690A3FE-CAD2-CE44-BAE9-4FDB1FEC8B4F}" type="presOf" srcId="{4194C6AC-0F20-914E-BC2C-248D98D3F784}" destId="{8F6F584A-3CCC-2E41-9BF4-5BBB52E3EF53}" srcOrd="0" destOrd="0" presId="urn:microsoft.com/office/officeart/2005/8/layout/hierarchy1"/>
-    <dgm:cxn modelId="{F38A645C-E886-4449-ACA2-F136F1577D0D}" type="presOf" srcId="{8C6473F5-A5A5-8342-AFCD-B62FC9635312}" destId="{F6F8B274-C753-C44F-974B-18D2FC0C8D92}" srcOrd="0" destOrd="0" presId="urn:microsoft.com/office/officeart/2005/8/layout/hierarchy1"/>
-    <dgm:cxn modelId="{66E02F1D-A2E6-9747-B1E7-E6D98DC0AFB6}" type="presOf" srcId="{3CD7D80A-034D-3741-8973-3237C011BCAC}" destId="{5B5F84D4-E5B6-984A-9F43-B7EF45E9FB53}" srcOrd="0" destOrd="0" presId="urn:microsoft.com/office/officeart/2005/8/layout/hierarchy1"/>
-    <dgm:cxn modelId="{702087C0-8C75-4D44-8C51-86DF434248BD}" type="presOf" srcId="{8A4145D7-E578-EA40-9832-F8739D4A3E4D}" destId="{D9528581-414F-0C4E-A4EA-76ED39361A46}" srcOrd="0" destOrd="0" presId="urn:microsoft.com/office/officeart/2005/8/layout/hierarchy1"/>
-    <dgm:cxn modelId="{374C8B76-11DC-0845-874E-1AF8CD593D9C}" type="presOf" srcId="{399CA3CA-1AE3-5948-9A94-7A678E0ED363}" destId="{8E9C826A-71B8-EC40-A802-BA1C1E67722A}" srcOrd="0" destOrd="0" presId="urn:microsoft.com/office/officeart/2005/8/layout/hierarchy1"/>
-    <dgm:cxn modelId="{42F089F0-2356-674E-9D3E-258EE647F30B}" type="presOf" srcId="{EEB1DE3E-97F3-FD41-82A1-FB064E57D575}" destId="{4D64B35F-670C-CD47-B2D5-EF078201B5DC}" srcOrd="0" destOrd="0" presId="urn:microsoft.com/office/officeart/2005/8/layout/hierarchy1"/>
-    <dgm:cxn modelId="{D4E11847-BDFC-1040-92AA-3A1B541B0339}" type="presOf" srcId="{DAEA4CDA-722C-2348-99D5-20876A05BB5B}" destId="{11775B26-A09B-5449-ADB4-115BC2DC2A3F}" srcOrd="0" destOrd="0" presId="urn:microsoft.com/office/officeart/2005/8/layout/hierarchy1"/>
-    <dgm:cxn modelId="{C23956FD-CCDF-E64A-9513-7F5B931DE966}" srcId="{BCD37CA0-991B-0B4C-852A-636359039F64}" destId="{E35702A6-EAE9-1D4D-9B6A-C8017A9E1E33}" srcOrd="1" destOrd="0" parTransId="{269C65A9-D90A-454B-8F51-11FFEEF758D3}" sibTransId="{7D9B54E1-4146-404C-A326-15C69ED6BF23}"/>
-    <dgm:cxn modelId="{488715BD-4ED2-F44D-83AD-EF5CF642C993}" type="presOf" srcId="{E35702A6-EAE9-1D4D-9B6A-C8017A9E1E33}" destId="{808A9394-08CC-B140-8E66-2D69C3F4BDE0}" srcOrd="0" destOrd="0" presId="urn:microsoft.com/office/officeart/2005/8/layout/hierarchy1"/>
-    <dgm:cxn modelId="{39B72C02-DD7F-DF41-AD7A-C0D6373D28A3}" type="presOf" srcId="{BCD37CA0-991B-0B4C-852A-636359039F64}" destId="{C72A2D5D-7679-4341-9BF2-825B72A216DA}" srcOrd="0" destOrd="0" presId="urn:microsoft.com/office/officeart/2005/8/layout/hierarchy1"/>
-    <dgm:cxn modelId="{DF8E39D9-5EE4-C14B-B450-9B57E421D145}" type="presOf" srcId="{EC1991B3-9B78-1F4D-A46C-1BAD0F06C3AD}" destId="{2CFDBA9E-5E12-414E-9331-118976B5E00F}" srcOrd="0" destOrd="0" presId="urn:microsoft.com/office/officeart/2005/8/layout/hierarchy1"/>
-    <dgm:cxn modelId="{2B1DD4E8-59FC-8942-8B4A-735E07B8CDFC}" type="presOf" srcId="{F3D4C62C-6FB9-9A49-9DF7-C117F4E1F6C3}" destId="{DDD2B4D5-2C99-F941-9F1D-B3AC64D768BB}" srcOrd="0" destOrd="0" presId="urn:microsoft.com/office/officeart/2005/8/layout/hierarchy1"/>
-    <dgm:cxn modelId="{36219A6A-C3E4-F441-882F-01C681924C5F}" srcId="{F3D4C62C-6FB9-9A49-9DF7-C117F4E1F6C3}" destId="{8A4145D7-E578-EA40-9832-F8739D4A3E4D}" srcOrd="1" destOrd="0" parTransId="{5F82800F-F4AE-EC44-865F-3817BF00462F}" sibTransId="{3C294EB1-4231-134E-88D5-BDB484534649}"/>
-    <dgm:cxn modelId="{BEDBF7CE-1E95-3346-846F-72E3D6FE7506}" srcId="{30BF6CED-022E-9244-A90E-868D1082A46B}" destId="{DAEA4CDA-722C-2348-99D5-20876A05BB5B}" srcOrd="0" destOrd="0" parTransId="{DB01EC59-5EA5-AF44-AC3C-597EA672B2D2}" sibTransId="{12789A22-4ADF-D14E-BB8D-1C9118BA781B}"/>
-    <dgm:cxn modelId="{D73933F7-B9E8-0348-BCD9-993CE0118F92}" srcId="{DAEA4CDA-722C-2348-99D5-20876A05BB5B}" destId="{F3D4C62C-6FB9-9A49-9DF7-C117F4E1F6C3}" srcOrd="0" destOrd="0" parTransId="{8C6473F5-A5A5-8342-AFCD-B62FC9635312}" sibTransId="{9D423FE6-D816-C64A-87A0-C33DB567CE29}"/>
-    <dgm:cxn modelId="{A576BBAB-EC5D-F142-B606-332DCFF30B60}" srcId="{BCD37CA0-991B-0B4C-852A-636359039F64}" destId="{4194C6AC-0F20-914E-BC2C-248D98D3F784}" srcOrd="0" destOrd="0" parTransId="{10641E5F-D833-3149-91FB-E0D65652E0DF}" sibTransId="{D8241663-B294-874C-B069-A73F54F9FEFB}"/>
-    <dgm:cxn modelId="{3BD68735-06D0-ED47-9D93-14E3DA395A36}" srcId="{EEB1DE3E-97F3-FD41-82A1-FB064E57D575}" destId="{BCD37CA0-991B-0B4C-852A-636359039F64}" srcOrd="0" destOrd="0" parTransId="{399CA3CA-1AE3-5948-9A94-7A678E0ED363}" sibTransId="{EDAB7EEE-096B-6045-A96B-BD94C2D5B78E}"/>
-    <dgm:cxn modelId="{FA8E2AE0-857C-6F4D-9BEC-3060124A1937}" type="presOf" srcId="{10641E5F-D833-3149-91FB-E0D65652E0DF}" destId="{557ED9C9-A670-B948-A908-EE3371CA4BDA}" srcOrd="0" destOrd="0" presId="urn:microsoft.com/office/officeart/2005/8/layout/hierarchy1"/>
-    <dgm:cxn modelId="{DE0CEA66-72E8-444F-AC73-DB8CB7027DA3}" type="presOf" srcId="{269C65A9-D90A-454B-8F51-11FFEEF758D3}" destId="{25208BD1-6B18-054C-8462-2AC22AC76D14}" srcOrd="0" destOrd="0" presId="urn:microsoft.com/office/officeart/2005/8/layout/hierarchy1"/>
-    <dgm:cxn modelId="{6D2699E1-A494-4045-984D-60FDC11F1D46}" type="presOf" srcId="{281EB227-FE80-1E46-B40B-A5BE4EDB84B9}" destId="{7D2B42E8-D08B-674B-837F-7D2CA051E339}" srcOrd="0" destOrd="0" presId="urn:microsoft.com/office/officeart/2005/8/layout/hierarchy1"/>
-    <dgm:cxn modelId="{51F39F81-7065-F340-AFEE-8B2218DCD935}" type="presOf" srcId="{30BF6CED-022E-9244-A90E-868D1082A46B}" destId="{C678E9B8-2AD8-444B-949D-8ED6E7BB55C6}" srcOrd="0" destOrd="0" presId="urn:microsoft.com/office/officeart/2005/8/layout/hierarchy1"/>
-    <dgm:cxn modelId="{28D37E0D-E95B-7C48-BFF3-D44522C593FA}" srcId="{F3D4C62C-6FB9-9A49-9DF7-C117F4E1F6C3}" destId="{EEB1DE3E-97F3-FD41-82A1-FB064E57D575}" srcOrd="0" destOrd="0" parTransId="{3CD7D80A-034D-3741-8973-3237C011BCAC}" sibTransId="{68A21280-D90D-244C-8E05-C15C4A9914AC}"/>
-    <dgm:cxn modelId="{AF90450A-A885-0A40-BC35-1CB7F569A19B}" type="presOf" srcId="{5F82800F-F4AE-EC44-865F-3817BF00462F}" destId="{957F086A-BF98-C74C-8C7A-C25AE05C9D71}" srcOrd="0" destOrd="0" presId="urn:microsoft.com/office/officeart/2005/8/layout/hierarchy1"/>
-    <dgm:cxn modelId="{BA30D2A9-3D88-894B-96C8-FA2D56EDEB7D}" type="presParOf" srcId="{C678E9B8-2AD8-444B-949D-8ED6E7BB55C6}" destId="{9199E4C5-1C36-2240-8CE2-8CE66DDCFCCB}" srcOrd="0" destOrd="0" presId="urn:microsoft.com/office/officeart/2005/8/layout/hierarchy1"/>
-    <dgm:cxn modelId="{0A58982D-D064-AF49-AF79-40C38B887A01}" type="presParOf" srcId="{9199E4C5-1C36-2240-8CE2-8CE66DDCFCCB}" destId="{2E1AA839-4A46-B24E-BBAB-3EFBBB1A08DE}" srcOrd="0" destOrd="0" presId="urn:microsoft.com/office/officeart/2005/8/layout/hierarchy1"/>
-    <dgm:cxn modelId="{43650BD8-4A48-1B45-A836-8A4D5A70279C}" type="presParOf" srcId="{2E1AA839-4A46-B24E-BBAB-3EFBBB1A08DE}" destId="{0845A446-3C45-8048-8783-AF2CDA24B974}" srcOrd="0" destOrd="0" presId="urn:microsoft.com/office/officeart/2005/8/layout/hierarchy1"/>
-    <dgm:cxn modelId="{62CF9DD3-3B71-EC4E-8C0B-832B54834A0D}" type="presParOf" srcId="{2E1AA839-4A46-B24E-BBAB-3EFBBB1A08DE}" destId="{11775B26-A09B-5449-ADB4-115BC2DC2A3F}" srcOrd="1" destOrd="0" presId="urn:microsoft.com/office/officeart/2005/8/layout/hierarchy1"/>
-    <dgm:cxn modelId="{E7CBE857-93F0-0B47-82CB-2950EFBB9D41}" type="presParOf" srcId="{9199E4C5-1C36-2240-8CE2-8CE66DDCFCCB}" destId="{016B99E1-2740-FE44-AD77-4DDADE459FB7}" srcOrd="1" destOrd="0" presId="urn:microsoft.com/office/officeart/2005/8/layout/hierarchy1"/>
-    <dgm:cxn modelId="{0DECA1BF-6164-1B45-A166-F9C93BF93225}" type="presParOf" srcId="{016B99E1-2740-FE44-AD77-4DDADE459FB7}" destId="{F6F8B274-C753-C44F-974B-18D2FC0C8D92}" srcOrd="0" destOrd="0" presId="urn:microsoft.com/office/officeart/2005/8/layout/hierarchy1"/>
-    <dgm:cxn modelId="{29E6D6E0-71CA-E44B-98CB-7E4E1688CF51}" type="presParOf" srcId="{016B99E1-2740-FE44-AD77-4DDADE459FB7}" destId="{D3D1FFF8-9EA3-BA48-A6D7-A5D514C2F9A8}" srcOrd="1" destOrd="0" presId="urn:microsoft.com/office/officeart/2005/8/layout/hierarchy1"/>
-    <dgm:cxn modelId="{DF778359-CE32-2349-98AE-9949438717C8}" type="presParOf" srcId="{D3D1FFF8-9EA3-BA48-A6D7-A5D514C2F9A8}" destId="{FCF594D7-65ED-164D-A6CD-BB92E656737F}" srcOrd="0" destOrd="0" presId="urn:microsoft.com/office/officeart/2005/8/layout/hierarchy1"/>
-    <dgm:cxn modelId="{A0D8293F-975D-FA41-BF3A-F117DEA525AF}" type="presParOf" srcId="{FCF594D7-65ED-164D-A6CD-BB92E656737F}" destId="{8D61C082-6E84-3544-B9FD-FFC979016728}" srcOrd="0" destOrd="0" presId="urn:microsoft.com/office/officeart/2005/8/layout/hierarchy1"/>
-    <dgm:cxn modelId="{892F5E69-D1C3-5B49-8905-7A053AA4505E}" type="presParOf" srcId="{FCF594D7-65ED-164D-A6CD-BB92E656737F}" destId="{DDD2B4D5-2C99-F941-9F1D-B3AC64D768BB}" srcOrd="1" destOrd="0" presId="urn:microsoft.com/office/officeart/2005/8/layout/hierarchy1"/>
-    <dgm:cxn modelId="{5FECD6B6-14AE-CE45-BC26-58FFB0AC779A}" type="presParOf" srcId="{D3D1FFF8-9EA3-BA48-A6D7-A5D514C2F9A8}" destId="{22EAA976-310A-BB42-8A77-995F9D950D3E}" srcOrd="1" destOrd="0" presId="urn:microsoft.com/office/officeart/2005/8/layout/hierarchy1"/>
-    <dgm:cxn modelId="{9D60BBDD-FEF3-F64A-8C5C-23C1450A0766}" type="presParOf" srcId="{22EAA976-310A-BB42-8A77-995F9D950D3E}" destId="{5B5F84D4-E5B6-984A-9F43-B7EF45E9FB53}" srcOrd="0" destOrd="0" presId="urn:microsoft.com/office/officeart/2005/8/layout/hierarchy1"/>
-    <dgm:cxn modelId="{7F5CDD1F-38B8-6B46-9B4D-72D25256F706}" type="presParOf" srcId="{22EAA976-310A-BB42-8A77-995F9D950D3E}" destId="{30D30EB6-4FF2-314B-AD4A-A70D5C9729D7}" srcOrd="1" destOrd="0" presId="urn:microsoft.com/office/officeart/2005/8/layout/hierarchy1"/>
-    <dgm:cxn modelId="{CCB82715-1A72-C246-A825-8B19D8E87F8A}" type="presParOf" srcId="{30D30EB6-4FF2-314B-AD4A-A70D5C9729D7}" destId="{C370A2AA-C958-8448-9134-06A46EA46482}" srcOrd="0" destOrd="0" presId="urn:microsoft.com/office/officeart/2005/8/layout/hierarchy1"/>
-    <dgm:cxn modelId="{2C7361B5-E605-6548-9268-E8DE69371C07}" type="presParOf" srcId="{C370A2AA-C958-8448-9134-06A46EA46482}" destId="{49A25896-B659-5C4F-9E21-9D5D719D6906}" srcOrd="0" destOrd="0" presId="urn:microsoft.com/office/officeart/2005/8/layout/hierarchy1"/>
-    <dgm:cxn modelId="{8129530B-35FC-C947-9168-2CCE9AC66C28}" type="presParOf" srcId="{C370A2AA-C958-8448-9134-06A46EA46482}" destId="{4D64B35F-670C-CD47-B2D5-EF078201B5DC}" srcOrd="1" destOrd="0" presId="urn:microsoft.com/office/officeart/2005/8/layout/hierarchy1"/>
-    <dgm:cxn modelId="{36F5DD74-1FD2-A049-A2EC-2EDD7DBCEF76}" type="presParOf" srcId="{30D30EB6-4FF2-314B-AD4A-A70D5C9729D7}" destId="{7CE858F3-77F8-D944-9E38-A037D7B85A7F}" srcOrd="1" destOrd="0" presId="urn:microsoft.com/office/officeart/2005/8/layout/hierarchy1"/>
-    <dgm:cxn modelId="{01E55610-9483-DC44-9160-D5D382D3BF09}" type="presParOf" srcId="{7CE858F3-77F8-D944-9E38-A037D7B85A7F}" destId="{8E9C826A-71B8-EC40-A802-BA1C1E67722A}" srcOrd="0" destOrd="0" presId="urn:microsoft.com/office/officeart/2005/8/layout/hierarchy1"/>
-    <dgm:cxn modelId="{122EA90D-2D65-B347-87F3-18D68B3C7904}" type="presParOf" srcId="{7CE858F3-77F8-D944-9E38-A037D7B85A7F}" destId="{DA42BE75-0D9D-834A-B8EC-EF008B7FCC4C}" srcOrd="1" destOrd="0" presId="urn:microsoft.com/office/officeart/2005/8/layout/hierarchy1"/>
-    <dgm:cxn modelId="{5608DAE5-77D5-BD4A-B785-1ED8AEB8DF8B}" type="presParOf" srcId="{DA42BE75-0D9D-834A-B8EC-EF008B7FCC4C}" destId="{E4426F7E-8AB4-8D48-B8C0-856E4115DC8C}" srcOrd="0" destOrd="0" presId="urn:microsoft.com/office/officeart/2005/8/layout/hierarchy1"/>
-    <dgm:cxn modelId="{BC12800C-29F9-1341-A93D-07E2E934F64C}" type="presParOf" srcId="{E4426F7E-8AB4-8D48-B8C0-856E4115DC8C}" destId="{82043EE6-363D-4347-A9AA-0E6B8D3BB913}" srcOrd="0" destOrd="0" presId="urn:microsoft.com/office/officeart/2005/8/layout/hierarchy1"/>
-    <dgm:cxn modelId="{8147E2B5-8DF8-9040-89FC-7C36FB012A19}" type="presParOf" srcId="{E4426F7E-8AB4-8D48-B8C0-856E4115DC8C}" destId="{C72A2D5D-7679-4341-9BF2-825B72A216DA}" srcOrd="1" destOrd="0" presId="urn:microsoft.com/office/officeart/2005/8/layout/hierarchy1"/>
-    <dgm:cxn modelId="{6C43CDD7-21E4-534E-BDEF-46672CCDEC16}" type="presParOf" srcId="{DA42BE75-0D9D-834A-B8EC-EF008B7FCC4C}" destId="{C21D9D8E-AD44-424C-896F-10834087665B}" srcOrd="1" destOrd="0" presId="urn:microsoft.com/office/officeart/2005/8/layout/hierarchy1"/>
-    <dgm:cxn modelId="{668A9606-690C-A345-994A-F5569E81E12B}" type="presParOf" srcId="{C21D9D8E-AD44-424C-896F-10834087665B}" destId="{557ED9C9-A670-B948-A908-EE3371CA4BDA}" srcOrd="0" destOrd="0" presId="urn:microsoft.com/office/officeart/2005/8/layout/hierarchy1"/>
-    <dgm:cxn modelId="{0AE649AF-D361-C642-8395-D23BA46D1EF4}" type="presParOf" srcId="{C21D9D8E-AD44-424C-896F-10834087665B}" destId="{5BCD9D4E-93FD-1A46-A7A5-1EDD3125F5F3}" srcOrd="1" destOrd="0" presId="urn:microsoft.com/office/officeart/2005/8/layout/hierarchy1"/>
-    <dgm:cxn modelId="{DBA259D0-9039-5646-A9F6-F8C19B34658E}" type="presParOf" srcId="{5BCD9D4E-93FD-1A46-A7A5-1EDD3125F5F3}" destId="{F3409E97-9825-804C-AD00-0B50951A609F}" srcOrd="0" destOrd="0" presId="urn:microsoft.com/office/officeart/2005/8/layout/hierarchy1"/>
-    <dgm:cxn modelId="{3418E4F0-E1D3-DD4F-B056-ECF2054B6D3E}" type="presParOf" srcId="{F3409E97-9825-804C-AD00-0B50951A609F}" destId="{C9CF3E4B-9C5C-4C46-96CE-805FF8AC6CD8}" srcOrd="0" destOrd="0" presId="urn:microsoft.com/office/officeart/2005/8/layout/hierarchy1"/>
-    <dgm:cxn modelId="{67F2A1EF-3FD0-9D49-9577-A8B3FD766084}" type="presParOf" srcId="{F3409E97-9825-804C-AD00-0B50951A609F}" destId="{8F6F584A-3CCC-2E41-9BF4-5BBB52E3EF53}" srcOrd="1" destOrd="0" presId="urn:microsoft.com/office/officeart/2005/8/layout/hierarchy1"/>
-    <dgm:cxn modelId="{BA13E374-E6A0-1B45-9C3C-842714F8ED33}" type="presParOf" srcId="{5BCD9D4E-93FD-1A46-A7A5-1EDD3125F5F3}" destId="{D3A76A37-30B9-CC48-AA17-CD87ABD4D975}" srcOrd="1" destOrd="0" presId="urn:microsoft.com/office/officeart/2005/8/layout/hierarchy1"/>
-    <dgm:cxn modelId="{27140593-C22A-D449-B604-DE7073115AF4}" type="presParOf" srcId="{D3A76A37-30B9-CC48-AA17-CD87ABD4D975}" destId="{7D2B42E8-D08B-674B-837F-7D2CA051E339}" srcOrd="0" destOrd="0" presId="urn:microsoft.com/office/officeart/2005/8/layout/hierarchy1"/>
-    <dgm:cxn modelId="{A5EF3D84-B87E-EF4A-AF8E-4C4830E7A86D}" type="presParOf" srcId="{D3A76A37-30B9-CC48-AA17-CD87ABD4D975}" destId="{3159D2FF-3087-B04C-8FCA-4EE914B43060}" srcOrd="1" destOrd="0" presId="urn:microsoft.com/office/officeart/2005/8/layout/hierarchy1"/>
-    <dgm:cxn modelId="{FB7FEFFB-C42C-4B47-B778-B97C2D1AC3B3}" type="presParOf" srcId="{3159D2FF-3087-B04C-8FCA-4EE914B43060}" destId="{7E9FB0D2-09A0-E747-8583-7856940A3AA1}" srcOrd="0" destOrd="0" presId="urn:microsoft.com/office/officeart/2005/8/layout/hierarchy1"/>
-    <dgm:cxn modelId="{DA31BBE4-978C-F048-8264-A9F0999E7D94}" type="presParOf" srcId="{7E9FB0D2-09A0-E747-8583-7856940A3AA1}" destId="{B4F7B969-8C41-A04B-9BA9-B259591A3067}" srcOrd="0" destOrd="0" presId="urn:microsoft.com/office/officeart/2005/8/layout/hierarchy1"/>
-    <dgm:cxn modelId="{B760AB55-3D1F-014D-954A-4EE684A47658}" type="presParOf" srcId="{7E9FB0D2-09A0-E747-8583-7856940A3AA1}" destId="{2CFDBA9E-5E12-414E-9331-118976B5E00F}" srcOrd="1" destOrd="0" presId="urn:microsoft.com/office/officeart/2005/8/layout/hierarchy1"/>
-    <dgm:cxn modelId="{BCBBB985-5E66-BE47-AA07-F009A613FBAE}" type="presParOf" srcId="{3159D2FF-3087-B04C-8FCA-4EE914B43060}" destId="{EC88BC1C-2837-E94A-8FBF-7756CAB96931}" srcOrd="1" destOrd="0" presId="urn:microsoft.com/office/officeart/2005/8/layout/hierarchy1"/>
-    <dgm:cxn modelId="{DBCE0613-E89A-0C4B-985D-AA46AE9848B6}" type="presParOf" srcId="{C21D9D8E-AD44-424C-896F-10834087665B}" destId="{25208BD1-6B18-054C-8462-2AC22AC76D14}" srcOrd="2" destOrd="0" presId="urn:microsoft.com/office/officeart/2005/8/layout/hierarchy1"/>
-    <dgm:cxn modelId="{6BF8F83E-666B-CA44-9F6A-43F915711F51}" type="presParOf" srcId="{C21D9D8E-AD44-424C-896F-10834087665B}" destId="{B387D359-8370-6641-92F4-81166F9A9158}" srcOrd="3" destOrd="0" presId="urn:microsoft.com/office/officeart/2005/8/layout/hierarchy1"/>
-    <dgm:cxn modelId="{5E0E801B-AF0C-0442-B80A-B82FB6F45B64}" type="presParOf" srcId="{B387D359-8370-6641-92F4-81166F9A9158}" destId="{C0DDFBE4-38A7-C24D-8BD7-6EB2E0AA2555}" srcOrd="0" destOrd="0" presId="urn:microsoft.com/office/officeart/2005/8/layout/hierarchy1"/>
-    <dgm:cxn modelId="{029E75A0-4797-E64A-9EAE-E8FEE757A7AB}" type="presParOf" srcId="{C0DDFBE4-38A7-C24D-8BD7-6EB2E0AA2555}" destId="{6CC1C4C9-B002-3F41-A74D-F673C8F71F21}" srcOrd="0" destOrd="0" presId="urn:microsoft.com/office/officeart/2005/8/layout/hierarchy1"/>
-    <dgm:cxn modelId="{154A5560-0ED9-9440-BA73-C095E821E1F0}" type="presParOf" srcId="{C0DDFBE4-38A7-C24D-8BD7-6EB2E0AA2555}" destId="{808A9394-08CC-B140-8E66-2D69C3F4BDE0}" srcOrd="1" destOrd="0" presId="urn:microsoft.com/office/officeart/2005/8/layout/hierarchy1"/>
-    <dgm:cxn modelId="{F40CF50F-58FC-AB4A-AC51-C2DC1CF03BC1}" type="presParOf" srcId="{B387D359-8370-6641-92F4-81166F9A9158}" destId="{56ECDC7D-F91C-2148-A405-36A070E7C535}" srcOrd="1" destOrd="0" presId="urn:microsoft.com/office/officeart/2005/8/layout/hierarchy1"/>
-    <dgm:cxn modelId="{2B51CC06-F07A-D74C-9D92-E219CA19043C}" type="presParOf" srcId="{22EAA976-310A-BB42-8A77-995F9D950D3E}" destId="{957F086A-BF98-C74C-8C7A-C25AE05C9D71}" srcOrd="2" destOrd="0" presId="urn:microsoft.com/office/officeart/2005/8/layout/hierarchy1"/>
-    <dgm:cxn modelId="{D5AE5A65-4BC2-B34C-AE8B-9E30954A97CC}" type="presParOf" srcId="{22EAA976-310A-BB42-8A77-995F9D950D3E}" destId="{5E1C1D78-EED8-C24D-8EDB-1021D35FDC34}" srcOrd="3" destOrd="0" presId="urn:microsoft.com/office/officeart/2005/8/layout/hierarchy1"/>
-    <dgm:cxn modelId="{84628700-776A-AC40-A5FD-9E0369F60566}" type="presParOf" srcId="{5E1C1D78-EED8-C24D-8EDB-1021D35FDC34}" destId="{C69385F6-05D5-BC48-86E9-558A8D55F103}" srcOrd="0" destOrd="0" presId="urn:microsoft.com/office/officeart/2005/8/layout/hierarchy1"/>
-    <dgm:cxn modelId="{86B0716D-2153-B841-82B1-4D32EF8F59F1}" type="presParOf" srcId="{C69385F6-05D5-BC48-86E9-558A8D55F103}" destId="{65F33A17-8AE8-6144-A4E1-5A6404EE97ED}" srcOrd="0" destOrd="0" presId="urn:microsoft.com/office/officeart/2005/8/layout/hierarchy1"/>
-    <dgm:cxn modelId="{7C56190C-BC36-6B4E-9CCF-57FFD0C6769D}" type="presParOf" srcId="{C69385F6-05D5-BC48-86E9-558A8D55F103}" destId="{D9528581-414F-0C4E-A4EA-76ED39361A46}" srcOrd="1" destOrd="0" presId="urn:microsoft.com/office/officeart/2005/8/layout/hierarchy1"/>
-    <dgm:cxn modelId="{1D0E1C0B-7060-7A4E-81A5-A669E1778D3E}" type="presParOf" srcId="{5E1C1D78-EED8-C24D-8EDB-1021D35FDC34}" destId="{FAB1151F-92C4-434C-9BC8-CE10D1CBEBFF}" srcOrd="1" destOrd="0" presId="urn:microsoft.com/office/officeart/2005/8/layout/hierarchy1"/>
-  </dgm:cxnLst>
-  <dgm:bg/>
-  <dgm:whole/>
-  <dgm:extLst>
-    <a:ext uri="http://schemas.microsoft.com/office/drawing/2008/diagram">
-      <dsp:dataModelExt xmlns:dsp="http://schemas.microsoft.com/office/drawing/2008/diagram" relId="rId6" minVer="http://schemas.openxmlformats.org/drawingml/2006/diagram"/>
-    </a:ext>
-  </dgm:extLst>
-</dgm:dataModel>
-</file>
-
-<file path=ppt/diagrams/drawing1.xml><?xml version="1.0" encoding="utf-8"?>
-<dsp:drawing xmlns:dgm="http://schemas.openxmlformats.org/drawingml/2006/diagram" xmlns:dsp="http://schemas.microsoft.com/office/drawing/2008/diagram" xmlns:a="http://schemas.openxmlformats.org/drawingml/2006/main">
-  <dsp:spTree>
-    <dsp:nvGrpSpPr>
-      <dsp:cNvPr id="0" name=""/>
-      <dsp:cNvGrpSpPr/>
-    </dsp:nvGrpSpPr>
-    <dsp:grpSpPr/>
-    <dsp:sp modelId="{957F086A-BF98-C74C-8C7A-C25AE05C9D71}">
-      <dsp:nvSpPr>
-        <dsp:cNvPr id="0" name=""/>
-        <dsp:cNvSpPr/>
-      </dsp:nvSpPr>
-      <dsp:spPr>
-        <a:xfrm>
-          <a:off x="3633972" y="1674821"/>
-          <a:ext cx="654506" cy="311485"/>
-        </a:xfrm>
-        <a:custGeom>
-          <a:avLst/>
-          <a:gdLst/>
-          <a:ahLst/>
-          <a:cxnLst/>
-          <a:rect l="0" t="0" r="0" b="0"/>
-          <a:pathLst>
-            <a:path>
-              <a:moveTo>
-                <a:pt x="0" y="0"/>
-              </a:moveTo>
-              <a:lnTo>
-                <a:pt x="0" y="212268"/>
-              </a:lnTo>
-              <a:lnTo>
-                <a:pt x="654506" y="212268"/>
-              </a:lnTo>
-              <a:lnTo>
-                <a:pt x="654506" y="311485"/>
-              </a:lnTo>
-            </a:path>
-          </a:pathLst>
-        </a:custGeom>
-        <a:noFill/>
-        <a:ln w="9525" cap="flat" cmpd="sng" algn="ctr">
-          <a:solidFill>
-            <a:schemeClr val="accent1">
-              <a:shade val="80000"/>
-              <a:hueOff val="0"/>
-              <a:satOff val="0"/>
-              <a:lumOff val="0"/>
-              <a:alphaOff val="0"/>
-            </a:schemeClr>
-          </a:solidFill>
-          <a:prstDash val="solid"/>
-        </a:ln>
-        <a:effectLst/>
-      </dsp:spPr>
-      <dsp:style>
-        <a:lnRef idx="1">
-          <a:scrgbClr r="0" g="0" b="0"/>
-        </a:lnRef>
-        <a:fillRef idx="0">
-          <a:scrgbClr r="0" g="0" b="0"/>
-        </a:fillRef>
-        <a:effectRef idx="0">
-          <a:scrgbClr r="0" g="0" b="0"/>
-        </a:effectRef>
-        <a:fontRef idx="minor"/>
-      </dsp:style>
-    </dsp:sp>
-    <dsp:sp modelId="{25208BD1-6B18-054C-8462-2AC22AC76D14}">
-      <dsp:nvSpPr>
-        <dsp:cNvPr id="0" name=""/>
-        <dsp:cNvSpPr/>
-      </dsp:nvSpPr>
-      <dsp:spPr>
-        <a:xfrm>
-          <a:off x="2979465" y="3657975"/>
-          <a:ext cx="654506" cy="311485"/>
-        </a:xfrm>
-        <a:custGeom>
-          <a:avLst/>
-          <a:gdLst/>
-          <a:ahLst/>
-          <a:cxnLst/>
-          <a:rect l="0" t="0" r="0" b="0"/>
-          <a:pathLst>
-            <a:path>
-              <a:moveTo>
-                <a:pt x="0" y="0"/>
-              </a:moveTo>
-              <a:lnTo>
-                <a:pt x="0" y="212268"/>
-              </a:lnTo>
-              <a:lnTo>
-                <a:pt x="654506" y="212268"/>
-              </a:lnTo>
-              <a:lnTo>
-                <a:pt x="654506" y="311485"/>
-              </a:lnTo>
-            </a:path>
-          </a:pathLst>
-        </a:custGeom>
-        <a:noFill/>
-        <a:ln w="9525" cap="flat" cmpd="sng" algn="ctr">
-          <a:solidFill>
-            <a:schemeClr val="accent1">
-              <a:shade val="80000"/>
-              <a:hueOff val="0"/>
-              <a:satOff val="0"/>
-              <a:lumOff val="0"/>
-              <a:alphaOff val="0"/>
-            </a:schemeClr>
-          </a:solidFill>
-          <a:prstDash val="solid"/>
-        </a:ln>
-        <a:effectLst/>
-      </dsp:spPr>
-      <dsp:style>
-        <a:lnRef idx="1">
-          <a:scrgbClr r="0" g="0" b="0"/>
-        </a:lnRef>
-        <a:fillRef idx="0">
-          <a:scrgbClr r="0" g="0" b="0"/>
-        </a:fillRef>
-        <a:effectRef idx="0">
-          <a:scrgbClr r="0" g="0" b="0"/>
-        </a:effectRef>
-        <a:fontRef idx="minor"/>
-      </dsp:style>
-    </dsp:sp>
-    <dsp:sp modelId="{7D2B42E8-D08B-674B-837F-7D2CA051E339}">
-      <dsp:nvSpPr>
-        <dsp:cNvPr id="0" name=""/>
-        <dsp:cNvSpPr/>
-      </dsp:nvSpPr>
-      <dsp:spPr>
-        <a:xfrm>
-          <a:off x="2279239" y="4649551"/>
-          <a:ext cx="91440" cy="311485"/>
-        </a:xfrm>
-        <a:custGeom>
-          <a:avLst/>
-          <a:gdLst/>
-          <a:ahLst/>
-          <a:cxnLst/>
-          <a:rect l="0" t="0" r="0" b="0"/>
-          <a:pathLst>
-            <a:path>
-              <a:moveTo>
-                <a:pt x="45720" y="0"/>
-              </a:moveTo>
-              <a:lnTo>
-                <a:pt x="45720" y="311485"/>
-              </a:lnTo>
-            </a:path>
-          </a:pathLst>
-        </a:custGeom>
-        <a:noFill/>
-        <a:ln w="9525" cap="flat" cmpd="sng" algn="ctr">
-          <a:solidFill>
-            <a:schemeClr val="accent1">
-              <a:shade val="80000"/>
-              <a:hueOff val="0"/>
-              <a:satOff val="0"/>
-              <a:lumOff val="0"/>
-              <a:alphaOff val="0"/>
-            </a:schemeClr>
-          </a:solidFill>
-          <a:prstDash val="solid"/>
-        </a:ln>
-        <a:effectLst/>
-      </dsp:spPr>
-      <dsp:style>
-        <a:lnRef idx="1">
-          <a:scrgbClr r="0" g="0" b="0"/>
-        </a:lnRef>
-        <a:fillRef idx="0">
-          <a:scrgbClr r="0" g="0" b="0"/>
-        </a:fillRef>
-        <a:effectRef idx="0">
-          <a:scrgbClr r="0" g="0" b="0"/>
-        </a:effectRef>
-        <a:fontRef idx="minor"/>
-      </dsp:style>
-    </dsp:sp>
-    <dsp:sp modelId="{557ED9C9-A670-B948-A908-EE3371CA4BDA}">
-      <dsp:nvSpPr>
-        <dsp:cNvPr id="0" name=""/>
-        <dsp:cNvSpPr/>
-      </dsp:nvSpPr>
-      <dsp:spPr>
-        <a:xfrm>
-          <a:off x="2324959" y="3657975"/>
-          <a:ext cx="654506" cy="311485"/>
-        </a:xfrm>
-        <a:custGeom>
-          <a:avLst/>
-          <a:gdLst/>
-          <a:ahLst/>
-          <a:cxnLst/>
-          <a:rect l="0" t="0" r="0" b="0"/>
-          <a:pathLst>
-            <a:path>
-              <a:moveTo>
-                <a:pt x="654506" y="0"/>
-              </a:moveTo>
-              <a:lnTo>
-                <a:pt x="654506" y="212268"/>
-              </a:lnTo>
-              <a:lnTo>
-                <a:pt x="0" y="212268"/>
-              </a:lnTo>
-              <a:lnTo>
-                <a:pt x="0" y="311485"/>
-              </a:lnTo>
-            </a:path>
-          </a:pathLst>
-        </a:custGeom>
-        <a:noFill/>
-        <a:ln w="9525" cap="flat" cmpd="sng" algn="ctr">
-          <a:solidFill>
-            <a:schemeClr val="accent1">
-              <a:shade val="80000"/>
-              <a:hueOff val="0"/>
-              <a:satOff val="0"/>
-              <a:lumOff val="0"/>
-              <a:alphaOff val="0"/>
-            </a:schemeClr>
-          </a:solidFill>
-          <a:prstDash val="solid"/>
-        </a:ln>
-        <a:effectLst/>
-      </dsp:spPr>
-      <dsp:style>
-        <a:lnRef idx="1">
-          <a:scrgbClr r="0" g="0" b="0"/>
-        </a:lnRef>
-        <a:fillRef idx="0">
-          <a:scrgbClr r="0" g="0" b="0"/>
-        </a:fillRef>
-        <a:effectRef idx="0">
-          <a:scrgbClr r="0" g="0" b="0"/>
-        </a:effectRef>
-        <a:fontRef idx="minor"/>
-      </dsp:style>
-    </dsp:sp>
-    <dsp:sp modelId="{8E9C826A-71B8-EC40-A802-BA1C1E67722A}">
-      <dsp:nvSpPr>
-        <dsp:cNvPr id="0" name=""/>
-        <dsp:cNvSpPr/>
-      </dsp:nvSpPr>
-      <dsp:spPr>
-        <a:xfrm>
-          <a:off x="2933745" y="2666398"/>
-          <a:ext cx="91440" cy="311485"/>
-        </a:xfrm>
-        <a:custGeom>
-          <a:avLst/>
-          <a:gdLst/>
-          <a:ahLst/>
-          <a:cxnLst/>
-          <a:rect l="0" t="0" r="0" b="0"/>
-          <a:pathLst>
-            <a:path>
-              <a:moveTo>
-                <a:pt x="45720" y="0"/>
-              </a:moveTo>
-              <a:lnTo>
-                <a:pt x="45720" y="311485"/>
-              </a:lnTo>
-            </a:path>
-          </a:pathLst>
-        </a:custGeom>
-        <a:noFill/>
-        <a:ln w="9525" cap="flat" cmpd="sng" algn="ctr">
-          <a:solidFill>
-            <a:schemeClr val="accent1">
-              <a:shade val="80000"/>
-              <a:hueOff val="0"/>
-              <a:satOff val="0"/>
-              <a:lumOff val="0"/>
-              <a:alphaOff val="0"/>
-            </a:schemeClr>
-          </a:solidFill>
-          <a:prstDash val="solid"/>
-        </a:ln>
-        <a:effectLst/>
-      </dsp:spPr>
-      <dsp:style>
-        <a:lnRef idx="1">
-          <a:scrgbClr r="0" g="0" b="0"/>
-        </a:lnRef>
-        <a:fillRef idx="0">
-          <a:scrgbClr r="0" g="0" b="0"/>
-        </a:fillRef>
-        <a:effectRef idx="0">
-          <a:scrgbClr r="0" g="0" b="0"/>
-        </a:effectRef>
-        <a:fontRef idx="minor"/>
-      </dsp:style>
-    </dsp:sp>
-    <dsp:sp modelId="{5B5F84D4-E5B6-984A-9F43-B7EF45E9FB53}">
-      <dsp:nvSpPr>
-        <dsp:cNvPr id="0" name=""/>
-        <dsp:cNvSpPr/>
-      </dsp:nvSpPr>
-      <dsp:spPr>
-        <a:xfrm>
-          <a:off x="2979465" y="1674821"/>
-          <a:ext cx="654506" cy="311485"/>
-        </a:xfrm>
-        <a:custGeom>
-          <a:avLst/>
-          <a:gdLst/>
-          <a:ahLst/>
-          <a:cxnLst/>
-          <a:rect l="0" t="0" r="0" b="0"/>
-          <a:pathLst>
-            <a:path>
-              <a:moveTo>
-                <a:pt x="654506" y="0"/>
-              </a:moveTo>
-              <a:lnTo>
-                <a:pt x="654506" y="212268"/>
-              </a:lnTo>
-              <a:lnTo>
-                <a:pt x="0" y="212268"/>
-              </a:lnTo>
-              <a:lnTo>
-                <a:pt x="0" y="311485"/>
-              </a:lnTo>
-            </a:path>
-          </a:pathLst>
-        </a:custGeom>
-        <a:noFill/>
-        <a:ln w="9525" cap="flat" cmpd="sng" algn="ctr">
-          <a:solidFill>
-            <a:schemeClr val="accent1">
-              <a:shade val="80000"/>
-              <a:hueOff val="0"/>
-              <a:satOff val="0"/>
-              <a:lumOff val="0"/>
-              <a:alphaOff val="0"/>
-            </a:schemeClr>
-          </a:solidFill>
-          <a:prstDash val="solid"/>
-        </a:ln>
-        <a:effectLst/>
-      </dsp:spPr>
-      <dsp:style>
-        <a:lnRef idx="1">
-          <a:scrgbClr r="0" g="0" b="0"/>
-        </a:lnRef>
-        <a:fillRef idx="0">
-          <a:scrgbClr r="0" g="0" b="0"/>
-        </a:fillRef>
-        <a:effectRef idx="0">
-          <a:scrgbClr r="0" g="0" b="0"/>
-        </a:effectRef>
-        <a:fontRef idx="minor"/>
-      </dsp:style>
-    </dsp:sp>
-    <dsp:sp modelId="{F6F8B274-C753-C44F-974B-18D2FC0C8D92}">
-      <dsp:nvSpPr>
-        <dsp:cNvPr id="0" name=""/>
-        <dsp:cNvSpPr/>
-      </dsp:nvSpPr>
-      <dsp:spPr>
-        <a:xfrm>
-          <a:off x="3588252" y="683244"/>
-          <a:ext cx="91440" cy="311485"/>
-        </a:xfrm>
-        <a:custGeom>
-          <a:avLst/>
-          <a:gdLst/>
-          <a:ahLst/>
-          <a:cxnLst/>
-          <a:rect l="0" t="0" r="0" b="0"/>
-          <a:pathLst>
-            <a:path>
-              <a:moveTo>
-                <a:pt x="45720" y="0"/>
-              </a:moveTo>
-              <a:lnTo>
-                <a:pt x="45720" y="311485"/>
-              </a:lnTo>
-            </a:path>
-          </a:pathLst>
-        </a:custGeom>
-        <a:noFill/>
-        <a:ln w="9525" cap="flat" cmpd="sng" algn="ctr">
-          <a:solidFill>
-            <a:schemeClr val="accent1">
-              <a:shade val="60000"/>
-              <a:hueOff val="0"/>
-              <a:satOff val="0"/>
-              <a:lumOff val="0"/>
-              <a:alphaOff val="0"/>
-            </a:schemeClr>
-          </a:solidFill>
-          <a:prstDash val="solid"/>
-        </a:ln>
-        <a:effectLst/>
-      </dsp:spPr>
-      <dsp:style>
-        <a:lnRef idx="1">
-          <a:scrgbClr r="0" g="0" b="0"/>
-        </a:lnRef>
-        <a:fillRef idx="0">
-          <a:scrgbClr r="0" g="0" b="0"/>
-        </a:fillRef>
-        <a:effectRef idx="0">
-          <a:scrgbClr r="0" g="0" b="0"/>
-        </a:effectRef>
-        <a:fontRef idx="minor"/>
-      </dsp:style>
-    </dsp:sp>
-    <dsp:sp modelId="{0845A446-3C45-8048-8783-AF2CDA24B974}">
-      <dsp:nvSpPr>
-        <dsp:cNvPr id="0" name=""/>
-        <dsp:cNvSpPr/>
-      </dsp:nvSpPr>
-      <dsp:spPr>
-        <a:xfrm>
-          <a:off x="3098466" y="3153"/>
-          <a:ext cx="1071010" cy="680091"/>
-        </a:xfrm>
-        <a:prstGeom prst="roundRect">
-          <a:avLst>
-            <a:gd name="adj" fmla="val 10000"/>
-          </a:avLst>
-        </a:prstGeom>
-        <a:gradFill rotWithShape="0">
-          <a:gsLst>
-            <a:gs pos="0">
-              <a:schemeClr val="accent1">
-                <a:hueOff val="0"/>
-                <a:satOff val="0"/>
-                <a:lumOff val="0"/>
-                <a:alphaOff val="0"/>
-                <a:tint val="100000"/>
-                <a:shade val="100000"/>
-                <a:satMod val="130000"/>
-              </a:schemeClr>
-            </a:gs>
-            <a:gs pos="100000">
-              <a:schemeClr val="accent1">
-                <a:hueOff val="0"/>
-                <a:satOff val="0"/>
-                <a:lumOff val="0"/>
-                <a:alphaOff val="0"/>
-                <a:tint val="50000"/>
-                <a:shade val="100000"/>
-                <a:satMod val="350000"/>
-              </a:schemeClr>
-            </a:gs>
-          </a:gsLst>
-          <a:lin ang="16200000" scaled="0"/>
-        </a:gradFill>
-        <a:ln>
-          <a:noFill/>
-        </a:ln>
-        <a:effectLst>
-          <a:outerShdw blurRad="40000" dist="23000" dir="5400000" rotWithShape="0">
-            <a:srgbClr val="000000">
-              <a:alpha val="35000"/>
-            </a:srgbClr>
-          </a:outerShdw>
-        </a:effectLst>
-      </dsp:spPr>
-      <dsp:style>
-        <a:lnRef idx="0">
-          <a:scrgbClr r="0" g="0" b="0"/>
-        </a:lnRef>
-        <a:fillRef idx="3">
-          <a:scrgbClr r="0" g="0" b="0"/>
-        </a:fillRef>
-        <a:effectRef idx="2">
-          <a:scrgbClr r="0" g="0" b="0"/>
-        </a:effectRef>
-        <a:fontRef idx="minor">
-          <a:schemeClr val="lt1"/>
-        </a:fontRef>
-      </dsp:style>
-    </dsp:sp>
-    <dsp:sp modelId="{11775B26-A09B-5449-ADB4-115BC2DC2A3F}">
-      <dsp:nvSpPr>
-        <dsp:cNvPr id="0" name=""/>
-        <dsp:cNvSpPr/>
-      </dsp:nvSpPr>
-      <dsp:spPr>
-        <a:xfrm>
-          <a:off x="3217468" y="116204"/>
-          <a:ext cx="1071010" cy="680091"/>
-        </a:xfrm>
-        <a:prstGeom prst="roundRect">
-          <a:avLst>
-            <a:gd name="adj" fmla="val 10000"/>
-          </a:avLst>
-        </a:prstGeom>
-        <a:solidFill>
-          <a:schemeClr val="accent3">
-            <a:alpha val="90000"/>
-          </a:schemeClr>
-        </a:solidFill>
-        <a:ln w="9525" cap="flat" cmpd="sng" algn="ctr">
-          <a:solidFill>
-            <a:schemeClr val="accent1">
-              <a:hueOff val="0"/>
-              <a:satOff val="0"/>
-              <a:lumOff val="0"/>
-              <a:alphaOff val="0"/>
-            </a:schemeClr>
-          </a:solidFill>
-          <a:prstDash val="solid"/>
-        </a:ln>
-        <a:effectLst/>
-      </dsp:spPr>
-      <dsp:style>
-        <a:lnRef idx="1">
-          <a:scrgbClr r="0" g="0" b="0"/>
-        </a:lnRef>
-        <a:fillRef idx="1">
-          <a:scrgbClr r="0" g="0" b="0"/>
-        </a:fillRef>
-        <a:effectRef idx="0">
-          <a:scrgbClr r="0" g="0" b="0"/>
-        </a:effectRef>
-        <a:fontRef idx="minor"/>
-      </dsp:style>
-      <dsp:txBody>
-        <a:bodyPr spcFirstLastPara="0" vert="horz" wrap="square" lIns="41910" tIns="41910" rIns="41910" bIns="41910" numCol="1" spcCol="1270" anchor="ctr" anchorCtr="0">
-          <a:noAutofit/>
-        </a:bodyPr>
-        <a:lstStyle/>
-        <a:p>
-          <a:pPr lvl="0" algn="ctr" defTabSz="466725">
-            <a:lnSpc>
-              <a:spcPct val="90000"/>
-            </a:lnSpc>
-            <a:spcBef>
-              <a:spcPct val="0"/>
-            </a:spcBef>
-            <a:spcAft>
-              <a:spcPct val="35000"/>
-            </a:spcAft>
-          </a:pPr>
-          <a:r>
-            <a:rPr lang="en-US" sz="1050" kern="1200" dirty="0" smtClean="0"/>
-            <a:t>View </a:t>
-          </a:r>
-          <a:r>
-            <a:rPr lang="en-US" sz="1050" kern="1200" dirty="0" smtClean="0"/>
-            <a:t>My Hubs</a:t>
-          </a:r>
-          <a:endParaRPr lang="en-US" sz="1050" kern="1200" dirty="0"/>
-        </a:p>
-      </dsp:txBody>
-      <dsp:txXfrm>
-        <a:off x="3237387" y="136123"/>
-        <a:ext cx="1031172" cy="640253"/>
-      </dsp:txXfrm>
-    </dsp:sp>
-    <dsp:sp modelId="{8D61C082-6E84-3544-B9FD-FFC979016728}">
-      <dsp:nvSpPr>
-        <dsp:cNvPr id="0" name=""/>
-        <dsp:cNvSpPr/>
-      </dsp:nvSpPr>
-      <dsp:spPr>
-        <a:xfrm>
-          <a:off x="3098466" y="994730"/>
-          <a:ext cx="1071010" cy="680091"/>
-        </a:xfrm>
-        <a:prstGeom prst="roundRect">
-          <a:avLst>
-            <a:gd name="adj" fmla="val 10000"/>
-          </a:avLst>
-        </a:prstGeom>
-        <a:gradFill rotWithShape="0">
-          <a:gsLst>
-            <a:gs pos="0">
-              <a:schemeClr val="accent1">
-                <a:hueOff val="0"/>
-                <a:satOff val="0"/>
-                <a:lumOff val="0"/>
-                <a:alphaOff val="0"/>
-                <a:tint val="100000"/>
-                <a:shade val="100000"/>
-                <a:satMod val="130000"/>
-              </a:schemeClr>
-            </a:gs>
-            <a:gs pos="100000">
-              <a:schemeClr val="accent1">
-                <a:hueOff val="0"/>
-                <a:satOff val="0"/>
-                <a:lumOff val="0"/>
-                <a:alphaOff val="0"/>
-                <a:tint val="50000"/>
-                <a:shade val="100000"/>
-                <a:satMod val="350000"/>
-              </a:schemeClr>
-            </a:gs>
-          </a:gsLst>
-          <a:lin ang="16200000" scaled="0"/>
-        </a:gradFill>
-        <a:ln>
-          <a:noFill/>
-        </a:ln>
-        <a:effectLst>
-          <a:outerShdw blurRad="40000" dist="23000" dir="5400000" rotWithShape="0">
-            <a:srgbClr val="000000">
-              <a:alpha val="35000"/>
-            </a:srgbClr>
-          </a:outerShdw>
-        </a:effectLst>
-      </dsp:spPr>
-      <dsp:style>
-        <a:lnRef idx="0">
-          <a:scrgbClr r="0" g="0" b="0"/>
-        </a:lnRef>
-        <a:fillRef idx="3">
-          <a:scrgbClr r="0" g="0" b="0"/>
-        </a:fillRef>
-        <a:effectRef idx="2">
-          <a:scrgbClr r="0" g="0" b="0"/>
-        </a:effectRef>
-        <a:fontRef idx="minor">
-          <a:schemeClr val="lt1"/>
-        </a:fontRef>
-      </dsp:style>
-    </dsp:sp>
-    <dsp:sp modelId="{DDD2B4D5-2C99-F941-9F1D-B3AC64D768BB}">
-      <dsp:nvSpPr>
-        <dsp:cNvPr id="0" name=""/>
-        <dsp:cNvSpPr/>
-      </dsp:nvSpPr>
-      <dsp:spPr>
-        <a:xfrm>
-          <a:off x="3217468" y="1107781"/>
-          <a:ext cx="1071010" cy="680091"/>
-        </a:xfrm>
-        <a:prstGeom prst="roundRect">
-          <a:avLst>
-            <a:gd name="adj" fmla="val 10000"/>
-          </a:avLst>
-        </a:prstGeom>
-        <a:solidFill>
-          <a:schemeClr val="accent3">
-            <a:alpha val="90000"/>
-          </a:schemeClr>
-        </a:solidFill>
-        <a:ln w="9525" cap="flat" cmpd="sng" algn="ctr">
-          <a:solidFill>
-            <a:schemeClr val="accent1">
-              <a:hueOff val="0"/>
-              <a:satOff val="0"/>
-              <a:lumOff val="0"/>
-              <a:alphaOff val="0"/>
-            </a:schemeClr>
-          </a:solidFill>
-          <a:prstDash val="solid"/>
-        </a:ln>
-        <a:effectLst/>
-      </dsp:spPr>
-      <dsp:style>
-        <a:lnRef idx="1">
-          <a:scrgbClr r="0" g="0" b="0"/>
-        </a:lnRef>
-        <a:fillRef idx="1">
-          <a:scrgbClr r="0" g="0" b="0"/>
-        </a:fillRef>
-        <a:effectRef idx="0">
-          <a:scrgbClr r="0" g="0" b="0"/>
-        </a:effectRef>
-        <a:fontRef idx="minor"/>
-      </dsp:style>
-      <dsp:txBody>
-        <a:bodyPr spcFirstLastPara="0" vert="horz" wrap="square" lIns="41910" tIns="41910" rIns="41910" bIns="41910" numCol="1" spcCol="1270" anchor="ctr" anchorCtr="0">
-          <a:noAutofit/>
-        </a:bodyPr>
-        <a:lstStyle/>
-        <a:p>
-          <a:pPr lvl="0" algn="ctr" defTabSz="466725">
-            <a:lnSpc>
-              <a:spcPct val="90000"/>
-            </a:lnSpc>
-            <a:spcBef>
-              <a:spcPct val="0"/>
-            </a:spcBef>
-            <a:spcAft>
-              <a:spcPct val="35000"/>
-            </a:spcAft>
-          </a:pPr>
-          <a:r>
-            <a:rPr lang="en-US" sz="1050" kern="1200" dirty="0" smtClean="0"/>
-            <a:t>Hubs list</a:t>
-          </a:r>
-          <a:endParaRPr lang="en-US" sz="1050" kern="1200" dirty="0"/>
-        </a:p>
-      </dsp:txBody>
-      <dsp:txXfrm>
-        <a:off x="3237387" y="1127700"/>
-        <a:ext cx="1031172" cy="640253"/>
-      </dsp:txXfrm>
-    </dsp:sp>
-    <dsp:sp modelId="{49A25896-B659-5C4F-9E21-9D5D719D6906}">
-      <dsp:nvSpPr>
-        <dsp:cNvPr id="0" name=""/>
-        <dsp:cNvSpPr/>
-      </dsp:nvSpPr>
-      <dsp:spPr>
-        <a:xfrm>
-          <a:off x="2443960" y="1986306"/>
-          <a:ext cx="1071010" cy="680091"/>
-        </a:xfrm>
-        <a:prstGeom prst="roundRect">
-          <a:avLst>
-            <a:gd name="adj" fmla="val 10000"/>
-          </a:avLst>
-        </a:prstGeom>
-        <a:gradFill rotWithShape="0">
-          <a:gsLst>
-            <a:gs pos="0">
-              <a:schemeClr val="accent1">
-                <a:hueOff val="0"/>
-                <a:satOff val="0"/>
-                <a:lumOff val="0"/>
-                <a:alphaOff val="0"/>
-                <a:tint val="100000"/>
-                <a:shade val="100000"/>
-                <a:satMod val="130000"/>
-              </a:schemeClr>
-            </a:gs>
-            <a:gs pos="100000">
-              <a:schemeClr val="accent1">
-                <a:hueOff val="0"/>
-                <a:satOff val="0"/>
-                <a:lumOff val="0"/>
-                <a:alphaOff val="0"/>
-                <a:tint val="50000"/>
-                <a:shade val="100000"/>
-                <a:satMod val="350000"/>
-              </a:schemeClr>
-            </a:gs>
-          </a:gsLst>
-          <a:lin ang="16200000" scaled="0"/>
-        </a:gradFill>
-        <a:ln>
-          <a:noFill/>
-        </a:ln>
-        <a:effectLst>
-          <a:outerShdw blurRad="40000" dist="23000" dir="5400000" rotWithShape="0">
-            <a:srgbClr val="000000">
-              <a:alpha val="35000"/>
-            </a:srgbClr>
-          </a:outerShdw>
-        </a:effectLst>
-      </dsp:spPr>
-      <dsp:style>
-        <a:lnRef idx="0">
-          <a:scrgbClr r="0" g="0" b="0"/>
-        </a:lnRef>
-        <a:fillRef idx="3">
-          <a:scrgbClr r="0" g="0" b="0"/>
-        </a:fillRef>
-        <a:effectRef idx="2">
-          <a:scrgbClr r="0" g="0" b="0"/>
-        </a:effectRef>
-        <a:fontRef idx="minor">
-          <a:schemeClr val="lt1"/>
-        </a:fontRef>
-      </dsp:style>
-    </dsp:sp>
-    <dsp:sp modelId="{4D64B35F-670C-CD47-B2D5-EF078201B5DC}">
-      <dsp:nvSpPr>
-        <dsp:cNvPr id="0" name=""/>
-        <dsp:cNvSpPr/>
-      </dsp:nvSpPr>
-      <dsp:spPr>
-        <a:xfrm>
-          <a:off x="2562961" y="2099357"/>
-          <a:ext cx="1071010" cy="680091"/>
-        </a:xfrm>
-        <a:prstGeom prst="roundRect">
-          <a:avLst>
-            <a:gd name="adj" fmla="val 10000"/>
-          </a:avLst>
-        </a:prstGeom>
-        <a:solidFill>
-          <a:schemeClr val="accent3">
-            <a:alpha val="90000"/>
-          </a:schemeClr>
-        </a:solidFill>
-        <a:ln w="9525" cap="flat" cmpd="sng" algn="ctr">
-          <a:solidFill>
-            <a:schemeClr val="accent1">
-              <a:hueOff val="0"/>
-              <a:satOff val="0"/>
-              <a:lumOff val="0"/>
-              <a:alphaOff val="0"/>
-            </a:schemeClr>
-          </a:solidFill>
-          <a:prstDash val="solid"/>
-        </a:ln>
-        <a:effectLst/>
-      </dsp:spPr>
-      <dsp:style>
-        <a:lnRef idx="1">
-          <a:scrgbClr r="0" g="0" b="0"/>
-        </a:lnRef>
-        <a:fillRef idx="1">
-          <a:scrgbClr r="0" g="0" b="0"/>
-        </a:fillRef>
-        <a:effectRef idx="0">
-          <a:scrgbClr r="0" g="0" b="0"/>
-        </a:effectRef>
-        <a:fontRef idx="minor"/>
-      </dsp:style>
-      <dsp:txBody>
-        <a:bodyPr spcFirstLastPara="0" vert="horz" wrap="square" lIns="41910" tIns="41910" rIns="41910" bIns="41910" numCol="1" spcCol="1270" anchor="ctr" anchorCtr="0">
-          <a:noAutofit/>
-        </a:bodyPr>
-        <a:lstStyle/>
-        <a:p>
-          <a:pPr lvl="0" algn="ctr" defTabSz="466725">
-            <a:lnSpc>
-              <a:spcPct val="90000"/>
-            </a:lnSpc>
-            <a:spcBef>
-              <a:spcPct val="0"/>
-            </a:spcBef>
-            <a:spcAft>
-              <a:spcPct val="35000"/>
-            </a:spcAft>
-          </a:pPr>
-          <a:r>
-            <a:rPr lang="en-US" sz="1050" kern="1200" dirty="0" smtClean="0"/>
-            <a:t>Open</a:t>
-          </a:r>
-          <a:endParaRPr lang="en-US" sz="1050" kern="1200" dirty="0"/>
-        </a:p>
-      </dsp:txBody>
-      <dsp:txXfrm>
-        <a:off x="2582880" y="2119276"/>
-        <a:ext cx="1031172" cy="640253"/>
-      </dsp:txXfrm>
-    </dsp:sp>
-    <dsp:sp modelId="{82043EE6-363D-4347-A9AA-0E6B8D3BB913}">
-      <dsp:nvSpPr>
-        <dsp:cNvPr id="0" name=""/>
-        <dsp:cNvSpPr/>
-      </dsp:nvSpPr>
-      <dsp:spPr>
-        <a:xfrm>
-          <a:off x="2443960" y="2977883"/>
-          <a:ext cx="1071010" cy="680091"/>
-        </a:xfrm>
-        <a:prstGeom prst="roundRect">
-          <a:avLst>
-            <a:gd name="adj" fmla="val 10000"/>
-          </a:avLst>
-        </a:prstGeom>
-        <a:gradFill rotWithShape="0">
-          <a:gsLst>
-            <a:gs pos="0">
-              <a:schemeClr val="accent1">
-                <a:hueOff val="0"/>
-                <a:satOff val="0"/>
-                <a:lumOff val="0"/>
-                <a:alphaOff val="0"/>
-                <a:tint val="100000"/>
-                <a:shade val="100000"/>
-                <a:satMod val="130000"/>
-              </a:schemeClr>
-            </a:gs>
-            <a:gs pos="100000">
-              <a:schemeClr val="accent1">
-                <a:hueOff val="0"/>
-                <a:satOff val="0"/>
-                <a:lumOff val="0"/>
-                <a:alphaOff val="0"/>
-                <a:tint val="50000"/>
-                <a:shade val="100000"/>
-                <a:satMod val="350000"/>
-              </a:schemeClr>
-            </a:gs>
-          </a:gsLst>
-          <a:lin ang="16200000" scaled="0"/>
-        </a:gradFill>
-        <a:ln>
-          <a:noFill/>
-        </a:ln>
-        <a:effectLst>
-          <a:outerShdw blurRad="40000" dist="23000" dir="5400000" rotWithShape="0">
-            <a:srgbClr val="000000">
-              <a:alpha val="35000"/>
-            </a:srgbClr>
-          </a:outerShdw>
-        </a:effectLst>
-      </dsp:spPr>
-      <dsp:style>
-        <a:lnRef idx="0">
-          <a:scrgbClr r="0" g="0" b="0"/>
-        </a:lnRef>
-        <a:fillRef idx="3">
-          <a:scrgbClr r="0" g="0" b="0"/>
-        </a:fillRef>
-        <a:effectRef idx="2">
-          <a:scrgbClr r="0" g="0" b="0"/>
-        </a:effectRef>
-        <a:fontRef idx="minor">
-          <a:schemeClr val="lt1"/>
-        </a:fontRef>
-      </dsp:style>
-    </dsp:sp>
-    <dsp:sp modelId="{C72A2D5D-7679-4341-9BF2-825B72A216DA}">
-      <dsp:nvSpPr>
-        <dsp:cNvPr id="0" name=""/>
-        <dsp:cNvSpPr/>
-      </dsp:nvSpPr>
-      <dsp:spPr>
-        <a:xfrm>
-          <a:off x="2562961" y="3090934"/>
-          <a:ext cx="1071010" cy="680091"/>
-        </a:xfrm>
-        <a:prstGeom prst="roundRect">
-          <a:avLst>
-            <a:gd name="adj" fmla="val 10000"/>
-          </a:avLst>
-        </a:prstGeom>
-        <a:solidFill>
-          <a:schemeClr val="accent3">
-            <a:alpha val="90000"/>
-          </a:schemeClr>
-        </a:solidFill>
-        <a:ln w="9525" cap="flat" cmpd="sng" algn="ctr">
-          <a:solidFill>
-            <a:schemeClr val="accent1">
-              <a:hueOff val="0"/>
-              <a:satOff val="0"/>
-              <a:lumOff val="0"/>
-              <a:alphaOff val="0"/>
-            </a:schemeClr>
-          </a:solidFill>
-          <a:prstDash val="solid"/>
-        </a:ln>
-        <a:effectLst/>
-      </dsp:spPr>
-      <dsp:style>
-        <a:lnRef idx="1">
-          <a:scrgbClr r="0" g="0" b="0"/>
-        </a:lnRef>
-        <a:fillRef idx="1">
-          <a:scrgbClr r="0" g="0" b="0"/>
-        </a:fillRef>
-        <a:effectRef idx="0">
-          <a:scrgbClr r="0" g="0" b="0"/>
-        </a:effectRef>
-        <a:fontRef idx="minor"/>
-      </dsp:style>
-      <dsp:txBody>
-        <a:bodyPr spcFirstLastPara="0" vert="horz" wrap="square" lIns="41910" tIns="41910" rIns="41910" bIns="41910" numCol="1" spcCol="1270" anchor="ctr" anchorCtr="0">
-          <a:noAutofit/>
-        </a:bodyPr>
-        <a:lstStyle/>
-        <a:p>
-          <a:pPr lvl="0" algn="ctr" defTabSz="466725">
-            <a:lnSpc>
-              <a:spcPct val="90000"/>
-            </a:lnSpc>
-            <a:spcBef>
-              <a:spcPct val="0"/>
-            </a:spcBef>
-            <a:spcAft>
-              <a:spcPct val="35000"/>
-            </a:spcAft>
-          </a:pPr>
-          <a:r>
-            <a:rPr lang="en-US" sz="1050" kern="1200" dirty="0" smtClean="0"/>
-            <a:t>Shares list</a:t>
-          </a:r>
-          <a:endParaRPr lang="en-US" sz="1050" kern="1200" dirty="0"/>
-        </a:p>
-      </dsp:txBody>
-      <dsp:txXfrm>
-        <a:off x="2582880" y="3110853"/>
-        <a:ext cx="1031172" cy="640253"/>
-      </dsp:txXfrm>
-    </dsp:sp>
-    <dsp:sp modelId="{C9CF3E4B-9C5C-4C46-96CE-805FF8AC6CD8}">
-      <dsp:nvSpPr>
-        <dsp:cNvPr id="0" name=""/>
-        <dsp:cNvSpPr/>
-      </dsp:nvSpPr>
-      <dsp:spPr>
-        <a:xfrm>
-          <a:off x="1789454" y="3969460"/>
-          <a:ext cx="1071010" cy="680091"/>
-        </a:xfrm>
-        <a:prstGeom prst="roundRect">
-          <a:avLst>
-            <a:gd name="adj" fmla="val 10000"/>
-          </a:avLst>
-        </a:prstGeom>
-        <a:gradFill rotWithShape="0">
-          <a:gsLst>
-            <a:gs pos="0">
-              <a:schemeClr val="accent1">
-                <a:hueOff val="0"/>
-                <a:satOff val="0"/>
-                <a:lumOff val="0"/>
-                <a:alphaOff val="0"/>
-                <a:tint val="100000"/>
-                <a:shade val="100000"/>
-                <a:satMod val="130000"/>
-              </a:schemeClr>
-            </a:gs>
-            <a:gs pos="100000">
-              <a:schemeClr val="accent1">
-                <a:hueOff val="0"/>
-                <a:satOff val="0"/>
-                <a:lumOff val="0"/>
-                <a:alphaOff val="0"/>
-                <a:tint val="50000"/>
-                <a:shade val="100000"/>
-                <a:satMod val="350000"/>
-              </a:schemeClr>
-            </a:gs>
-          </a:gsLst>
-          <a:lin ang="16200000" scaled="0"/>
-        </a:gradFill>
-        <a:ln>
-          <a:noFill/>
-        </a:ln>
-        <a:effectLst>
-          <a:outerShdw blurRad="40000" dist="23000" dir="5400000" rotWithShape="0">
-            <a:srgbClr val="000000">
-              <a:alpha val="35000"/>
-            </a:srgbClr>
-          </a:outerShdw>
-        </a:effectLst>
-      </dsp:spPr>
-      <dsp:style>
-        <a:lnRef idx="0">
-          <a:scrgbClr r="0" g="0" b="0"/>
-        </a:lnRef>
-        <a:fillRef idx="3">
-          <a:scrgbClr r="0" g="0" b="0"/>
-        </a:fillRef>
-        <a:effectRef idx="2">
-          <a:scrgbClr r="0" g="0" b="0"/>
-        </a:effectRef>
-        <a:fontRef idx="minor">
-          <a:schemeClr val="lt1"/>
-        </a:fontRef>
-      </dsp:style>
-    </dsp:sp>
-    <dsp:sp modelId="{8F6F584A-3CCC-2E41-9BF4-5BBB52E3EF53}">
-      <dsp:nvSpPr>
-        <dsp:cNvPr id="0" name=""/>
-        <dsp:cNvSpPr/>
-      </dsp:nvSpPr>
-      <dsp:spPr>
-        <a:xfrm>
-          <a:off x="1908455" y="4082511"/>
-          <a:ext cx="1071010" cy="680091"/>
-        </a:xfrm>
-        <a:prstGeom prst="roundRect">
-          <a:avLst>
-            <a:gd name="adj" fmla="val 10000"/>
-          </a:avLst>
-        </a:prstGeom>
-        <a:solidFill>
-          <a:schemeClr val="accent3">
-            <a:alpha val="90000"/>
-          </a:schemeClr>
-        </a:solidFill>
-        <a:ln w="9525" cap="flat" cmpd="sng" algn="ctr">
-          <a:solidFill>
-            <a:schemeClr val="accent1">
-              <a:hueOff val="0"/>
-              <a:satOff val="0"/>
-              <a:lumOff val="0"/>
-              <a:alphaOff val="0"/>
-            </a:schemeClr>
-          </a:solidFill>
-          <a:prstDash val="solid"/>
-        </a:ln>
-        <a:effectLst/>
-      </dsp:spPr>
-      <dsp:style>
-        <a:lnRef idx="1">
-          <a:scrgbClr r="0" g="0" b="0"/>
-        </a:lnRef>
-        <a:fillRef idx="1">
-          <a:scrgbClr r="0" g="0" b="0"/>
-        </a:fillRef>
-        <a:effectRef idx="0">
-          <a:scrgbClr r="0" g="0" b="0"/>
-        </a:effectRef>
-        <a:fontRef idx="minor"/>
-      </dsp:style>
-      <dsp:txBody>
-        <a:bodyPr spcFirstLastPara="0" vert="horz" wrap="square" lIns="41910" tIns="41910" rIns="41910" bIns="41910" numCol="1" spcCol="1270" anchor="ctr" anchorCtr="0">
-          <a:noAutofit/>
-        </a:bodyPr>
-        <a:lstStyle/>
-        <a:p>
-          <a:pPr lvl="0" algn="ctr" defTabSz="466725">
-            <a:lnSpc>
-              <a:spcPct val="90000"/>
-            </a:lnSpc>
-            <a:spcBef>
-              <a:spcPct val="0"/>
-            </a:spcBef>
-            <a:spcAft>
-              <a:spcPct val="35000"/>
-            </a:spcAft>
-          </a:pPr>
-          <a:r>
-            <a:rPr lang="en-US" sz="1050" kern="1200" dirty="0" smtClean="0"/>
-            <a:t>Browse Share</a:t>
-          </a:r>
-          <a:endParaRPr lang="en-US" sz="1050" kern="1200" dirty="0"/>
-        </a:p>
-      </dsp:txBody>
-      <dsp:txXfrm>
-        <a:off x="1928374" y="4102430"/>
-        <a:ext cx="1031172" cy="640253"/>
-      </dsp:txXfrm>
-    </dsp:sp>
-    <dsp:sp modelId="{B4F7B969-8C41-A04B-9BA9-B259591A3067}">
-      <dsp:nvSpPr>
-        <dsp:cNvPr id="0" name=""/>
-        <dsp:cNvSpPr/>
-      </dsp:nvSpPr>
-      <dsp:spPr>
-        <a:xfrm>
-          <a:off x="1789454" y="4961037"/>
-          <a:ext cx="1071010" cy="680091"/>
-        </a:xfrm>
-        <a:prstGeom prst="roundRect">
-          <a:avLst>
-            <a:gd name="adj" fmla="val 10000"/>
-          </a:avLst>
-        </a:prstGeom>
-        <a:gradFill rotWithShape="0">
-          <a:gsLst>
-            <a:gs pos="0">
-              <a:schemeClr val="accent1">
-                <a:hueOff val="0"/>
-                <a:satOff val="0"/>
-                <a:lumOff val="0"/>
-                <a:alphaOff val="0"/>
-                <a:tint val="100000"/>
-                <a:shade val="100000"/>
-                <a:satMod val="130000"/>
-              </a:schemeClr>
-            </a:gs>
-            <a:gs pos="100000">
-              <a:schemeClr val="accent1">
-                <a:hueOff val="0"/>
-                <a:satOff val="0"/>
-                <a:lumOff val="0"/>
-                <a:alphaOff val="0"/>
-                <a:tint val="50000"/>
-                <a:shade val="100000"/>
-                <a:satMod val="350000"/>
-              </a:schemeClr>
-            </a:gs>
-          </a:gsLst>
-          <a:lin ang="16200000" scaled="0"/>
-        </a:gradFill>
-        <a:ln>
-          <a:noFill/>
-        </a:ln>
-        <a:effectLst>
-          <a:outerShdw blurRad="40000" dist="23000" dir="5400000" rotWithShape="0">
-            <a:srgbClr val="000000">
-              <a:alpha val="35000"/>
-            </a:srgbClr>
-          </a:outerShdw>
-        </a:effectLst>
-      </dsp:spPr>
-      <dsp:style>
-        <a:lnRef idx="0">
-          <a:scrgbClr r="0" g="0" b="0"/>
-        </a:lnRef>
-        <a:fillRef idx="3">
-          <a:scrgbClr r="0" g="0" b="0"/>
-        </a:fillRef>
-        <a:effectRef idx="2">
-          <a:scrgbClr r="0" g="0" b="0"/>
-        </a:effectRef>
-        <a:fontRef idx="minor">
-          <a:schemeClr val="lt1"/>
-        </a:fontRef>
-      </dsp:style>
-    </dsp:sp>
-    <dsp:sp modelId="{2CFDBA9E-5E12-414E-9331-118976B5E00F}">
-      <dsp:nvSpPr>
-        <dsp:cNvPr id="0" name=""/>
-        <dsp:cNvSpPr/>
-      </dsp:nvSpPr>
-      <dsp:spPr>
-        <a:xfrm>
-          <a:off x="1908455" y="5074088"/>
-          <a:ext cx="1071010" cy="680091"/>
-        </a:xfrm>
-        <a:prstGeom prst="roundRect">
-          <a:avLst>
-            <a:gd name="adj" fmla="val 10000"/>
-          </a:avLst>
-        </a:prstGeom>
-        <a:solidFill>
-          <a:schemeClr val="accent3">
-            <a:alpha val="90000"/>
-          </a:schemeClr>
-        </a:solidFill>
-        <a:ln w="9525" cap="flat" cmpd="sng" algn="ctr">
-          <a:solidFill>
-            <a:schemeClr val="accent1">
-              <a:hueOff val="0"/>
-              <a:satOff val="0"/>
-              <a:lumOff val="0"/>
-              <a:alphaOff val="0"/>
-            </a:schemeClr>
-          </a:solidFill>
-          <a:prstDash val="solid"/>
-        </a:ln>
-        <a:effectLst/>
-      </dsp:spPr>
-      <dsp:style>
-        <a:lnRef idx="1">
-          <a:scrgbClr r="0" g="0" b="0"/>
-        </a:lnRef>
-        <a:fillRef idx="1">
-          <a:scrgbClr r="0" g="0" b="0"/>
-        </a:fillRef>
-        <a:effectRef idx="0">
-          <a:scrgbClr r="0" g="0" b="0"/>
-        </a:effectRef>
-        <a:fontRef idx="minor"/>
-      </dsp:style>
-      <dsp:txBody>
-        <a:bodyPr spcFirstLastPara="0" vert="horz" wrap="square" lIns="41910" tIns="41910" rIns="41910" bIns="41910" numCol="1" spcCol="1270" anchor="ctr" anchorCtr="0">
-          <a:noAutofit/>
-        </a:bodyPr>
-        <a:lstStyle/>
-        <a:p>
-          <a:pPr lvl="0" algn="ctr" defTabSz="466725">
-            <a:lnSpc>
-              <a:spcPct val="90000"/>
-            </a:lnSpc>
-            <a:spcBef>
-              <a:spcPct val="0"/>
-            </a:spcBef>
-            <a:spcAft>
-              <a:spcPct val="35000"/>
-            </a:spcAft>
-          </a:pPr>
-          <a:r>
-            <a:rPr lang="en-US" sz="1050" kern="1200" dirty="0" smtClean="0"/>
-            <a:t>Rights follow the Access Rules’ permissions</a:t>
-          </a:r>
-          <a:endParaRPr lang="en-US" sz="1050" kern="1200" dirty="0"/>
-        </a:p>
-      </dsp:txBody>
-      <dsp:txXfrm>
-        <a:off x="1928374" y="5094007"/>
-        <a:ext cx="1031172" cy="640253"/>
-      </dsp:txXfrm>
-    </dsp:sp>
-    <dsp:sp modelId="{6CC1C4C9-B002-3F41-A74D-F673C8F71F21}">
-      <dsp:nvSpPr>
-        <dsp:cNvPr id="0" name=""/>
-        <dsp:cNvSpPr/>
-      </dsp:nvSpPr>
-      <dsp:spPr>
-        <a:xfrm>
-          <a:off x="3098466" y="3969460"/>
-          <a:ext cx="1071010" cy="680091"/>
-        </a:xfrm>
-        <a:prstGeom prst="roundRect">
-          <a:avLst>
-            <a:gd name="adj" fmla="val 10000"/>
-          </a:avLst>
-        </a:prstGeom>
-        <a:gradFill rotWithShape="0">
-          <a:gsLst>
-            <a:gs pos="0">
-              <a:schemeClr val="accent1">
-                <a:hueOff val="0"/>
-                <a:satOff val="0"/>
-                <a:lumOff val="0"/>
-                <a:alphaOff val="0"/>
-                <a:tint val="100000"/>
-                <a:shade val="100000"/>
-                <a:satMod val="130000"/>
-              </a:schemeClr>
-            </a:gs>
-            <a:gs pos="100000">
-              <a:schemeClr val="accent1">
-                <a:hueOff val="0"/>
-                <a:satOff val="0"/>
-                <a:lumOff val="0"/>
-                <a:alphaOff val="0"/>
-                <a:tint val="50000"/>
-                <a:shade val="100000"/>
-                <a:satMod val="350000"/>
-              </a:schemeClr>
-            </a:gs>
-          </a:gsLst>
-          <a:lin ang="16200000" scaled="0"/>
-        </a:gradFill>
-        <a:ln>
-          <a:noFill/>
-        </a:ln>
-        <a:effectLst>
-          <a:outerShdw blurRad="40000" dist="23000" dir="5400000" rotWithShape="0">
-            <a:srgbClr val="000000">
-              <a:alpha val="35000"/>
-            </a:srgbClr>
-          </a:outerShdw>
-        </a:effectLst>
-      </dsp:spPr>
-      <dsp:style>
-        <a:lnRef idx="0">
-          <a:scrgbClr r="0" g="0" b="0"/>
-        </a:lnRef>
-        <a:fillRef idx="3">
-          <a:scrgbClr r="0" g="0" b="0"/>
-        </a:fillRef>
-        <a:effectRef idx="2">
-          <a:scrgbClr r="0" g="0" b="0"/>
-        </a:effectRef>
-        <a:fontRef idx="minor">
-          <a:schemeClr val="lt1"/>
-        </a:fontRef>
-      </dsp:style>
-    </dsp:sp>
-    <dsp:sp modelId="{808A9394-08CC-B140-8E66-2D69C3F4BDE0}">
-      <dsp:nvSpPr>
-        <dsp:cNvPr id="0" name=""/>
-        <dsp:cNvSpPr/>
-      </dsp:nvSpPr>
-      <dsp:spPr>
-        <a:xfrm>
-          <a:off x="3217468" y="4082511"/>
-          <a:ext cx="1071010" cy="680091"/>
-        </a:xfrm>
-        <a:prstGeom prst="roundRect">
-          <a:avLst>
-            <a:gd name="adj" fmla="val 10000"/>
-          </a:avLst>
-        </a:prstGeom>
-        <a:solidFill>
-          <a:srgbClr val="FFFF00">
-            <a:alpha val="90000"/>
-          </a:srgbClr>
-        </a:solidFill>
-        <a:ln w="9525" cap="flat" cmpd="sng" algn="ctr">
-          <a:solidFill>
-            <a:schemeClr val="accent1">
-              <a:hueOff val="0"/>
-              <a:satOff val="0"/>
-              <a:lumOff val="0"/>
-              <a:alphaOff val="0"/>
-            </a:schemeClr>
-          </a:solidFill>
-          <a:prstDash val="solid"/>
-        </a:ln>
-        <a:effectLst/>
-      </dsp:spPr>
-      <dsp:style>
-        <a:lnRef idx="1">
-          <a:scrgbClr r="0" g="0" b="0"/>
-        </a:lnRef>
-        <a:fillRef idx="1">
-          <a:scrgbClr r="0" g="0" b="0"/>
-        </a:fillRef>
-        <a:effectRef idx="0">
-          <a:scrgbClr r="0" g="0" b="0"/>
-        </a:effectRef>
-        <a:fontRef idx="minor"/>
-      </dsp:style>
-      <dsp:txBody>
-        <a:bodyPr spcFirstLastPara="0" vert="horz" wrap="square" lIns="41910" tIns="41910" rIns="41910" bIns="41910" numCol="1" spcCol="1270" anchor="ctr" anchorCtr="0">
-          <a:noAutofit/>
-        </a:bodyPr>
-        <a:lstStyle/>
-        <a:p>
-          <a:pPr lvl="0" algn="ctr" defTabSz="466725">
-            <a:lnSpc>
-              <a:spcPct val="90000"/>
-            </a:lnSpc>
-            <a:spcBef>
-              <a:spcPct val="0"/>
-            </a:spcBef>
-            <a:spcAft>
-              <a:spcPct val="35000"/>
-            </a:spcAft>
-          </a:pPr>
-          <a:r>
-            <a:rPr lang="en-US" sz="1050" kern="1200" dirty="0" smtClean="0"/>
-            <a:t>No other Share management</a:t>
-          </a:r>
-          <a:endParaRPr lang="en-US" sz="1050" kern="1200" dirty="0"/>
-        </a:p>
-      </dsp:txBody>
-      <dsp:txXfrm>
-        <a:off x="3237387" y="4102430"/>
-        <a:ext cx="1031172" cy="640253"/>
-      </dsp:txXfrm>
-    </dsp:sp>
-    <dsp:sp modelId="{65F33A17-8AE8-6144-A4E1-5A6404EE97ED}">
-      <dsp:nvSpPr>
-        <dsp:cNvPr id="0" name=""/>
-        <dsp:cNvSpPr/>
-      </dsp:nvSpPr>
-      <dsp:spPr>
-        <a:xfrm>
-          <a:off x="3752973" y="1986306"/>
-          <a:ext cx="1071010" cy="680091"/>
-        </a:xfrm>
-        <a:prstGeom prst="roundRect">
-          <a:avLst>
-            <a:gd name="adj" fmla="val 10000"/>
-          </a:avLst>
-        </a:prstGeom>
-        <a:gradFill rotWithShape="0">
-          <a:gsLst>
-            <a:gs pos="0">
-              <a:schemeClr val="accent1">
-                <a:hueOff val="0"/>
-                <a:satOff val="0"/>
-                <a:lumOff val="0"/>
-                <a:alphaOff val="0"/>
-                <a:tint val="100000"/>
-                <a:shade val="100000"/>
-                <a:satMod val="130000"/>
-              </a:schemeClr>
-            </a:gs>
-            <a:gs pos="100000">
-              <a:schemeClr val="accent1">
-                <a:hueOff val="0"/>
-                <a:satOff val="0"/>
-                <a:lumOff val="0"/>
-                <a:alphaOff val="0"/>
-                <a:tint val="50000"/>
-                <a:shade val="100000"/>
-                <a:satMod val="350000"/>
-              </a:schemeClr>
-            </a:gs>
-          </a:gsLst>
-          <a:lin ang="16200000" scaled="0"/>
-        </a:gradFill>
-        <a:ln>
-          <a:noFill/>
-        </a:ln>
-        <a:effectLst>
-          <a:outerShdw blurRad="40000" dist="23000" dir="5400000" rotWithShape="0">
-            <a:srgbClr val="000000">
-              <a:alpha val="35000"/>
-            </a:srgbClr>
-          </a:outerShdw>
-        </a:effectLst>
-      </dsp:spPr>
-      <dsp:style>
-        <a:lnRef idx="0">
-          <a:scrgbClr r="0" g="0" b="0"/>
-        </a:lnRef>
-        <a:fillRef idx="3">
-          <a:scrgbClr r="0" g="0" b="0"/>
-        </a:fillRef>
-        <a:effectRef idx="2">
-          <a:scrgbClr r="0" g="0" b="0"/>
-        </a:effectRef>
-        <a:fontRef idx="minor">
-          <a:schemeClr val="lt1"/>
-        </a:fontRef>
-      </dsp:style>
-    </dsp:sp>
-    <dsp:sp modelId="{D9528581-414F-0C4E-A4EA-76ED39361A46}">
-      <dsp:nvSpPr>
-        <dsp:cNvPr id="0" name=""/>
-        <dsp:cNvSpPr/>
-      </dsp:nvSpPr>
-      <dsp:spPr>
-        <a:xfrm>
-          <a:off x="3871974" y="2099357"/>
-          <a:ext cx="1071010" cy="680091"/>
-        </a:xfrm>
-        <a:prstGeom prst="roundRect">
-          <a:avLst>
-            <a:gd name="adj" fmla="val 10000"/>
-          </a:avLst>
-        </a:prstGeom>
-        <a:solidFill>
-          <a:srgbClr val="FFFF00">
-            <a:alpha val="90000"/>
-          </a:srgbClr>
-        </a:solidFill>
-        <a:ln w="9525" cap="flat" cmpd="sng" algn="ctr">
-          <a:solidFill>
-            <a:schemeClr val="accent1">
-              <a:hueOff val="0"/>
-              <a:satOff val="0"/>
-              <a:lumOff val="0"/>
-              <a:alphaOff val="0"/>
-            </a:schemeClr>
-          </a:solidFill>
-          <a:prstDash val="solid"/>
-        </a:ln>
-        <a:effectLst/>
-      </dsp:spPr>
-      <dsp:style>
-        <a:lnRef idx="1">
-          <a:scrgbClr r="0" g="0" b="0"/>
-        </a:lnRef>
-        <a:fillRef idx="1">
-          <a:scrgbClr r="0" g="0" b="0"/>
-        </a:fillRef>
-        <a:effectRef idx="0">
-          <a:scrgbClr r="0" g="0" b="0"/>
-        </a:effectRef>
-        <a:fontRef idx="minor"/>
-      </dsp:style>
-      <dsp:txBody>
-        <a:bodyPr spcFirstLastPara="0" vert="horz" wrap="square" lIns="41910" tIns="41910" rIns="41910" bIns="41910" numCol="1" spcCol="1270" anchor="ctr" anchorCtr="0">
-          <a:noAutofit/>
-        </a:bodyPr>
-        <a:lstStyle/>
-        <a:p>
-          <a:pPr lvl="0" algn="ctr" defTabSz="466725">
-            <a:lnSpc>
-              <a:spcPct val="90000"/>
-            </a:lnSpc>
-            <a:spcBef>
-              <a:spcPct val="0"/>
-            </a:spcBef>
-            <a:spcAft>
-              <a:spcPct val="35000"/>
-            </a:spcAft>
-          </a:pPr>
-          <a:r>
-            <a:rPr lang="en-US" sz="1050" kern="1200" dirty="0" smtClean="0"/>
-            <a:t>No other Hub management</a:t>
-          </a:r>
-          <a:endParaRPr lang="en-US" sz="1050" kern="1200" dirty="0"/>
-        </a:p>
-      </dsp:txBody>
-      <dsp:txXfrm>
-        <a:off x="3891893" y="2119276"/>
-        <a:ext cx="1031172" cy="640253"/>
-      </dsp:txXfrm>
-    </dsp:sp>
-  </dsp:spTree>
-</dsp:drawing>
-</file>
-
-<file path=ppt/diagrams/layout1.xml><?xml version="1.0" encoding="utf-8"?>
-<dgm:layoutDef xmlns:dgm="http://schemas.openxmlformats.org/drawingml/2006/diagram" xmlns:a="http://schemas.openxmlformats.org/drawingml/2006/main" uniqueId="urn:microsoft.com/office/officeart/2005/8/layout/hierarchy1">
-  <dgm:title val=""/>
-  <dgm:desc val=""/>
-  <dgm:catLst>
-    <dgm:cat type="hierarchy" pri="2000"/>
-  </dgm:catLst>
-  <dgm:sampData>
-    <dgm:dataModel>
-      <dgm:ptLst>
-        <dgm:pt modelId="0" type="doc"/>
-        <dgm:pt modelId="1">
-          <dgm:prSet phldr="1"/>
-        </dgm:pt>
-        <dgm:pt modelId="2">
-          <dgm:prSet phldr="1"/>
-        </dgm:pt>
-        <dgm:pt modelId="21">
-          <dgm:prSet phldr="1"/>
-        </dgm:pt>
-        <dgm:pt modelId="22">
-          <dgm:prSet phldr="1"/>
-        </dgm:pt>
-        <dgm:pt modelId="3">
-          <dgm:prSet phldr="1"/>
-        </dgm:pt>
-        <dgm:pt modelId="31">
-          <dgm:prSet phldr="1"/>
-        </dgm:pt>
-      </dgm:ptLst>
-      <dgm:cxnLst>
-        <dgm:cxn modelId="4" srcId="0" destId="1" srcOrd="0" destOrd="0"/>
-        <dgm:cxn modelId="5" srcId="1" destId="2" srcOrd="0" destOrd="0"/>
-        <dgm:cxn modelId="6" srcId="1" destId="3" srcOrd="1" destOrd="0"/>
-        <dgm:cxn modelId="23" srcId="2" destId="21" srcOrd="0" destOrd="0"/>
-        <dgm:cxn modelId="24" srcId="2" destId="22" srcOrd="1" destOrd="0"/>
-        <dgm:cxn modelId="33" srcId="3" destId="31" srcOrd="0" destOrd="0"/>
-      </dgm:cxnLst>
-      <dgm:bg/>
-      <dgm:whole/>
-    </dgm:dataModel>
-  </dgm:sampData>
-  <dgm:styleData>
-    <dgm:dataModel>
-      <dgm:ptLst>
-        <dgm:pt modelId="0" type="doc"/>
-        <dgm:pt modelId="1"/>
-        <dgm:pt modelId="11"/>
-        <dgm:pt modelId="12"/>
-      </dgm:ptLst>
-      <dgm:cxnLst>
-        <dgm:cxn modelId="2" srcId="0" destId="1" srcOrd="0" destOrd="0"/>
-        <dgm:cxn modelId="13" srcId="1" destId="11" srcOrd="0" destOrd="0"/>
-        <dgm:cxn modelId="14" srcId="1" destId="12" srcOrd="1" destOrd="0"/>
-      </dgm:cxnLst>
-      <dgm:bg/>
-      <dgm:whole/>
-    </dgm:dataModel>
-  </dgm:styleData>
-  <dgm:clrData>
-    <dgm:dataModel>
-      <dgm:ptLst>
-        <dgm:pt modelId="0" type="doc"/>
-        <dgm:pt modelId="1"/>
-        <dgm:pt modelId="2"/>
-        <dgm:pt modelId="21"/>
-        <dgm:pt modelId="211"/>
-        <dgm:pt modelId="3"/>
-        <dgm:pt modelId="31"/>
-        <dgm:pt modelId="311"/>
-      </dgm:ptLst>
-      <dgm:cxnLst>
-        <dgm:cxn modelId="4" srcId="0" destId="1" srcOrd="0" destOrd="0"/>
-        <dgm:cxn modelId="5" srcId="1" destId="2" srcOrd="0" destOrd="0"/>
-        <dgm:cxn modelId="6" srcId="1" destId="3" srcOrd="1" destOrd="0"/>
-        <dgm:cxn modelId="23" srcId="2" destId="21" srcOrd="0" destOrd="0"/>
-        <dgm:cxn modelId="24" srcId="21" destId="211" srcOrd="0" destOrd="0"/>
-        <dgm:cxn modelId="33" srcId="3" destId="31" srcOrd="0" destOrd="0"/>
-        <dgm:cxn modelId="34" srcId="31" destId="311" srcOrd="0" destOrd="0"/>
-      </dgm:cxnLst>
-      <dgm:bg/>
-      <dgm:whole/>
-    </dgm:dataModel>
-  </dgm:clrData>
-  <dgm:layoutNode name="hierChild1">
-    <dgm:varLst>
-      <dgm:chPref val="1"/>
-      <dgm:dir/>
-      <dgm:animOne val="branch"/>
-      <dgm:animLvl val="lvl"/>
-      <dgm:resizeHandles/>
-    </dgm:varLst>
-    <dgm:choose name="Name0">
-      <dgm:if name="Name1" func="var" arg="dir" op="equ" val="norm">
-        <dgm:alg type="hierChild">
-          <dgm:param type="linDir" val="fromL"/>
-        </dgm:alg>
-      </dgm:if>
-      <dgm:else name="Name2">
-        <dgm:alg type="hierChild">
-          <dgm:param type="linDir" val="fromR"/>
-        </dgm:alg>
-      </dgm:else>
-    </dgm:choose>
-    <dgm:shape xmlns:r="http://schemas.openxmlformats.org/officeDocument/2006/relationships" r:blip="">
-      <dgm:adjLst/>
-    </dgm:shape>
-    <dgm:presOf/>
-    <dgm:constrLst>
-      <dgm:constr type="primFontSz" for="des" ptType="node" op="equ" val="65"/>
-      <dgm:constr type="w" for="des" forName="composite" refType="w"/>
-      <dgm:constr type="h" for="des" forName="composite" refType="w" refFor="des" refForName="composite" fact="0.667"/>
-      <dgm:constr type="w" for="des" forName="composite2" refType="w" refFor="des" refForName="composite"/>
-      <dgm:constr type="h" for="des" forName="composite2" refType="h" refFor="des" refForName="composite"/>
-      <dgm:constr type="w" for="des" forName="composite3" refType="w" refFor="des" refForName="composite"/>
-      <dgm:constr type="h" for="des" forName="composite3" refType="h" refFor="des" refForName="composite"/>
-      <dgm:constr type="w" for="des" forName="composite4" refType="w" refFor="des" refForName="composite"/>
-      <dgm:constr type="h" for="des" forName="composite4" refType="h" refFor="des" refForName="composite"/>
-      <dgm:constr type="w" for="des" forName="composite5" refType="w" refFor="des" refForName="composite"/>
-      <dgm:constr type="h" for="des" forName="composite5" refType="h" refFor="des" refForName="composite"/>
-      <dgm:constr type="sibSp" refType="w" refFor="des" refForName="composite" fact="0.1"/>
-      <dgm:constr type="sibSp" for="des" forName="hierChild2" refType="sibSp"/>
-      <dgm:constr type="sibSp" for="des" forName="hierChild3" refType="sibSp"/>
-      <dgm:constr type="sibSp" for="des" forName="hierChild4" refType="sibSp"/>
-      <dgm:constr type="sibSp" for="des" forName="hierChild5" refType="sibSp"/>
-      <dgm:constr type="sibSp" for="des" forName="hierChild6" refType="sibSp"/>
-      <dgm:constr type="sp" for="des" forName="hierRoot1" refType="h" refFor="des" refForName="composite" fact="0.25"/>
-      <dgm:constr type="sp" for="des" forName="hierRoot2" refType="sp" refFor="des" refForName="hierRoot1"/>
-      <dgm:constr type="sp" for="des" forName="hierRoot3" refType="sp" refFor="des" refForName="hierRoot1"/>
-      <dgm:constr type="sp" for="des" forName="hierRoot4" refType="sp" refFor="des" refForName="hierRoot1"/>
-      <dgm:constr type="sp" for="des" forName="hierRoot5" refType="sp" refFor="des" refForName="hierRoot1"/>
-    </dgm:constrLst>
-    <dgm:ruleLst/>
-    <dgm:forEach name="Name3" axis="ch">
-      <dgm:forEach name="Name4" axis="self" ptType="node">
-        <dgm:layoutNode name="hierRoot1">
-          <dgm:alg type="hierRoot"/>
-          <dgm:shape xmlns:r="http://schemas.openxmlformats.org/officeDocument/2006/relationships" r:blip="">
-            <dgm:adjLst/>
-          </dgm:shape>
-          <dgm:presOf/>
-          <dgm:constrLst>
-            <dgm:constr type="bendDist" for="des" ptType="parTrans" refType="sp" fact="0.5"/>
-          </dgm:constrLst>
-          <dgm:ruleLst/>
-          <dgm:layoutNode name="composite">
-            <dgm:alg type="composite"/>
-            <dgm:shape xmlns:r="http://schemas.openxmlformats.org/officeDocument/2006/relationships" r:blip="">
-              <dgm:adjLst/>
-            </dgm:shape>
-            <dgm:presOf/>
-            <dgm:constrLst>
-              <dgm:constr type="w" for="ch" forName="background" refType="w" fact="0.9"/>
-              <dgm:constr type="h" for="ch" forName="background" refType="w" refFor="ch" refForName="background" fact="0.635"/>
-              <dgm:constr type="t" for="ch" forName="background"/>
-              <dgm:constr type="l" for="ch" forName="background"/>
-              <dgm:constr type="w" for="ch" forName="text" refType="w" fact="0.9"/>
-              <dgm:constr type="h" for="ch" forName="text" refType="w" refFor="ch" refForName="text" fact="0.635"/>
-              <dgm:constr type="t" for="ch" forName="text" refType="w" fact="0.095"/>
-              <dgm:constr type="l" for="ch" forName="text" refType="w" fact="0.1"/>
-            </dgm:constrLst>
-            <dgm:ruleLst/>
-            <dgm:layoutNode name="background" styleLbl="node0" moveWith="text">
-              <dgm:alg type="sp"/>
-              <dgm:shape xmlns:r="http://schemas.openxmlformats.org/officeDocument/2006/relationships" type="roundRect" r:blip="">
-                <dgm:adjLst>
-                  <dgm:adj idx="1" val="0.1"/>
-                </dgm:adjLst>
-              </dgm:shape>
-              <dgm:presOf/>
-              <dgm:constrLst/>
-              <dgm:ruleLst/>
-            </dgm:layoutNode>
-            <dgm:layoutNode name="text" styleLbl="fgAcc0">
-              <dgm:varLst>
-                <dgm:chPref val="3"/>
-              </dgm:varLst>
-              <dgm:alg type="tx"/>
-              <dgm:shape xmlns:r="http://schemas.openxmlformats.org/officeDocument/2006/relationships" type="roundRect" r:blip="">
-                <dgm:adjLst>
-                  <dgm:adj idx="1" val="0.1"/>
-                </dgm:adjLst>
-              </dgm:shape>
-              <dgm:presOf axis="self"/>
-              <dgm:constrLst>
-                <dgm:constr type="tMarg" refType="primFontSz" fact="0.3"/>
-                <dgm:constr type="bMarg" refType="primFontSz" fact="0.3"/>
-                <dgm:constr type="lMarg" refType="primFontSz" fact="0.3"/>
-                <dgm:constr type="rMarg" refType="primFontSz" fact="0.3"/>
-              </dgm:constrLst>
-              <dgm:ruleLst>
-                <dgm:rule type="primFontSz" val="5" fact="NaN" max="NaN"/>
-              </dgm:ruleLst>
-            </dgm:layoutNode>
-          </dgm:layoutNode>
-          <dgm:layoutNode name="hierChild2">
-            <dgm:choose name="Name5">
-              <dgm:if name="Name6" func="var" arg="dir" op="equ" val="norm">
-                <dgm:alg type="hierChild">
-                  <dgm:param type="linDir" val="fromL"/>
-                </dgm:alg>
-              </dgm:if>
-              <dgm:else name="Name7">
-                <dgm:alg type="hierChild">
-                  <dgm:param type="linDir" val="fromR"/>
-                </dgm:alg>
-              </dgm:else>
-            </dgm:choose>
-            <dgm:shape xmlns:r="http://schemas.openxmlformats.org/officeDocument/2006/relationships" r:blip="">
-              <dgm:adjLst/>
-            </dgm:shape>
-            <dgm:presOf/>
-            <dgm:constrLst/>
-            <dgm:ruleLst/>
-            <dgm:forEach name="Name8" axis="ch">
-              <dgm:forEach name="Name9" axis="self" ptType="parTrans" cnt="1">
-                <dgm:layoutNode name="Name10">
-                  <dgm:alg type="conn">
-                    <dgm:param type="dim" val="1D"/>
-                    <dgm:param type="endSty" val="noArr"/>
-                    <dgm:param type="connRout" val="bend"/>
-                    <dgm:param type="bendPt" val="end"/>
-                    <dgm:param type="begPts" val="bCtr"/>
-                    <dgm:param type="endPts" val="tCtr"/>
-                    <dgm:param type="srcNode" val="background"/>
-                    <dgm:param type="dstNode" val="background2"/>
-                  </dgm:alg>
-                  <dgm:shape xmlns:r="http://schemas.openxmlformats.org/officeDocument/2006/relationships" type="conn" r:blip="" zOrderOff="-999">
-                    <dgm:adjLst/>
-                  </dgm:shape>
-                  <dgm:presOf axis="self"/>
-                  <dgm:constrLst>
-                    <dgm:constr type="begPad"/>
-                    <dgm:constr type="endPad"/>
-                  </dgm:constrLst>
-                  <dgm:ruleLst/>
-                </dgm:layoutNode>
-              </dgm:forEach>
-              <dgm:forEach name="Name11" axis="self" ptType="node">
-                <dgm:layoutNode name="hierRoot2">
-                  <dgm:alg type="hierRoot"/>
-                  <dgm:shape xmlns:r="http://schemas.openxmlformats.org/officeDocument/2006/relationships" r:blip="">
-                    <dgm:adjLst/>
-                  </dgm:shape>
-                  <dgm:presOf/>
-                  <dgm:constrLst>
-                    <dgm:constr type="bendDist" for="des" ptType="parTrans" refType="sp" fact="0.5"/>
-                  </dgm:constrLst>
-                  <dgm:ruleLst/>
-                  <dgm:layoutNode name="composite2">
-                    <dgm:alg type="composite"/>
-                    <dgm:shape xmlns:r="http://schemas.openxmlformats.org/officeDocument/2006/relationships" r:blip="">
-                      <dgm:adjLst/>
-                    </dgm:shape>
-                    <dgm:presOf/>
-                    <dgm:constrLst>
-                      <dgm:constr type="w" for="ch" forName="background2" refType="w" fact="0.9"/>
-                      <dgm:constr type="h" for="ch" forName="background2" refType="w" refFor="ch" refForName="background2" fact="0.635"/>
-                      <dgm:constr type="t" for="ch" forName="background2"/>
-                      <dgm:constr type="l" for="ch" forName="background2"/>
-                      <dgm:constr type="w" for="ch" forName="text2" refType="w" fact="0.9"/>
-                      <dgm:constr type="h" for="ch" forName="text2" refType="w" refFor="ch" refForName="text2" fact="0.635"/>
-                      <dgm:constr type="t" for="ch" forName="text2" refType="w" fact="0.095"/>
-                      <dgm:constr type="l" for="ch" forName="text2" refType="w" fact="0.1"/>
-                    </dgm:constrLst>
-                    <dgm:ruleLst/>
-                    <dgm:layoutNode name="background2" moveWith="text2">
-                      <dgm:alg type="sp"/>
-                      <dgm:shape xmlns:r="http://schemas.openxmlformats.org/officeDocument/2006/relationships" type="roundRect" r:blip="">
-                        <dgm:adjLst>
-                          <dgm:adj idx="1" val="0.1"/>
-                        </dgm:adjLst>
-                      </dgm:shape>
-                      <dgm:presOf/>
-                      <dgm:constrLst/>
-                      <dgm:ruleLst/>
-                    </dgm:layoutNode>
-                    <dgm:layoutNode name="text2" styleLbl="fgAcc2">
-                      <dgm:varLst>
-                        <dgm:chPref val="3"/>
-                      </dgm:varLst>
-                      <dgm:alg type="tx"/>
-                      <dgm:shape xmlns:r="http://schemas.openxmlformats.org/officeDocument/2006/relationships" type="roundRect" r:blip="">
-                        <dgm:adjLst>
-                          <dgm:adj idx="1" val="0.1"/>
-                        </dgm:adjLst>
-                      </dgm:shape>
-                      <dgm:presOf axis="self"/>
-                      <dgm:constrLst>
-                        <dgm:constr type="tMarg" refType="primFontSz" fact="0.3"/>
-                        <dgm:constr type="bMarg" refType="primFontSz" fact="0.3"/>
-                        <dgm:constr type="lMarg" refType="primFontSz" fact="0.3"/>
-                        <dgm:constr type="rMarg" refType="primFontSz" fact="0.3"/>
-                      </dgm:constrLst>
-                      <dgm:ruleLst>
-                        <dgm:rule type="primFontSz" val="5" fact="NaN" max="NaN"/>
-                      </dgm:ruleLst>
-                    </dgm:layoutNode>
-                  </dgm:layoutNode>
-                  <dgm:layoutNode name="hierChild3">
-                    <dgm:choose name="Name12">
-                      <dgm:if name="Name13" func="var" arg="dir" op="equ" val="norm">
-                        <dgm:alg type="hierChild">
-                          <dgm:param type="linDir" val="fromL"/>
-                        </dgm:alg>
-                      </dgm:if>
-                      <dgm:else name="Name14">
-                        <dgm:alg type="hierChild">
-                          <dgm:param type="linDir" val="fromR"/>
-                        </dgm:alg>
-                      </dgm:else>
-                    </dgm:choose>
-                    <dgm:shape xmlns:r="http://schemas.openxmlformats.org/officeDocument/2006/relationships" r:blip="">
-                      <dgm:adjLst/>
-                    </dgm:shape>
-                    <dgm:presOf/>
-                    <dgm:constrLst/>
-                    <dgm:ruleLst/>
-                    <dgm:forEach name="Name15" axis="ch">
-                      <dgm:forEach name="Name16" axis="self" ptType="parTrans" cnt="1">
-                        <dgm:layoutNode name="Name17">
-                          <dgm:alg type="conn">
-                            <dgm:param type="dim" val="1D"/>
-                            <dgm:param type="endSty" val="noArr"/>
-                            <dgm:param type="connRout" val="bend"/>
-                            <dgm:param type="bendPt" val="end"/>
-                            <dgm:param type="begPts" val="bCtr"/>
-                            <dgm:param type="endPts" val="tCtr"/>
-                            <dgm:param type="srcNode" val="background2"/>
-                            <dgm:param type="dstNode" val="background3"/>
-                          </dgm:alg>
-                          <dgm:shape xmlns:r="http://schemas.openxmlformats.org/officeDocument/2006/relationships" type="conn" r:blip="" zOrderOff="-999">
-                            <dgm:adjLst/>
-                          </dgm:shape>
-                          <dgm:presOf axis="self"/>
-                          <dgm:constrLst>
-                            <dgm:constr type="begPad"/>
-                            <dgm:constr type="endPad"/>
-                          </dgm:constrLst>
-                          <dgm:ruleLst/>
-                        </dgm:layoutNode>
-                      </dgm:forEach>
-                      <dgm:forEach name="Name18" axis="self" ptType="node">
-                        <dgm:layoutNode name="hierRoot3">
-                          <dgm:alg type="hierRoot"/>
-                          <dgm:shape xmlns:r="http://schemas.openxmlformats.org/officeDocument/2006/relationships" r:blip="">
-                            <dgm:adjLst/>
-                          </dgm:shape>
-                          <dgm:presOf/>
-                          <dgm:constrLst>
-                            <dgm:constr type="bendDist" for="des" ptType="parTrans" refType="sp" fact="0.5"/>
-                          </dgm:constrLst>
-                          <dgm:ruleLst/>
-                          <dgm:layoutNode name="composite3">
-                            <dgm:alg type="composite"/>
-                            <dgm:shape xmlns:r="http://schemas.openxmlformats.org/officeDocument/2006/relationships" r:blip="">
-                              <dgm:adjLst/>
-                            </dgm:shape>
-                            <dgm:presOf/>
-                            <dgm:constrLst>
-                              <dgm:constr type="w" for="ch" forName="background3" refType="w" fact="0.9"/>
-                              <dgm:constr type="h" for="ch" forName="background3" refType="w" refFor="ch" refForName="background3" fact="0.635"/>
-                              <dgm:constr type="t" for="ch" forName="background3"/>
-                              <dgm:constr type="l" for="ch" forName="background3"/>
-                              <dgm:constr type="w" for="ch" forName="text3" refType="w" fact="0.9"/>
-                              <dgm:constr type="h" for="ch" forName="text3" refType="w" refFor="ch" refForName="text3" fact="0.635"/>
-                              <dgm:constr type="t" for="ch" forName="text3" refType="w" fact="0.095"/>
-                              <dgm:constr type="l" for="ch" forName="text3" refType="w" fact="0.1"/>
-                            </dgm:constrLst>
-                            <dgm:ruleLst/>
-                            <dgm:layoutNode name="background3" moveWith="text3">
-                              <dgm:alg type="sp"/>
-                              <dgm:shape xmlns:r="http://schemas.openxmlformats.org/officeDocument/2006/relationships" type="roundRect" r:blip="">
-                                <dgm:adjLst>
-                                  <dgm:adj idx="1" val="0.1"/>
-                                </dgm:adjLst>
-                              </dgm:shape>
-                              <dgm:presOf/>
-                              <dgm:constrLst/>
-                              <dgm:ruleLst/>
-                            </dgm:layoutNode>
-                            <dgm:layoutNode name="text3" styleLbl="fgAcc3">
-                              <dgm:varLst>
-                                <dgm:chPref val="3"/>
-                              </dgm:varLst>
-                              <dgm:alg type="tx"/>
-                              <dgm:shape xmlns:r="http://schemas.openxmlformats.org/officeDocument/2006/relationships" type="roundRect" r:blip="">
-                                <dgm:adjLst>
-                                  <dgm:adj idx="1" val="0.1"/>
-                                </dgm:adjLst>
-                              </dgm:shape>
-                              <dgm:presOf axis="self"/>
-                              <dgm:constrLst>
-                                <dgm:constr type="tMarg" refType="primFontSz" fact="0.3"/>
-                                <dgm:constr type="bMarg" refType="primFontSz" fact="0.3"/>
-                                <dgm:constr type="lMarg" refType="primFontSz" fact="0.3"/>
-                                <dgm:constr type="rMarg" refType="primFontSz" fact="0.3"/>
-                              </dgm:constrLst>
-                              <dgm:ruleLst>
-                                <dgm:rule type="primFontSz" val="5" fact="NaN" max="NaN"/>
-                              </dgm:ruleLst>
-                            </dgm:layoutNode>
-                          </dgm:layoutNode>
-                          <dgm:layoutNode name="hierChild4">
-                            <dgm:choose name="Name19">
-                              <dgm:if name="Name20" func="var" arg="dir" op="equ" val="norm">
-                                <dgm:alg type="hierChild">
-                                  <dgm:param type="linDir" val="fromL"/>
-                                </dgm:alg>
-                              </dgm:if>
-                              <dgm:else name="Name21">
-                                <dgm:alg type="hierChild">
-                                  <dgm:param type="linDir" val="fromR"/>
-                                </dgm:alg>
-                              </dgm:else>
-                            </dgm:choose>
-                            <dgm:shape xmlns:r="http://schemas.openxmlformats.org/officeDocument/2006/relationships" r:blip="">
-                              <dgm:adjLst/>
-                            </dgm:shape>
-                            <dgm:presOf/>
-                            <dgm:constrLst/>
-                            <dgm:ruleLst/>
-                            <dgm:forEach name="repeat" axis="ch">
-                              <dgm:forEach name="Name22" axis="self" ptType="parTrans" cnt="1">
-                                <dgm:layoutNode name="Name23">
-                                  <dgm:choose name="Name24">
-                                    <dgm:if name="Name25" axis="self" func="depth" op="lte" val="4">
-                                      <dgm:alg type="conn">
-                                        <dgm:param type="dim" val="1D"/>
-                                        <dgm:param type="endSty" val="noArr"/>
-                                        <dgm:param type="connRout" val="bend"/>
-                                        <dgm:param type="bendPt" val="end"/>
-                                        <dgm:param type="begPts" val="bCtr"/>
-                                        <dgm:param type="endPts" val="tCtr"/>
-                                        <dgm:param type="srcNode" val="background3"/>
-                                        <dgm:param type="dstNode" val="background4"/>
-                                      </dgm:alg>
-                                    </dgm:if>
-                                    <dgm:else name="Name26">
-                                      <dgm:alg type="conn">
-                                        <dgm:param type="dim" val="1D"/>
-                                        <dgm:param type="endSty" val="noArr"/>
-                                        <dgm:param type="connRout" val="bend"/>
-                                        <dgm:param type="bendPt" val="end"/>
-                                        <dgm:param type="begPts" val="bCtr"/>
-                                        <dgm:param type="endPts" val="tCtr"/>
-                                        <dgm:param type="srcNode" val="background4"/>
-                                        <dgm:param type="dstNode" val="background4"/>
-                                      </dgm:alg>
-                                    </dgm:else>
-                                  </dgm:choose>
-                                  <dgm:shape xmlns:r="http://schemas.openxmlformats.org/officeDocument/2006/relationships" type="conn" r:blip="" zOrderOff="-999">
-                                    <dgm:adjLst/>
-                                  </dgm:shape>
-                                  <dgm:presOf axis="self"/>
-                                  <dgm:constrLst>
-                                    <dgm:constr type="begPad"/>
-                                    <dgm:constr type="endPad"/>
-                                  </dgm:constrLst>
-                                  <dgm:ruleLst/>
-                                </dgm:layoutNode>
-                              </dgm:forEach>
-                              <dgm:forEach name="Name27" axis="self" ptType="node">
-                                <dgm:layoutNode name="hierRoot4">
-                                  <dgm:alg type="hierRoot"/>
-                                  <dgm:shape xmlns:r="http://schemas.openxmlformats.org/officeDocument/2006/relationships" r:blip="">
-                                    <dgm:adjLst/>
-                                  </dgm:shape>
-                                  <dgm:presOf/>
-                                  <dgm:constrLst>
-                                    <dgm:constr type="bendDist" for="des" ptType="parTrans" refType="sp" fact="0.5"/>
-                                  </dgm:constrLst>
-                                  <dgm:ruleLst/>
-                                  <dgm:layoutNode name="composite4">
-                                    <dgm:alg type="composite"/>
-                                    <dgm:shape xmlns:r="http://schemas.openxmlformats.org/officeDocument/2006/relationships" r:blip="">
-                                      <dgm:adjLst/>
-                                    </dgm:shape>
-                                    <dgm:presOf/>
-                                    <dgm:constrLst>
-                                      <dgm:constr type="w" for="ch" forName="background4" refType="w" fact="0.9"/>
-                                      <dgm:constr type="h" for="ch" forName="background4" refType="w" refFor="ch" refForName="background4" fact="0.635"/>
-                                      <dgm:constr type="t" for="ch" forName="background4"/>
-                                      <dgm:constr type="l" for="ch" forName="background4"/>
-                                      <dgm:constr type="w" for="ch" forName="text4" refType="w" fact="0.9"/>
-                                      <dgm:constr type="h" for="ch" forName="text4" refType="w" refFor="ch" refForName="text4" fact="0.635"/>
-                                      <dgm:constr type="t" for="ch" forName="text4" refType="w" fact="0.095"/>
-                                      <dgm:constr type="l" for="ch" forName="text4" refType="w" fact="0.1"/>
-                                    </dgm:constrLst>
-                                    <dgm:ruleLst/>
-                                    <dgm:layoutNode name="background4" moveWith="text4">
-                                      <dgm:alg type="sp"/>
-                                      <dgm:shape xmlns:r="http://schemas.openxmlformats.org/officeDocument/2006/relationships" type="roundRect" r:blip="">
-                                        <dgm:adjLst>
-                                          <dgm:adj idx="1" val="0.1"/>
-                                        </dgm:adjLst>
-                                      </dgm:shape>
-                                      <dgm:presOf/>
-                                      <dgm:constrLst/>
-                                      <dgm:ruleLst/>
-                                    </dgm:layoutNode>
-                                    <dgm:layoutNode name="text4" styleLbl="fgAcc4">
-                                      <dgm:varLst>
-                                        <dgm:chPref val="3"/>
-                                      </dgm:varLst>
-                                      <dgm:alg type="tx"/>
-                                      <dgm:shape xmlns:r="http://schemas.openxmlformats.org/officeDocument/2006/relationships" type="roundRect" r:blip="">
-                                        <dgm:adjLst>
-                                          <dgm:adj idx="1" val="0.1"/>
-                                        </dgm:adjLst>
-                                      </dgm:shape>
-                                      <dgm:presOf axis="self"/>
-                                      <dgm:constrLst>
-                                        <dgm:constr type="tMarg" refType="primFontSz" fact="0.3"/>
-                                        <dgm:constr type="bMarg" refType="primFontSz" fact="0.3"/>
-                                        <dgm:constr type="lMarg" refType="primFontSz" fact="0.3"/>
-                                        <dgm:constr type="rMarg" refType="primFontSz" fact="0.3"/>
-                                      </dgm:constrLst>
-                                      <dgm:ruleLst>
-                                        <dgm:rule type="primFontSz" val="5" fact="NaN" max="NaN"/>
-                                      </dgm:ruleLst>
-                                    </dgm:layoutNode>
-                                  </dgm:layoutNode>
-                                  <dgm:layoutNode name="hierChild5">
-                                    <dgm:choose name="Name28">
-                                      <dgm:if name="Name29" func="var" arg="dir" op="equ" val="norm">
-                                        <dgm:alg type="hierChild">
-                                          <dgm:param type="linDir" val="fromL"/>
-                                        </dgm:alg>
-                                      </dgm:if>
-                                      <dgm:else name="Name30">
-                                        <dgm:alg type="hierChild">
-                                          <dgm:param type="linDir" val="fromR"/>
-                                        </dgm:alg>
-                                      </dgm:else>
-                                    </dgm:choose>
-                                    <dgm:shape xmlns:r="http://schemas.openxmlformats.org/officeDocument/2006/relationships" r:blip="">
-                                      <dgm:adjLst/>
-                                    </dgm:shape>
-                                    <dgm:presOf/>
-                                    <dgm:constrLst/>
-                                    <dgm:ruleLst/>
-                                    <dgm:forEach name="Name31" ref="repeat"/>
-                                  </dgm:layoutNode>
-                                </dgm:layoutNode>
-                              </dgm:forEach>
-                            </dgm:forEach>
-                          </dgm:layoutNode>
-                        </dgm:layoutNode>
-                      </dgm:forEach>
-                    </dgm:forEach>
-                  </dgm:layoutNode>
-                </dgm:layoutNode>
-              </dgm:forEach>
-            </dgm:forEach>
-          </dgm:layoutNode>
-        </dgm:layoutNode>
-      </dgm:forEach>
-    </dgm:forEach>
-  </dgm:layoutNode>
-</dgm:layoutDef>
-</file>
-
-<file path=ppt/diagrams/quickStyle1.xml><?xml version="1.0" encoding="utf-8"?>
-<dgm:styleDef xmlns:dgm="http://schemas.openxmlformats.org/drawingml/2006/diagram" xmlns:a="http://schemas.openxmlformats.org/drawingml/2006/main" uniqueId="urn:microsoft.com/office/officeart/2005/8/quickstyle/simple4">
-  <dgm:title val=""/>
-  <dgm:desc val=""/>
-  <dgm:catLst>
-    <dgm:cat type="simple" pri="10400"/>
-  </dgm:catLst>
-  <dgm:scene3d>
-    <a:camera prst="orthographicFront"/>
-    <a:lightRig rig="threePt" dir="t"/>
-  </dgm:scene3d>
-  <dgm:styleLbl name="node0">
-    <dgm:scene3d>
-      <a:camera prst="orthographicFront"/>
-      <a:lightRig rig="threePt" dir="t"/>
-    </dgm:scene3d>
-    <dgm:sp3d/>
-    <dgm:txPr/>
-    <dgm:style>
-      <a:lnRef idx="0">
-        <a:scrgbClr r="0" g="0" b="0"/>
-      </a:lnRef>
-      <a:fillRef idx="3">
-        <a:scrgbClr r="0" g="0" b="0"/>
-      </a:fillRef>
-      <a:effectRef idx="2">
-        <a:scrgbClr r="0" g="0" b="0"/>
-      </a:effectRef>
-      <a:fontRef idx="minor">
-        <a:schemeClr val="lt1"/>
-      </a:fontRef>
-    </dgm:style>
-  </dgm:styleLbl>
-  <dgm:styleLbl name="lnNode1">
-    <dgm:scene3d>
-      <a:camera prst="orthographicFront"/>
-      <a:lightRig rig="threePt" dir="t"/>
-    </dgm:scene3d>
-    <dgm:sp3d/>
-    <dgm:txPr/>
-    <dgm:style>
-      <a:lnRef idx="1">
-        <a:scrgbClr r="0" g="0" b="0"/>
-      </a:lnRef>
-      <a:fillRef idx="3">
-        <a:scrgbClr r="0" g="0" b="0"/>
-      </a:fillRef>
-      <a:effectRef idx="2">
-        <a:scrgbClr r="0" g="0" b="0"/>
-      </a:effectRef>
-      <a:fontRef idx="minor">
-        <a:schemeClr val="lt1"/>
-      </a:fontRef>
-    </dgm:style>
-  </dgm:styleLbl>
-  <dgm:styleLbl name="vennNode1">
-    <dgm:scene3d>
-      <a:camera prst="orthographicFront"/>
-      <a:lightRig rig="threePt" dir="t"/>
-    </dgm:scene3d>
-    <dgm:sp3d/>
-    <dgm:txPr/>
-    <dgm:style>
-      <a:lnRef idx="0">
-        <a:scrgbClr r="0" g="0" b="0"/>
-      </a:lnRef>
-      <a:fillRef idx="3">
-        <a:scrgbClr r="0" g="0" b="0"/>
-      </a:fillRef>
-      <a:effectRef idx="0">
-        <a:scrgbClr r="0" g="0" b="0"/>
-      </a:effectRef>
-      <a:fontRef idx="minor">
-        <a:schemeClr val="tx1"/>
-      </a:fontRef>
-    </dgm:style>
-  </dgm:styleLbl>
-  <dgm:styleLbl name="alignNode1">
-    <dgm:scene3d>
-      <a:camera prst="orthographicFront"/>
-      <a:lightRig rig="threePt" dir="t"/>
-    </dgm:scene3d>
-    <dgm:sp3d/>
-    <dgm:txPr/>
-    <dgm:style>
-      <a:lnRef idx="1">
-        <a:scrgbClr r="0" g="0" b="0"/>
-      </a:lnRef>
-      <a:fillRef idx="3">
-        <a:scrgbClr r="0" g="0" b="0"/>
-      </a:fillRef>
-      <a:effectRef idx="2">
-        <a:scrgbClr r="0" g="0" b="0"/>
-      </a:effectRef>
-      <a:fontRef idx="minor">
-        <a:schemeClr val="lt1"/>
-      </a:fontRef>
-    </dgm:style>
-  </dgm:styleLbl>
-  <dgm:styleLbl name="node1">
-    <dgm:scene3d>
-      <a:camera prst="orthographicFront"/>
-      <a:lightRig rig="threePt" dir="t"/>
-    </dgm:scene3d>
-    <dgm:sp3d/>
-    <dgm:txPr/>
-    <dgm:style>
-      <a:lnRef idx="0">
-        <a:scrgbClr r="0" g="0" b="0"/>
-      </a:lnRef>
-      <a:fillRef idx="3">
-        <a:scrgbClr r="0" g="0" b="0"/>
-      </a:fillRef>
-      <a:effectRef idx="2">
-        <a:scrgbClr r="0" g="0" b="0"/>
-      </a:effectRef>
-      <a:fontRef idx="minor">
-        <a:schemeClr val="lt1"/>
-      </a:fontRef>
-    </dgm:style>
-  </dgm:styleLbl>
-  <dgm:styleLbl name="node2">
-    <dgm:scene3d>
-      <a:camera prst="orthographicFront"/>
-      <a:lightRig rig="threePt" dir="t"/>
-    </dgm:scene3d>
-    <dgm:sp3d/>
-    <dgm:txPr/>
-    <dgm:style>
-      <a:lnRef idx="0">
-        <a:scrgbClr r="0" g="0" b="0"/>
-      </a:lnRef>
-      <a:fillRef idx="3">
-        <a:scrgbClr r="0" g="0" b="0"/>
-      </a:fillRef>
-      <a:effectRef idx="2">
-        <a:scrgbClr r="0" g="0" b="0"/>
-      </a:effectRef>
-      <a:fontRef idx="minor">
-        <a:schemeClr val="lt1"/>
-      </a:fontRef>
-    </dgm:style>
-  </dgm:styleLbl>
-  <dgm:styleLbl name="node3">
-    <dgm:scene3d>
-      <a:camera prst="orthographicFront"/>
-      <a:lightRig rig="threePt" dir="t"/>
-    </dgm:scene3d>
-    <dgm:sp3d/>
-    <dgm:txPr/>
-    <dgm:style>
-      <a:lnRef idx="0">
-        <a:scrgbClr r="0" g="0" b="0"/>
-      </a:lnRef>
-      <a:fillRef idx="3">
-        <a:scrgbClr r="0" g="0" b="0"/>
-      </a:fillRef>
-      <a:effectRef idx="2">
-        <a:scrgbClr r="0" g="0" b="0"/>
-      </a:effectRef>
-      <a:fontRef idx="minor">
-        <a:schemeClr val="lt1"/>
-      </a:fontRef>
-    </dgm:style>
-  </dgm:styleLbl>
-  <dgm:styleLbl name="node4">
-    <dgm:scene3d>
-      <a:camera prst="orthographicFront"/>
-      <a:lightRig rig="threePt" dir="t"/>
-    </dgm:scene3d>
-    <dgm:sp3d/>
-    <dgm:txPr/>
-    <dgm:style>
-      <a:lnRef idx="0">
-        <a:scrgbClr r="0" g="0" b="0"/>
-      </a:lnRef>
-      <a:fillRef idx="3">
-        <a:scrgbClr r="0" g="0" b="0"/>
-      </a:fillRef>
-      <a:effectRef idx="2">
-        <a:scrgbClr r="0" g="0" b="0"/>
-      </a:effectRef>
-      <a:fontRef idx="minor">
-        <a:schemeClr val="lt1"/>
-      </a:fontRef>
-    </dgm:style>
-  </dgm:styleLbl>
-  <dgm:styleLbl name="fgImgPlace1">
-    <dgm:scene3d>
-      <a:camera prst="orthographicFront"/>
-      <a:lightRig rig="threePt" dir="t"/>
-    </dgm:scene3d>
-    <dgm:sp3d/>
-    <dgm:txPr/>
-    <dgm:style>
-      <a:lnRef idx="0">
-        <a:scrgbClr r="0" g="0" b="0"/>
-      </a:lnRef>
-      <a:fillRef idx="1">
-        <a:scrgbClr r="0" g="0" b="0"/>
-      </a:fillRef>
-      <a:effectRef idx="2">
-        <a:scrgbClr r="0" g="0" b="0"/>
-      </a:effectRef>
-      <a:fontRef idx="minor"/>
-    </dgm:style>
-  </dgm:styleLbl>
-  <dgm:styleLbl name="alignImgPlace1">
-    <dgm:scene3d>
-      <a:camera prst="orthographicFront"/>
-      <a:lightRig rig="threePt" dir="t"/>
-    </dgm:scene3d>
-    <dgm:sp3d/>
-    <dgm:txPr/>
-    <dgm:style>
-      <a:lnRef idx="0">
-        <a:scrgbClr r="0" g="0" b="0"/>
-      </a:lnRef>
-      <a:fillRef idx="1">
-        <a:scrgbClr r="0" g="0" b="0"/>
-      </a:fillRef>
-      <a:effectRef idx="2">
-        <a:scrgbClr r="0" g="0" b="0"/>
-      </a:effectRef>
-      <a:fontRef idx="minor"/>
-    </dgm:style>
-  </dgm:styleLbl>
-  <dgm:styleLbl name="bgImgPlace1">
-    <dgm:scene3d>
-      <a:camera prst="orthographicFront"/>
-      <a:lightRig rig="threePt" dir="t"/>
-    </dgm:scene3d>
-    <dgm:sp3d/>
-    <dgm:txPr/>
-    <dgm:style>
-      <a:lnRef idx="0">
-        <a:scrgbClr r="0" g="0" b="0"/>
-      </a:lnRef>
-      <a:fillRef idx="1">
-        <a:scrgbClr r="0" g="0" b="0"/>
-      </a:fillRef>
-      <a:effectRef idx="2">
-        <a:scrgbClr r="0" g="0" b="0"/>
-      </a:effectRef>
-      <a:fontRef idx="minor"/>
-    </dgm:style>
-  </dgm:styleLbl>
-  <dgm:styleLbl name="sibTrans2D1">
-    <dgm:scene3d>
-      <a:camera prst="orthographicFront"/>
-      <a:lightRig rig="threePt" dir="t"/>
-    </dgm:scene3d>
-    <dgm:sp3d/>
-    <dgm:txPr/>
-    <dgm:style>
-      <a:lnRef idx="0">
-        <a:scrgbClr r="0" g="0" b="0"/>
-      </a:lnRef>
-      <a:fillRef idx="3">
-        <a:scrgbClr r="0" g="0" b="0"/>
-      </a:fillRef>
-      <a:effectRef idx="2">
-        <a:scrgbClr r="0" g="0" b="0"/>
-      </a:effectRef>
-      <a:fontRef idx="minor">
-        <a:schemeClr val="lt1"/>
-      </a:fontRef>
-    </dgm:style>
-  </dgm:styleLbl>
-  <dgm:styleLbl name="fgSibTrans2D1">
-    <dgm:scene3d>
-      <a:camera prst="orthographicFront"/>
-      <a:lightRig rig="threePt" dir="t"/>
-    </dgm:scene3d>
-    <dgm:sp3d/>
-    <dgm:txPr/>
-    <dgm:style>
-      <a:lnRef idx="0">
-        <a:scrgbClr r="0" g="0" b="0"/>
-      </a:lnRef>
-      <a:fillRef idx="3">
-        <a:scrgbClr r="0" g="0" b="0"/>
-      </a:fillRef>
-      <a:effectRef idx="2">
-        <a:scrgbClr r="0" g="0" b="0"/>
-      </a:effectRef>
-      <a:fontRef idx="minor">
-        <a:schemeClr val="lt1"/>
-      </a:fontRef>
-    </dgm:style>
-  </dgm:styleLbl>
-  <dgm:styleLbl name="bgSibTrans2D1">
-    <dgm:scene3d>
-      <a:camera prst="orthographicFront"/>
-      <a:lightRig rig="threePt" dir="t"/>
-    </dgm:scene3d>
-    <dgm:sp3d/>
-    <dgm:txPr/>
-    <dgm:style>
-      <a:lnRef idx="0">
-        <a:scrgbClr r="0" g="0" b="0"/>
-      </a:lnRef>
-      <a:fillRef idx="3">
-        <a:scrgbClr r="0" g="0" b="0"/>
-      </a:fillRef>
-      <a:effectRef idx="2">
-        <a:scrgbClr r="0" g="0" b="0"/>
-      </a:effectRef>
-      <a:fontRef idx="minor">
-        <a:schemeClr val="lt1"/>
-      </a:fontRef>
-    </dgm:style>
-  </dgm:styleLbl>
-  <dgm:styleLbl name="sibTrans1D1">
-    <dgm:scene3d>
-      <a:camera prst="orthographicFront"/>
-      <a:lightRig rig="threePt" dir="t"/>
-    </dgm:scene3d>
-    <dgm:sp3d/>
-    <dgm:txPr/>
-    <dgm:style>
-      <a:lnRef idx="1">
-        <a:scrgbClr r="0" g="0" b="0"/>
-      </a:lnRef>
-      <a:fillRef idx="0">
-        <a:scrgbClr r="0" g="0" b="0"/>
-      </a:fillRef>
-      <a:effectRef idx="0">
-        <a:scrgbClr r="0" g="0" b="0"/>
-      </a:effectRef>
-      <a:fontRef idx="minor"/>
-    </dgm:style>
-  </dgm:styleLbl>
-  <dgm:styleLbl name="callout">
-    <dgm:scene3d>
-      <a:camera prst="orthographicFront"/>
-      <a:lightRig rig="threePt" dir="t"/>
-    </dgm:scene3d>
-    <dgm:sp3d/>
-    <dgm:txPr/>
-    <dgm:style>
-      <a:lnRef idx="2">
-        <a:scrgbClr r="0" g="0" b="0"/>
-      </a:lnRef>
-      <a:fillRef idx="1">
-        <a:scrgbClr r="0" g="0" b="0"/>
-      </a:fillRef>
-      <a:effectRef idx="1">
-        <a:scrgbClr r="0" g="0" b="0"/>
-      </a:effectRef>
-      <a:fontRef idx="minor"/>
-    </dgm:style>
-  </dgm:styleLbl>
-  <dgm:styleLbl name="asst0">
-    <dgm:scene3d>
-      <a:camera prst="orthographicFront"/>
-      <a:lightRig rig="threePt" dir="t"/>
-    </dgm:scene3d>
-    <dgm:sp3d/>
-    <dgm:txPr/>
-    <dgm:style>
-      <a:lnRef idx="0">
-        <a:scrgbClr r="0" g="0" b="0"/>
-      </a:lnRef>
-      <a:fillRef idx="3">
-        <a:scrgbClr r="0" g="0" b="0"/>
-      </a:fillRef>
-      <a:effectRef idx="2">
-        <a:scrgbClr r="0" g="0" b="0"/>
-      </a:effectRef>
-      <a:fontRef idx="minor">
-        <a:schemeClr val="lt1"/>
-      </a:fontRef>
-    </dgm:style>
-  </dgm:styleLbl>
-  <dgm:styleLbl name="asst1">
-    <dgm:scene3d>
-      <a:camera prst="orthographicFront"/>
-      <a:lightRig rig="threePt" dir="t"/>
-    </dgm:scene3d>
-    <dgm:sp3d/>
-    <dgm:txPr/>
-    <dgm:style>
-      <a:lnRef idx="0">
-        <a:scrgbClr r="0" g="0" b="0"/>
-      </a:lnRef>
-      <a:fillRef idx="3">
-        <a:scrgbClr r="0" g="0" b="0"/>
-      </a:fillRef>
-      <a:effectRef idx="2">
-        <a:scrgbClr r="0" g="0" b="0"/>
-      </a:effectRef>
-      <a:fontRef idx="minor">
-        <a:schemeClr val="lt1"/>
-      </a:fontRef>
-    </dgm:style>
-  </dgm:styleLbl>
-  <dgm:styleLbl name="asst2">
-    <dgm:scene3d>
-      <a:camera prst="orthographicFront"/>
-      <a:lightRig rig="threePt" dir="t"/>
-    </dgm:scene3d>
-    <dgm:sp3d/>
-    <dgm:txPr/>
-    <dgm:style>
-      <a:lnRef idx="0">
-        <a:scrgbClr r="0" g="0" b="0"/>
-      </a:lnRef>
-      <a:fillRef idx="3">
-        <a:scrgbClr r="0" g="0" b="0"/>
-      </a:fillRef>
-      <a:effectRef idx="2">
-        <a:scrgbClr r="0" g="0" b="0"/>
-      </a:effectRef>
-      <a:fontRef idx="minor">
-        <a:schemeClr val="lt1"/>
-      </a:fontRef>
-    </dgm:style>
-  </dgm:styleLbl>
-  <dgm:styleLbl name="asst3">
-    <dgm:scene3d>
-      <a:camera prst="orthographicFront"/>
-      <a:lightRig rig="threePt" dir="t"/>
-    </dgm:scene3d>
-    <dgm:sp3d/>
-    <dgm:txPr/>
-    <dgm:style>
-      <a:lnRef idx="0">
-        <a:scrgbClr r="0" g="0" b="0"/>
-      </a:lnRef>
-      <a:fillRef idx="3">
-        <a:scrgbClr r="0" g="0" b="0"/>
-      </a:fillRef>
-      <a:effectRef idx="2">
-        <a:scrgbClr r="0" g="0" b="0"/>
-      </a:effectRef>
-      <a:fontRef idx="minor">
-        <a:schemeClr val="lt1"/>
-      </a:fontRef>
-    </dgm:style>
-  </dgm:styleLbl>
-  <dgm:styleLbl name="asst4">
-    <dgm:scene3d>
-      <a:camera prst="orthographicFront"/>
-      <a:lightRig rig="threePt" dir="t"/>
-    </dgm:scene3d>
-    <dgm:sp3d/>
-    <dgm:txPr/>
-    <dgm:style>
-      <a:lnRef idx="0">
-        <a:scrgbClr r="0" g="0" b="0"/>
-      </a:lnRef>
-      <a:fillRef idx="3">
-        <a:scrgbClr r="0" g="0" b="0"/>
-      </a:fillRef>
-      <a:effectRef idx="2">
-        <a:scrgbClr r="0" g="0" b="0"/>
-      </a:effectRef>
-      <a:fontRef idx="minor">
-        <a:schemeClr val="lt1"/>
-      </a:fontRef>
-    </dgm:style>
-  </dgm:styleLbl>
-  <dgm:styleLbl name="parChTrans2D1">
-    <dgm:scene3d>
-      <a:camera prst="orthographicFront"/>
-      <a:lightRig rig="threePt" dir="t"/>
-    </dgm:scene3d>
-    <dgm:sp3d/>
-    <dgm:txPr/>
-    <dgm:style>
-      <a:lnRef idx="0">
-        <a:scrgbClr r="0" g="0" b="0"/>
-      </a:lnRef>
-      <a:fillRef idx="3">
-        <a:scrgbClr r="0" g="0" b="0"/>
-      </a:fillRef>
-      <a:effectRef idx="2">
-        <a:scrgbClr r="0" g="0" b="0"/>
-      </a:effectRef>
-      <a:fontRef idx="minor">
-        <a:schemeClr val="lt1"/>
-      </a:fontRef>
-    </dgm:style>
-  </dgm:styleLbl>
-  <dgm:styleLbl name="parChTrans2D2">
-    <dgm:scene3d>
-      <a:camera prst="orthographicFront"/>
-      <a:lightRig rig="threePt" dir="t"/>
-    </dgm:scene3d>
-    <dgm:sp3d/>
-    <dgm:txPr/>
-    <dgm:style>
-      <a:lnRef idx="0">
-        <a:scrgbClr r="0" g="0" b="0"/>
-      </a:lnRef>
-      <a:fillRef idx="3">
-        <a:scrgbClr r="0" g="0" b="0"/>
-      </a:fillRef>
-      <a:effectRef idx="2">
-        <a:scrgbClr r="0" g="0" b="0"/>
-      </a:effectRef>
-      <a:fontRef idx="minor">
-        <a:schemeClr val="lt1"/>
-      </a:fontRef>
-    </dgm:style>
-  </dgm:styleLbl>
-  <dgm:styleLbl name="parChTrans2D3">
-    <dgm:scene3d>
-      <a:camera prst="orthographicFront"/>
-      <a:lightRig rig="threePt" dir="t"/>
-    </dgm:scene3d>
-    <dgm:sp3d/>
-    <dgm:txPr/>
-    <dgm:style>
-      <a:lnRef idx="1">
-        <a:scrgbClr r="0" g="0" b="0"/>
-      </a:lnRef>
-      <a:fillRef idx="3">
-        <a:scrgbClr r="0" g="0" b="0"/>
-      </a:fillRef>
-      <a:effectRef idx="2">
-        <a:scrgbClr r="0" g="0" b="0"/>
-      </a:effectRef>
-      <a:fontRef idx="minor">
-        <a:schemeClr val="lt1"/>
-      </a:fontRef>
-    </dgm:style>
-  </dgm:styleLbl>
-  <dgm:styleLbl name="parChTrans2D4">
-    <dgm:scene3d>
-      <a:camera prst="orthographicFront"/>
-      <a:lightRig rig="threePt" dir="t"/>
-    </dgm:scene3d>
-    <dgm:sp3d/>
-    <dgm:txPr/>
-    <dgm:style>
-      <a:lnRef idx="1">
-        <a:scrgbClr r="0" g="0" b="0"/>
-      </a:lnRef>
-      <a:fillRef idx="3">
-        <a:scrgbClr r="0" g="0" b="0"/>
-      </a:fillRef>
-      <a:effectRef idx="2">
-        <a:scrgbClr r="0" g="0" b="0"/>
-      </a:effectRef>
-      <a:fontRef idx="minor">
-        <a:schemeClr val="lt1"/>
-      </a:fontRef>
-    </dgm:style>
-  </dgm:styleLbl>
-  <dgm:styleLbl name="parChTrans1D1">
-    <dgm:scene3d>
-      <a:camera prst="orthographicFront"/>
-      <a:lightRig rig="threePt" dir="t"/>
-    </dgm:scene3d>
-    <dgm:sp3d/>
-    <dgm:txPr/>
-    <dgm:style>
-      <a:lnRef idx="1">
-        <a:scrgbClr r="0" g="0" b="0"/>
-      </a:lnRef>
-      <a:fillRef idx="0">
-        <a:scrgbClr r="0" g="0" b="0"/>
-      </a:fillRef>
-      <a:effectRef idx="0">
-        <a:scrgbClr r="0" g="0" b="0"/>
-      </a:effectRef>
-      <a:fontRef idx="minor"/>
-    </dgm:style>
-  </dgm:styleLbl>
-  <dgm:styleLbl name="parChTrans1D2">
-    <dgm:scene3d>
-      <a:camera prst="orthographicFront"/>
-      <a:lightRig rig="threePt" dir="t"/>
-    </dgm:scene3d>
-    <dgm:sp3d/>
-    <dgm:txPr/>
-    <dgm:style>
-      <a:lnRef idx="1">
-        <a:scrgbClr r="0" g="0" b="0"/>
-      </a:lnRef>
-      <a:fillRef idx="0">
-        <a:scrgbClr r="0" g="0" b="0"/>
-      </a:fillRef>
-      <a:effectRef idx="0">
-        <a:scrgbClr r="0" g="0" b="0"/>
-      </a:effectRef>
-      <a:fontRef idx="minor"/>
-    </dgm:style>
-  </dgm:styleLbl>
-  <dgm:styleLbl name="parChTrans1D3">
-    <dgm:scene3d>
-      <a:camera prst="orthographicFront"/>
-      <a:lightRig rig="threePt" dir="t"/>
-    </dgm:scene3d>
-    <dgm:sp3d/>
-    <dgm:txPr/>
-    <dgm:style>
-      <a:lnRef idx="1">
-        <a:scrgbClr r="0" g="0" b="0"/>
-      </a:lnRef>
-      <a:fillRef idx="0">
-        <a:scrgbClr r="0" g="0" b="0"/>
-      </a:fillRef>
-      <a:effectRef idx="0">
-        <a:scrgbClr r="0" g="0" b="0"/>
-      </a:effectRef>
-      <a:fontRef idx="minor"/>
-    </dgm:style>
-  </dgm:styleLbl>
-  <dgm:styleLbl name="parChTrans1D4">
-    <dgm:scene3d>
-      <a:camera prst="orthographicFront"/>
-      <a:lightRig rig="threePt" dir="t"/>
-    </dgm:scene3d>
-    <dgm:sp3d/>
-    <dgm:txPr/>
-    <dgm:style>
-      <a:lnRef idx="1">
-        <a:scrgbClr r="0" g="0" b="0"/>
-      </a:lnRef>
-      <a:fillRef idx="0">
-        <a:scrgbClr r="0" g="0" b="0"/>
-      </a:fillRef>
-      <a:effectRef idx="0">
-        <a:scrgbClr r="0" g="0" b="0"/>
-      </a:effectRef>
-      <a:fontRef idx="minor"/>
-    </dgm:style>
-  </dgm:styleLbl>
-  <dgm:styleLbl name="fgAcc1">
-    <dgm:scene3d>
-      <a:camera prst="orthographicFront"/>
-      <a:lightRig rig="threePt" dir="t"/>
-    </dgm:scene3d>
-    <dgm:sp3d/>
-    <dgm:txPr/>
-    <dgm:style>
-      <a:lnRef idx="1">
-        <a:scrgbClr r="0" g="0" b="0"/>
-      </a:lnRef>
-      <a:fillRef idx="1">
-        <a:scrgbClr r="0" g="0" b="0"/>
-      </a:fillRef>
-      <a:effectRef idx="0">
-        <a:scrgbClr r="0" g="0" b="0"/>
-      </a:effectRef>
-      <a:fontRef idx="minor"/>
-    </dgm:style>
-  </dgm:styleLbl>
-  <dgm:styleLbl name="conFgAcc1">
-    <dgm:scene3d>
-      <a:camera prst="orthographicFront"/>
-      <a:lightRig rig="threePt" dir="t"/>
-    </dgm:scene3d>
-    <dgm:sp3d/>
-    <dgm:txPr/>
-    <dgm:style>
-      <a:lnRef idx="1">
-        <a:scrgbClr r="0" g="0" b="0"/>
-      </a:lnRef>
-      <a:fillRef idx="1">
-        <a:scrgbClr r="0" g="0" b="0"/>
-      </a:fillRef>
-      <a:effectRef idx="0">
-        <a:scrgbClr r="0" g="0" b="0"/>
-      </a:effectRef>
-      <a:fontRef idx="minor"/>
-    </dgm:style>
-  </dgm:styleLbl>
-  <dgm:styleLbl name="alignAcc1">
-    <dgm:scene3d>
-      <a:camera prst="orthographicFront"/>
-      <a:lightRig rig="threePt" dir="t"/>
-    </dgm:scene3d>
-    <dgm:sp3d/>
-    <dgm:txPr/>
-    <dgm:style>
-      <a:lnRef idx="1">
-        <a:scrgbClr r="0" g="0" b="0"/>
-      </a:lnRef>
-      <a:fillRef idx="1">
-        <a:scrgbClr r="0" g="0" b="0"/>
-      </a:fillRef>
-      <a:effectRef idx="0">
-        <a:scrgbClr r="0" g="0" b="0"/>
-      </a:effectRef>
-      <a:fontRef idx="minor"/>
-    </dgm:style>
-  </dgm:styleLbl>
-  <dgm:styleLbl name="trAlignAcc1">
-    <dgm:scene3d>
-      <a:camera prst="orthographicFront"/>
-      <a:lightRig rig="threePt" dir="t"/>
-    </dgm:scene3d>
-    <dgm:sp3d/>
-    <dgm:txPr/>
-    <dgm:style>
-      <a:lnRef idx="1">
-        <a:scrgbClr r="0" g="0" b="0"/>
-      </a:lnRef>
-      <a:fillRef idx="1">
-        <a:scrgbClr r="0" g="0" b="0"/>
-      </a:fillRef>
-      <a:effectRef idx="0">
-        <a:scrgbClr r="0" g="0" b="0"/>
-      </a:effectRef>
-      <a:fontRef idx="minor"/>
-    </dgm:style>
-  </dgm:styleLbl>
-  <dgm:styleLbl name="bgAcc1">
-    <dgm:scene3d>
-      <a:camera prst="orthographicFront"/>
-      <a:lightRig rig="threePt" dir="t"/>
-    </dgm:scene3d>
-    <dgm:sp3d/>
-    <dgm:txPr/>
-    <dgm:style>
-      <a:lnRef idx="1">
-        <a:scrgbClr r="0" g="0" b="0"/>
-      </a:lnRef>
-      <a:fillRef idx="1">
-        <a:scrgbClr r="0" g="0" b="0"/>
-      </a:fillRef>
-      <a:effectRef idx="0">
-        <a:scrgbClr r="0" g="0" b="0"/>
-      </a:effectRef>
-      <a:fontRef idx="minor"/>
-    </dgm:style>
-  </dgm:styleLbl>
-  <dgm:styleLbl name="solidFgAcc1">
-    <dgm:scene3d>
-      <a:camera prst="orthographicFront"/>
-      <a:lightRig rig="threePt" dir="t"/>
-    </dgm:scene3d>
-    <dgm:sp3d/>
-    <dgm:txPr/>
-    <dgm:style>
-      <a:lnRef idx="1">
-        <a:scrgbClr r="0" g="0" b="0"/>
-      </a:lnRef>
-      <a:fillRef idx="1">
-        <a:scrgbClr r="0" g="0" b="0"/>
-      </a:fillRef>
-      <a:effectRef idx="0">
-        <a:scrgbClr r="0" g="0" b="0"/>
-      </a:effectRef>
-      <a:fontRef idx="minor"/>
-    </dgm:style>
-  </dgm:styleLbl>
-  <dgm:styleLbl name="solidAlignAcc1">
-    <dgm:scene3d>
-      <a:camera prst="orthographicFront"/>
-      <a:lightRig rig="threePt" dir="t"/>
-    </dgm:scene3d>
-    <dgm:sp3d/>
-    <dgm:txPr/>
-    <dgm:style>
-      <a:lnRef idx="1">
-        <a:scrgbClr r="0" g="0" b="0"/>
-      </a:lnRef>
-      <a:fillRef idx="1">
-        <a:scrgbClr r="0" g="0" b="0"/>
-      </a:fillRef>
-      <a:effectRef idx="0">
-        <a:scrgbClr r="0" g="0" b="0"/>
-      </a:effectRef>
-      <a:fontRef idx="minor"/>
-    </dgm:style>
-  </dgm:styleLbl>
-  <dgm:styleLbl name="solidBgAcc1">
-    <dgm:scene3d>
-      <a:camera prst="orthographicFront"/>
-      <a:lightRig rig="threePt" dir="t"/>
-    </dgm:scene3d>
-    <dgm:sp3d/>
-    <dgm:txPr/>
-    <dgm:style>
-      <a:lnRef idx="1">
-        <a:scrgbClr r="0" g="0" b="0"/>
-      </a:lnRef>
-      <a:fillRef idx="1">
-        <a:scrgbClr r="0" g="0" b="0"/>
-      </a:fillRef>
-      <a:effectRef idx="0">
-        <a:scrgbClr r="0" g="0" b="0"/>
-      </a:effectRef>
-      <a:fontRef idx="minor"/>
-    </dgm:style>
-  </dgm:styleLbl>
-  <dgm:styleLbl name="fgAccFollowNode1">
-    <dgm:scene3d>
-      <a:camera prst="orthographicFront"/>
-      <a:lightRig rig="threePt" dir="t"/>
-    </dgm:scene3d>
-    <dgm:sp3d/>
-    <dgm:txPr/>
-    <dgm:style>
-      <a:lnRef idx="1">
-        <a:scrgbClr r="0" g="0" b="0"/>
-      </a:lnRef>
-      <a:fillRef idx="1">
-        <a:scrgbClr r="0" g="0" b="0"/>
-      </a:fillRef>
-      <a:effectRef idx="0">
-        <a:scrgbClr r="0" g="0" b="0"/>
-      </a:effectRef>
-      <a:fontRef idx="minor"/>
-    </dgm:style>
-  </dgm:styleLbl>
-  <dgm:styleLbl name="alignAccFollowNode1">
-    <dgm:scene3d>
-      <a:camera prst="orthographicFront"/>
-      <a:lightRig rig="threePt" dir="t"/>
-    </dgm:scene3d>
-    <dgm:sp3d/>
-    <dgm:txPr/>
-    <dgm:style>
-      <a:lnRef idx="1">
-        <a:scrgbClr r="0" g="0" b="0"/>
-      </a:lnRef>
-      <a:fillRef idx="1">
-        <a:scrgbClr r="0" g="0" b="0"/>
-      </a:fillRef>
-      <a:effectRef idx="0">
-        <a:scrgbClr r="0" g="0" b="0"/>
-      </a:effectRef>
-      <a:fontRef idx="minor"/>
-    </dgm:style>
-  </dgm:styleLbl>
-  <dgm:styleLbl name="bgAccFollowNode1">
-    <dgm:scene3d>
-      <a:camera prst="orthographicFront"/>
-      <a:lightRig rig="threePt" dir="t"/>
-    </dgm:scene3d>
-    <dgm:sp3d/>
-    <dgm:txPr/>
-    <dgm:style>
-      <a:lnRef idx="1">
-        <a:scrgbClr r="0" g="0" b="0"/>
-      </a:lnRef>
-      <a:fillRef idx="1">
-        <a:scrgbClr r="0" g="0" b="0"/>
-      </a:fillRef>
-      <a:effectRef idx="0">
-        <a:scrgbClr r="0" g="0" b="0"/>
-      </a:effectRef>
-      <a:fontRef idx="minor"/>
-    </dgm:style>
-  </dgm:styleLbl>
-  <dgm:styleLbl name="fgAcc0">
-    <dgm:scene3d>
-      <a:camera prst="orthographicFront"/>
-      <a:lightRig rig="threePt" dir="t"/>
-    </dgm:scene3d>
-    <dgm:sp3d/>
-    <dgm:txPr/>
-    <dgm:style>
-      <a:lnRef idx="1">
-        <a:scrgbClr r="0" g="0" b="0"/>
-      </a:lnRef>
-      <a:fillRef idx="1">
-        <a:scrgbClr r="0" g="0" b="0"/>
-      </a:fillRef>
-      <a:effectRef idx="0">
-        <a:scrgbClr r="0" g="0" b="0"/>
-      </a:effectRef>
-      <a:fontRef idx="minor"/>
-    </dgm:style>
-  </dgm:styleLbl>
-  <dgm:styleLbl name="fgAcc2">
-    <dgm:scene3d>
-      <a:camera prst="orthographicFront"/>
-      <a:lightRig rig="threePt" dir="t"/>
-    </dgm:scene3d>
-    <dgm:sp3d/>
-    <dgm:txPr/>
-    <dgm:style>
-      <a:lnRef idx="1">
-        <a:scrgbClr r="0" g="0" b="0"/>
-      </a:lnRef>
-      <a:fillRef idx="1">
-        <a:scrgbClr r="0" g="0" b="0"/>
-      </a:fillRef>
-      <a:effectRef idx="0">
-        <a:scrgbClr r="0" g="0" b="0"/>
-      </a:effectRef>
-      <a:fontRef idx="minor"/>
-    </dgm:style>
-  </dgm:styleLbl>
-  <dgm:styleLbl name="fgAcc3">
-    <dgm:scene3d>
-      <a:camera prst="orthographicFront"/>
-      <a:lightRig rig="threePt" dir="t"/>
-    </dgm:scene3d>
-    <dgm:sp3d/>
-    <dgm:txPr/>
-    <dgm:style>
-      <a:lnRef idx="1">
-        <a:scrgbClr r="0" g="0" b="0"/>
-      </a:lnRef>
-      <a:fillRef idx="1">
-        <a:scrgbClr r="0" g="0" b="0"/>
-      </a:fillRef>
-      <a:effectRef idx="0">
-        <a:scrgbClr r="0" g="0" b="0"/>
-      </a:effectRef>
-      <a:fontRef idx="minor"/>
-    </dgm:style>
-  </dgm:styleLbl>
-  <dgm:styleLbl name="fgAcc4">
-    <dgm:scene3d>
-      <a:camera prst="orthographicFront"/>
-      <a:lightRig rig="threePt" dir="t"/>
-    </dgm:scene3d>
-    <dgm:sp3d/>
-    <dgm:txPr/>
-    <dgm:style>
-      <a:lnRef idx="1">
-        <a:scrgbClr r="0" g="0" b="0"/>
-      </a:lnRef>
-      <a:fillRef idx="1">
-        <a:scrgbClr r="0" g="0" b="0"/>
-      </a:fillRef>
-      <a:effectRef idx="0">
-        <a:scrgbClr r="0" g="0" b="0"/>
-      </a:effectRef>
-      <a:fontRef idx="minor"/>
-    </dgm:style>
-  </dgm:styleLbl>
-  <dgm:styleLbl name="bgShp">
-    <dgm:scene3d>
-      <a:camera prst="orthographicFront"/>
-      <a:lightRig rig="threePt" dir="t"/>
-    </dgm:scene3d>
-    <dgm:sp3d/>
-    <dgm:txPr/>
-    <dgm:style>
-      <a:lnRef idx="0">
-        <a:scrgbClr r="0" g="0" b="0"/>
-      </a:lnRef>
-      <a:fillRef idx="1">
-        <a:scrgbClr r="0" g="0" b="0"/>
-      </a:fillRef>
-      <a:effectRef idx="2">
-        <a:scrgbClr r="0" g="0" b="0"/>
-      </a:effectRef>
-      <a:fontRef idx="minor"/>
-    </dgm:style>
-  </dgm:styleLbl>
-  <dgm:styleLbl name="dkBgShp">
-    <dgm:scene3d>
-      <a:camera prst="orthographicFront"/>
-      <a:lightRig rig="threePt" dir="t"/>
-    </dgm:scene3d>
-    <dgm:sp3d/>
-    <dgm:txPr/>
-    <dgm:style>
-      <a:lnRef idx="0">
-        <a:scrgbClr r="0" g="0" b="0"/>
-      </a:lnRef>
-      <a:fillRef idx="1">
-        <a:scrgbClr r="0" g="0" b="0"/>
-      </a:fillRef>
-      <a:effectRef idx="2">
-        <a:scrgbClr r="0" g="0" b="0"/>
-      </a:effectRef>
-      <a:fontRef idx="minor"/>
-    </dgm:style>
-  </dgm:styleLbl>
-  <dgm:styleLbl name="trBgShp">
-    <dgm:scene3d>
-      <a:camera prst="orthographicFront"/>
-      <a:lightRig rig="threePt" dir="t"/>
-    </dgm:scene3d>
-    <dgm:sp3d/>
-    <dgm:txPr/>
-    <dgm:style>
-      <a:lnRef idx="0">
-        <a:scrgbClr r="0" g="0" b="0"/>
-      </a:lnRef>
-      <a:fillRef idx="1">
-        <a:scrgbClr r="0" g="0" b="0"/>
-      </a:fillRef>
-      <a:effectRef idx="0">
-        <a:scrgbClr r="0" g="0" b="0"/>
-      </a:effectRef>
-      <a:fontRef idx="minor"/>
-    </dgm:style>
-  </dgm:styleLbl>
-  <dgm:styleLbl name="fgShp">
-    <dgm:scene3d>
-      <a:camera prst="orthographicFront"/>
-      <a:lightRig rig="threePt" dir="t"/>
-    </dgm:scene3d>
-    <dgm:sp3d/>
-    <dgm:txPr/>
-    <dgm:style>
-      <a:lnRef idx="0">
-        <a:scrgbClr r="0" g="0" b="0"/>
-      </a:lnRef>
-      <a:fillRef idx="3">
-        <a:scrgbClr r="0" g="0" b="0"/>
-      </a:fillRef>
-      <a:effectRef idx="2">
-        <a:scrgbClr r="0" g="0" b="0"/>
-      </a:effectRef>
-      <a:fontRef idx="minor"/>
-    </dgm:style>
-  </dgm:styleLbl>
-  <dgm:styleLbl name="revTx">
-    <dgm:scene3d>
-      <a:camera prst="orthographicFront"/>
-      <a:lightRig rig="threePt" dir="t"/>
-    </dgm:scene3d>
-    <dgm:sp3d/>
-    <dgm:txPr/>
-    <dgm:style>
-      <a:lnRef idx="0">
-        <a:scrgbClr r="0" g="0" b="0"/>
-      </a:lnRef>
-      <a:fillRef idx="0">
-        <a:scrgbClr r="0" g="0" b="0"/>
-      </a:fillRef>
-      <a:effectRef idx="0">
-        <a:scrgbClr r="0" g="0" b="0"/>
-      </a:effectRef>
-      <a:fontRef idx="minor"/>
-    </dgm:style>
-  </dgm:styleLbl>
-</dgm:styleDef>
-</file>
-
 <file path=ppt/notesMasters/notesMaster1.xml><?xml version="1.0" encoding="utf-8"?>
 <p:notesMaster xmlns:a="http://schemas.openxmlformats.org/drawingml/2006/main" xmlns:r="http://schemas.openxmlformats.org/officeDocument/2006/relationships" xmlns:p="http://schemas.openxmlformats.org/presentationml/2006/main">
   <p:cSld>
@@ -4956,7 +205,7 @@
           <a:p>
             <a:fld id="{2A61FC54-96E1-1A4C-A783-DB39D2B24BDB}" type="datetimeFigureOut">
               <a:rPr lang="en-US" smtClean="0"/>
-              <a:t>12/05/2014</a:t>
+              <a:t>14/05/2014</a:t>
             </a:fld>
             <a:endParaRPr lang="en-US"/>
           </a:p>
@@ -8303,7 +3552,7 @@
             <a:spLocks noGrp="1"/>
           </p:cNvSpPr>
           <p:nvPr>
-            <p:ph idx="1"/>
+            <p:ph idx="1" hasCustomPrompt="1"/>
           </p:nvPr>
         </p:nvSpPr>
         <p:spPr>
@@ -8322,7 +3571,7 @@
         <p:txBody>
           <a:bodyPr lIns="91425" tIns="91425" rIns="91425" bIns="91425" anchor="t" anchorCtr="0"/>
           <a:lstStyle>
-            <a:lvl1pPr marL="342900" marR="0" indent="-165100" algn="l" rtl="0">
+            <a:lvl1pPr marL="177800" marR="0" indent="0" algn="l" rtl="0">
               <a:spcBef>
                 <a:spcPts val="560"/>
               </a:spcBef>
@@ -8333,7 +3582,7 @@
                 <a:srgbClr val="66CCFF"/>
               </a:buClr>
               <a:buFont typeface="Helvetica Neue"/>
-              <a:buChar char="•"/>
+              <a:buNone/>
               <a:defRPr sz="2800" b="0" i="0" u="none" strike="noStrike" cap="none" baseline="0">
                 <a:solidFill>
                   <a:srgbClr val="3F3F3F"/>
@@ -8510,6 +3759,10 @@
             </a:lvl9pPr>
           </a:lstStyle>
           <a:p>
+            <a:r>
+              <a:rPr lang="en-US" dirty="0" smtClean="0"/>
+              <a:t>Enter description here</a:t>
+            </a:r>
             <a:endParaRPr dirty="0"/>
           </a:p>
         </p:txBody>
@@ -8771,7 +4024,7 @@
         <p:txBody>
           <a:bodyPr lIns="91425" tIns="91425" rIns="91425" bIns="91425" anchor="t" anchorCtr="0"/>
           <a:lstStyle>
-            <a:lvl1pPr marL="342900" marR="0" indent="-165100" algn="l" rtl="0">
+            <a:lvl1pPr marL="177800" marR="0" indent="0" algn="l" rtl="0">
               <a:spcBef>
                 <a:spcPts val="560"/>
               </a:spcBef>
@@ -8782,7 +4035,7 @@
                 <a:srgbClr val="66CCFF"/>
               </a:buClr>
               <a:buFont typeface="Helvetica Neue"/>
-              <a:buChar char="•"/>
+              <a:buNone/>
               <a:defRPr sz="2800" b="0" i="0" u="none" strike="noStrike" cap="none" baseline="0">
                 <a:solidFill>
                   <a:srgbClr val="3F3F3F"/>
@@ -13039,38 +8292,9 @@
           <a:p>
             <a:r>
               <a:rPr lang="en-US" sz="2400" dirty="0" smtClean="0"/>
-              <a:t>The next slide shows the required components for a user interface</a:t>
+              <a:t>The next slides present the required component for a user interface, and where they can be found in the current web console.</a:t>
             </a:r>
             <a:endParaRPr lang="en-US" sz="2400" dirty="0"/>
-          </a:p>
-          <a:p>
-            <a:pPr lvl="1"/>
-            <a:r>
-              <a:rPr lang="en-US" sz="2000" dirty="0" smtClean="0"/>
-              <a:t>Green components are available in the current web console</a:t>
-            </a:r>
-          </a:p>
-          <a:p>
-            <a:pPr lvl="1"/>
-            <a:r>
-              <a:rPr lang="en-US" sz="2000" dirty="0" smtClean="0"/>
-              <a:t>Yellow components exist but are not displayed in the current console</a:t>
-            </a:r>
-          </a:p>
-          <a:p>
-            <a:pPr lvl="1"/>
-            <a:r>
-              <a:rPr lang="en-US" sz="2000" dirty="0" smtClean="0"/>
-              <a:t>Red components don</a:t>
-            </a:r>
-            <a:r>
-              <a:rPr lang="fr-FR" sz="2000" dirty="0" smtClean="0"/>
-              <a:t>’</a:t>
-            </a:r>
-            <a:r>
-              <a:rPr lang="en-US" sz="2000" dirty="0" smtClean="0"/>
-              <a:t>t exist yet</a:t>
-            </a:r>
           </a:p>
         </p:txBody>
       </p:sp>
@@ -13111,255 +8335,239 @@
           <a:chExt cx="0" cy="0"/>
         </a:xfrm>
       </p:grpSpPr>
-      <p:graphicFrame>
-        <p:nvGraphicFramePr>
-          <p:cNvPr id="3" name="Diagram 2"/>
-          <p:cNvGraphicFramePr/>
-          <p:nvPr>
-            <p:extLst>
-              <p:ext uri="{D42A27DB-BD31-4B8C-83A1-F6EECF244321}">
-                <p14:modId xmlns:p14="http://schemas.microsoft.com/office/powerpoint/2010/main" val="566296547"/>
-              </p:ext>
-            </p:extLst>
-          </p:nvPr>
-        </p:nvGraphicFramePr>
-        <p:xfrm>
-          <a:off x="-10903" y="239889"/>
-          <a:ext cx="6732439" cy="5757333"/>
-        </p:xfrm>
-        <a:graphic>
-          <a:graphicData uri="http://schemas.openxmlformats.org/drawingml/2006/diagram">
-            <dgm:relIds xmlns:dgm="http://schemas.openxmlformats.org/drawingml/2006/diagram" xmlns:r="http://schemas.openxmlformats.org/officeDocument/2006/relationships" r:dm="rId2" r:lo="rId3" r:qs="rId4" r:cs="rId5"/>
-          </a:graphicData>
-        </a:graphic>
-      </p:graphicFrame>
-      <p:sp>
-        <p:nvSpPr>
-          <p:cNvPr id="4" name="Text Placeholder 2"/>
-          <p:cNvSpPr txBox="1">
-            <a:spLocks/>
-          </p:cNvSpPr>
+      <p:pic>
+        <p:nvPicPr>
+          <p:cNvPr id="2" name="Picture 1"/>
+          <p:cNvPicPr>
+            <a:picLocks noChangeAspect="1"/>
+          </p:cNvPicPr>
           <p:nvPr/>
-        </p:nvSpPr>
+        </p:nvPicPr>
+        <p:blipFill>
+          <a:blip r:embed="rId2">
+            <a:extLst>
+              <a:ext uri="{28A0092B-C50C-407E-A947-70E740481C1C}">
+                <a14:useLocalDpi xmlns:a14="http://schemas.microsoft.com/office/drawing/2010/main" val="0"/>
+              </a:ext>
+            </a:extLst>
+          </a:blip>
+          <a:stretch>
+            <a:fillRect/>
+          </a:stretch>
+        </p:blipFill>
         <p:spPr>
           <a:xfrm>
-            <a:off x="4989672" y="3638688"/>
-            <a:ext cx="3744044" cy="813215"/>
+            <a:off x="-24596" y="240255"/>
+            <a:ext cx="9168595" cy="5285006"/>
           </a:xfrm>
           <a:prstGeom prst="rect">
             <a:avLst/>
           </a:prstGeom>
         </p:spPr>
+      </p:pic>
+      <p:sp>
+        <p:nvSpPr>
+          <p:cNvPr id="3" name="Oval 2">
+            <a:hlinkClick r:id="rId3" action="ppaction://hlinksldjump"/>
+          </p:cNvPr>
+          <p:cNvSpPr/>
+          <p:nvPr/>
+        </p:nvSpPr>
+        <p:spPr>
+          <a:xfrm>
+            <a:off x="171638" y="549155"/>
+            <a:ext cx="1218628" cy="1252759"/>
+          </a:xfrm>
+          <a:prstGeom prst="ellipse">
+            <a:avLst/>
+          </a:prstGeom>
+          <a:noFill/>
+          <a:ln>
+            <a:noFill/>
+          </a:ln>
+        </p:spPr>
+        <p:style>
+          <a:lnRef idx="1">
+            <a:schemeClr val="accent1"/>
+          </a:lnRef>
+          <a:fillRef idx="3">
+            <a:schemeClr val="accent1"/>
+          </a:fillRef>
+          <a:effectRef idx="2">
+            <a:schemeClr val="accent1"/>
+          </a:effectRef>
+          <a:fontRef idx="minor">
+            <a:schemeClr val="lt1"/>
+          </a:fontRef>
+        </p:style>
         <p:txBody>
-          <a:bodyPr/>
-          <a:lstStyle>
-            <a:defPPr marR="0" algn="l" rtl="0">
-              <a:lnSpc>
-                <a:spcPct val="100000"/>
-              </a:lnSpc>
-              <a:spcBef>
-                <a:spcPts val="0"/>
-              </a:spcBef>
-              <a:spcAft>
-                <a:spcPts val="0"/>
-              </a:spcAft>
-            </a:defPPr>
-            <a:lvl1pPr marR="0" algn="l" rtl="0" eaLnBrk="1" hangingPunct="1">
-              <a:lnSpc>
-                <a:spcPct val="100000"/>
-              </a:lnSpc>
-              <a:spcBef>
-                <a:spcPts val="0"/>
-              </a:spcBef>
-              <a:spcAft>
-                <a:spcPts val="0"/>
-              </a:spcAft>
-              <a:buNone/>
-              <a:defRPr sz="1050" b="0" i="0" u="none" strike="noStrike" cap="none" baseline="0">
-                <a:solidFill>
-                  <a:srgbClr val="000000"/>
-                </a:solidFill>
-                <a:latin typeface="Arial"/>
-                <a:ea typeface="Arial"/>
-                <a:cs typeface="Arial"/>
-                <a:sym typeface="Arial"/>
-              </a:defRPr>
-            </a:lvl1pPr>
-            <a:lvl2pPr marR="0" algn="l" rtl="0" eaLnBrk="1" hangingPunct="1">
-              <a:lnSpc>
-                <a:spcPct val="100000"/>
-              </a:lnSpc>
-              <a:spcBef>
-                <a:spcPts val="0"/>
-              </a:spcBef>
-              <a:spcAft>
-                <a:spcPts val="0"/>
-              </a:spcAft>
-              <a:buNone/>
-              <a:defRPr sz="1050" b="0" i="0" u="none" strike="noStrike" cap="none" baseline="0">
-                <a:solidFill>
-                  <a:srgbClr val="000000"/>
-                </a:solidFill>
-                <a:latin typeface="Arial"/>
-                <a:ea typeface="Arial"/>
-                <a:cs typeface="Arial"/>
-                <a:sym typeface="Arial"/>
-              </a:defRPr>
-            </a:lvl2pPr>
-            <a:lvl3pPr marR="0" algn="l" rtl="0" eaLnBrk="1" hangingPunct="1">
-              <a:lnSpc>
-                <a:spcPct val="100000"/>
-              </a:lnSpc>
-              <a:spcBef>
-                <a:spcPts val="0"/>
-              </a:spcBef>
-              <a:spcAft>
-                <a:spcPts val="0"/>
-              </a:spcAft>
-              <a:buNone/>
-              <a:defRPr sz="1050" b="0" i="0" u="none" strike="noStrike" cap="none" baseline="0">
-                <a:solidFill>
-                  <a:srgbClr val="000000"/>
-                </a:solidFill>
-                <a:latin typeface="Arial"/>
-                <a:ea typeface="Arial"/>
-                <a:cs typeface="Arial"/>
-                <a:sym typeface="Arial"/>
-              </a:defRPr>
-            </a:lvl3pPr>
-            <a:lvl4pPr marR="0" algn="l" rtl="0" eaLnBrk="1" hangingPunct="1">
-              <a:lnSpc>
-                <a:spcPct val="100000"/>
-              </a:lnSpc>
-              <a:spcBef>
-                <a:spcPts val="0"/>
-              </a:spcBef>
-              <a:spcAft>
-                <a:spcPts val="0"/>
-              </a:spcAft>
-              <a:buNone/>
-              <a:defRPr sz="1050" b="0" i="0" u="none" strike="noStrike" cap="none" baseline="0">
-                <a:solidFill>
-                  <a:srgbClr val="000000"/>
-                </a:solidFill>
-                <a:latin typeface="Arial"/>
-                <a:ea typeface="Arial"/>
-                <a:cs typeface="Arial"/>
-                <a:sym typeface="Arial"/>
-              </a:defRPr>
-            </a:lvl4pPr>
-            <a:lvl5pPr marR="0" algn="l" rtl="0" eaLnBrk="1" hangingPunct="1">
-              <a:lnSpc>
-                <a:spcPct val="100000"/>
-              </a:lnSpc>
-              <a:spcBef>
-                <a:spcPts val="0"/>
-              </a:spcBef>
-              <a:spcAft>
-                <a:spcPts val="0"/>
-              </a:spcAft>
-              <a:buNone/>
-              <a:defRPr sz="1050" b="0" i="0" u="none" strike="noStrike" cap="none" baseline="0">
-                <a:solidFill>
-                  <a:srgbClr val="000000"/>
-                </a:solidFill>
-                <a:latin typeface="Arial"/>
-                <a:ea typeface="Arial"/>
-                <a:cs typeface="Arial"/>
-                <a:sym typeface="Arial"/>
-              </a:defRPr>
-            </a:lvl5pPr>
-            <a:lvl6pPr marR="0" algn="l" rtl="0" eaLnBrk="1" hangingPunct="1">
-              <a:lnSpc>
-                <a:spcPct val="100000"/>
-              </a:lnSpc>
-              <a:spcBef>
-                <a:spcPts val="0"/>
-              </a:spcBef>
-              <a:spcAft>
-                <a:spcPts val="0"/>
-              </a:spcAft>
-              <a:buNone/>
-              <a:defRPr sz="1050" b="0" i="0" u="none" strike="noStrike" cap="none" baseline="0">
-                <a:solidFill>
-                  <a:srgbClr val="000000"/>
-                </a:solidFill>
-                <a:latin typeface="Arial"/>
-                <a:ea typeface="Arial"/>
-                <a:cs typeface="Arial"/>
-                <a:sym typeface="Arial"/>
-              </a:defRPr>
-            </a:lvl6pPr>
-            <a:lvl7pPr marR="0" algn="l" rtl="0" eaLnBrk="1" hangingPunct="1">
-              <a:lnSpc>
-                <a:spcPct val="100000"/>
-              </a:lnSpc>
-              <a:spcBef>
-                <a:spcPts val="0"/>
-              </a:spcBef>
-              <a:spcAft>
-                <a:spcPts val="0"/>
-              </a:spcAft>
-              <a:buNone/>
-              <a:defRPr sz="1050" b="0" i="0" u="none" strike="noStrike" cap="none" baseline="0">
-                <a:solidFill>
-                  <a:srgbClr val="000000"/>
-                </a:solidFill>
-                <a:latin typeface="Arial"/>
-                <a:ea typeface="Arial"/>
-                <a:cs typeface="Arial"/>
-                <a:sym typeface="Arial"/>
-              </a:defRPr>
-            </a:lvl7pPr>
-            <a:lvl8pPr marR="0" algn="l" rtl="0" eaLnBrk="1" hangingPunct="1">
-              <a:lnSpc>
-                <a:spcPct val="100000"/>
-              </a:lnSpc>
-              <a:spcBef>
-                <a:spcPts val="0"/>
-              </a:spcBef>
-              <a:spcAft>
-                <a:spcPts val="0"/>
-              </a:spcAft>
-              <a:buNone/>
-              <a:defRPr sz="1050" b="0" i="0" u="none" strike="noStrike" cap="none" baseline="0">
-                <a:solidFill>
-                  <a:srgbClr val="000000"/>
-                </a:solidFill>
-                <a:latin typeface="Arial"/>
-                <a:ea typeface="Arial"/>
-                <a:cs typeface="Arial"/>
-                <a:sym typeface="Arial"/>
-              </a:defRPr>
-            </a:lvl8pPr>
-            <a:lvl9pPr marR="0" algn="l" rtl="0" eaLnBrk="1" hangingPunct="1">
-              <a:lnSpc>
-                <a:spcPct val="100000"/>
-              </a:lnSpc>
-              <a:spcBef>
-                <a:spcPts val="0"/>
-              </a:spcBef>
-              <a:spcAft>
-                <a:spcPts val="0"/>
-              </a:spcAft>
-              <a:buNone/>
-              <a:defRPr sz="1050" b="0" i="0" u="none" strike="noStrike" cap="none" baseline="0">
-                <a:solidFill>
-                  <a:srgbClr val="000000"/>
-                </a:solidFill>
-                <a:latin typeface="Arial"/>
-                <a:ea typeface="Arial"/>
-                <a:cs typeface="Arial"/>
-                <a:sym typeface="Arial"/>
-              </a:defRPr>
-            </a:lvl9pPr>
-          </a:lstStyle>
+          <a:bodyPr rtlCol="0" anchor="ctr"/>
+          <a:lstStyle/>
           <a:p>
             <a:pPr algn="ctr"/>
+            <a:endParaRPr lang="en-US"/>
+          </a:p>
+        </p:txBody>
+      </p:sp>
+      <p:sp>
+        <p:nvSpPr>
+          <p:cNvPr id="4" name="Rectangle 3">
+            <a:hlinkClick r:id="rId4" action="ppaction://hlinksldjump"/>
+          </p:cNvPr>
+          <p:cNvSpPr/>
+          <p:nvPr/>
+        </p:nvSpPr>
+        <p:spPr>
+          <a:xfrm>
+            <a:off x="2214127" y="2248103"/>
+            <a:ext cx="1682049" cy="892376"/>
+          </a:xfrm>
+          <a:prstGeom prst="rect">
+            <a:avLst/>
+          </a:prstGeom>
+          <a:noFill/>
+          <a:ln>
+            <a:noFill/>
+          </a:ln>
+        </p:spPr>
+        <p:style>
+          <a:lnRef idx="1">
+            <a:schemeClr val="accent1"/>
+          </a:lnRef>
+          <a:fillRef idx="3">
+            <a:schemeClr val="accent1"/>
+          </a:fillRef>
+          <a:effectRef idx="2">
+            <a:schemeClr val="accent1"/>
+          </a:effectRef>
+          <a:fontRef idx="minor">
+            <a:schemeClr val="lt1"/>
+          </a:fontRef>
+        </p:style>
+        <p:txBody>
+          <a:bodyPr rtlCol="0" anchor="ctr"/>
+          <a:lstStyle/>
+          <a:p>
+            <a:pPr algn="ctr"/>
+            <a:endParaRPr lang="en-US"/>
+          </a:p>
+        </p:txBody>
+      </p:sp>
+      <p:sp>
+        <p:nvSpPr>
+          <p:cNvPr id="5" name="Rectangle 4">
+            <a:hlinkClick r:id="rId5" action="ppaction://hlinksldjump"/>
+          </p:cNvPr>
+          <p:cNvSpPr/>
+          <p:nvPr/>
+        </p:nvSpPr>
+        <p:spPr>
+          <a:xfrm>
+            <a:off x="4288870" y="3307990"/>
+            <a:ext cx="1682049" cy="707705"/>
+          </a:xfrm>
+          <a:prstGeom prst="rect">
+            <a:avLst/>
+          </a:prstGeom>
+          <a:noFill/>
+          <a:ln>
+            <a:noFill/>
+          </a:ln>
+        </p:spPr>
+        <p:style>
+          <a:lnRef idx="1">
+            <a:schemeClr val="accent1"/>
+          </a:lnRef>
+          <a:fillRef idx="3">
+            <a:schemeClr val="accent1"/>
+          </a:fillRef>
+          <a:effectRef idx="2">
+            <a:schemeClr val="accent1"/>
+          </a:effectRef>
+          <a:fontRef idx="minor">
+            <a:schemeClr val="lt1"/>
+          </a:fontRef>
+        </p:style>
+        <p:txBody>
+          <a:bodyPr rtlCol="0" anchor="ctr"/>
+          <a:lstStyle/>
+          <a:p>
+            <a:pPr algn="ctr"/>
+            <a:endParaRPr lang="en-US"/>
+          </a:p>
+        </p:txBody>
+      </p:sp>
+      <p:sp>
+        <p:nvSpPr>
+          <p:cNvPr id="6" name="Rectangle 5">
+            <a:hlinkClick r:id="rId6" action="ppaction://hlinksldjump"/>
+          </p:cNvPr>
+          <p:cNvSpPr/>
+          <p:nvPr/>
+        </p:nvSpPr>
+        <p:spPr>
+          <a:xfrm>
+            <a:off x="6743289" y="4015694"/>
+            <a:ext cx="2130382" cy="1252759"/>
+          </a:xfrm>
+          <a:prstGeom prst="rect">
+            <a:avLst/>
+          </a:prstGeom>
+          <a:noFill/>
+          <a:ln>
+            <a:noFill/>
+          </a:ln>
+        </p:spPr>
+        <p:style>
+          <a:lnRef idx="1">
+            <a:schemeClr val="accent1"/>
+          </a:lnRef>
+          <a:fillRef idx="3">
+            <a:schemeClr val="accent1"/>
+          </a:fillRef>
+          <a:effectRef idx="2">
+            <a:schemeClr val="accent1"/>
+          </a:effectRef>
+          <a:fontRef idx="minor">
+            <a:schemeClr val="lt1"/>
+          </a:fontRef>
+        </p:style>
+        <p:txBody>
+          <a:bodyPr rtlCol="0" anchor="ctr"/>
+          <a:lstStyle/>
+          <a:p>
+            <a:pPr algn="ctr"/>
+            <a:endParaRPr lang="en-US"/>
+          </a:p>
+        </p:txBody>
+      </p:sp>
+      <p:sp>
+        <p:nvSpPr>
+          <p:cNvPr id="7" name="TextBox 6"/>
+          <p:cNvSpPr txBox="1"/>
+          <p:nvPr/>
+        </p:nvSpPr>
+        <p:spPr>
+          <a:xfrm>
+            <a:off x="3292162" y="755088"/>
+            <a:ext cx="4929285" cy="369332"/>
+          </a:xfrm>
+          <a:prstGeom prst="rect">
+            <a:avLst/>
+          </a:prstGeom>
+          <a:noFill/>
+        </p:spPr>
+        <p:txBody>
+          <a:bodyPr wrap="square" rtlCol="0">
+            <a:spAutoFit/>
+          </a:bodyPr>
+          <a:lstStyle/>
+          <a:p>
             <a:r>
-              <a:rPr lang="en-US" sz="2000" dirty="0" smtClean="0"/>
-              <a:t>Click one of the steps to go directly to its description.  </a:t>
+              <a:rPr lang="en-US" dirty="0" smtClean="0"/>
+              <a:t>Click a shape to access its description directly.</a:t>
             </a:r>
+            <a:endParaRPr lang="en-US" dirty="0"/>
           </a:p>
         </p:txBody>
       </p:sp>
@@ -13423,6 +8631,16 @@
           </p:nvPr>
         </p:nvSpPr>
         <p:spPr/>
+        <p:txBody>
+          <a:bodyPr/>
+          <a:lstStyle/>
+          <a:p>
+            <a:r>
+              <a:rPr lang="en-US" dirty="0"/>
+              <a:t> </a:t>
+            </a:r>
+          </a:p>
+        </p:txBody>
       </p:sp>
       <p:pic>
         <p:nvPicPr>
@@ -13477,13 +8695,49 @@
           <a:p>
             <a:r>
               <a:rPr lang="en-US" dirty="0" smtClean="0"/>
-              <a:t>To get a view of the projects he is working on, the User need to access the list of Hubs he is member of. A project is represented by a Hub which is a virtual room where the Project Manager share all the relevant documents with all of the project’s members.</a:t>
+              <a:t>To get a view of the projects </a:t>
             </a:r>
-          </a:p>
-          <a:p>
             <a:r>
               <a:rPr lang="en-US" dirty="0" smtClean="0"/>
-              <a:t>To see he’s Hubs, the User goes to Access -&gt; View My Hubs in the web console.</a:t>
+              <a:t>he/she </a:t>
+            </a:r>
+            <a:r>
+              <a:rPr lang="en-US" dirty="0" smtClean="0"/>
+              <a:t>is working on, the User </a:t>
+            </a:r>
+            <a:r>
+              <a:rPr lang="en-US" dirty="0" smtClean="0"/>
+              <a:t>needs </a:t>
+            </a:r>
+            <a:r>
+              <a:rPr lang="en-US" dirty="0" smtClean="0"/>
+              <a:t>to access the list of Hubs </a:t>
+            </a:r>
+            <a:r>
+              <a:rPr lang="en-US" dirty="0" smtClean="0"/>
+              <a:t>he/she </a:t>
+            </a:r>
+            <a:r>
+              <a:rPr lang="en-US" dirty="0" smtClean="0"/>
+              <a:t>is member of. A project is represented by a Hub which is a virtual room where the Project Manager share all the relevant documents with all of the project’s members.</a:t>
+            </a:r>
+          </a:p>
+          <a:p>
+            <a:r>
+              <a:rPr lang="en-US" dirty="0" smtClean="0"/>
+              <a:t>To see </a:t>
+            </a:r>
+            <a:r>
+              <a:rPr lang="en-US" dirty="0" smtClean="0"/>
+              <a:t>his/her</a:t>
+            </a:r>
+            <a:r>
+              <a:rPr lang="en-US" dirty="0" smtClean="0"/>
+              <a:t> </a:t>
+            </a:r>
+            <a:r>
+              <a:rPr lang="en-US" dirty="0" smtClean="0"/>
+              <a:t>Hubs, the User goes to Access -&gt; View My Hubs in the web console.</a:t>
             </a:r>
           </a:p>
           <a:p>
@@ -13555,6 +8809,17 @@
           </p:nvPr>
         </p:nvSpPr>
         <p:spPr/>
+        <p:txBody>
+          <a:bodyPr/>
+          <a:lstStyle/>
+          <a:p>
+            <a:r>
+              <a:rPr lang="en-US" dirty="0" smtClean="0"/>
+              <a:t> </a:t>
+            </a:r>
+            <a:endParaRPr lang="en-US" dirty="0"/>
+          </a:p>
+        </p:txBody>
       </p:sp>
       <p:sp>
         <p:nvSpPr>
@@ -13753,6 +9018,17 @@
           </p:nvPr>
         </p:nvSpPr>
         <p:spPr/>
+        <p:txBody>
+          <a:bodyPr/>
+          <a:lstStyle/>
+          <a:p>
+            <a:r>
+              <a:rPr lang="en-US" dirty="0" smtClean="0"/>
+              <a:t> </a:t>
+            </a:r>
+            <a:endParaRPr lang="en-US" dirty="0"/>
+          </a:p>
+        </p:txBody>
       </p:sp>
       <p:sp>
         <p:nvSpPr>
@@ -13897,6 +9173,17 @@
           </p:nvPr>
         </p:nvSpPr>
         <p:spPr/>
+        <p:txBody>
+          <a:bodyPr/>
+          <a:lstStyle/>
+          <a:p>
+            <a:r>
+              <a:rPr lang="en-US" dirty="0" smtClean="0"/>
+              <a:t> </a:t>
+            </a:r>
+            <a:endParaRPr lang="en-US" dirty="0"/>
+          </a:p>
+        </p:txBody>
       </p:sp>
       <p:sp>
         <p:nvSpPr>
